--- a/FA24/WK4/CodingSessionFour.pptx
+++ b/FA24/WK4/CodingSessionFour.pptx
@@ -5,24 +5,31 @@
     <p:sldMasterId id="2147483659" r:id="rId4"/>
   </p:sldMasterIdLst>
   <p:notesMasterIdLst>
-    <p:notesMasterId r:id="rId10"/>
+    <p:notesMasterId r:id="rId17"/>
   </p:notesMasterIdLst>
   <p:sldIdLst>
     <p:sldId id="256" r:id="rId5"/>
-    <p:sldId id="282" r:id="rId6"/>
-    <p:sldId id="311" r:id="rId7"/>
-    <p:sldId id="312" r:id="rId8"/>
-    <p:sldId id="304" r:id="rId9"/>
+    <p:sldId id="313" r:id="rId6"/>
+    <p:sldId id="314" r:id="rId7"/>
+    <p:sldId id="317" r:id="rId8"/>
+    <p:sldId id="318" r:id="rId9"/>
+    <p:sldId id="319" r:id="rId10"/>
+    <p:sldId id="320" r:id="rId11"/>
+    <p:sldId id="321" r:id="rId12"/>
+    <p:sldId id="282" r:id="rId13"/>
+    <p:sldId id="311" r:id="rId14"/>
+    <p:sldId id="312" r:id="rId15"/>
+    <p:sldId id="304" r:id="rId16"/>
   </p:sldIdLst>
   <p:sldSz cx="12192000" cy="6858000"/>
   <p:notesSz cx="6858000" cy="9144000"/>
   <p:embeddedFontLst>
     <p:embeddedFont>
       <p:font typeface="Consolas" panose="020B0609020204030204" pitchFamily="49" charset="0"/>
-      <p:regular r:id="rId11"/>
-      <p:bold r:id="rId12"/>
-      <p:italic r:id="rId13"/>
-      <p:boldItalic r:id="rId14"/>
+      <p:regular r:id="rId18"/>
+      <p:bold r:id="rId19"/>
+      <p:italic r:id="rId20"/>
+      <p:boldItalic r:id="rId21"/>
     </p:embeddedFont>
   </p:embeddedFontLst>
   <p:defaultTextStyle>
@@ -1887,134 +1894,7 @@
 </p:notes>
 </file>
 
-<file path=ppt/notesSlides/notesSlide2.xml><?xml version="1.0" encoding="utf-8"?>
-<p:notes xmlns:a="http://schemas.openxmlformats.org/drawingml/2006/main" xmlns:r="http://schemas.openxmlformats.org/officeDocument/2006/relationships" xmlns:p="http://schemas.openxmlformats.org/presentationml/2006/main" showMasterSp="0" showMasterPhAnim="0">
-  <p:cSld>
-    <p:spTree>
-      <p:nvGrpSpPr>
-        <p:cNvPr id="1" name="Shape 97"/>
-        <p:cNvGrpSpPr/>
-        <p:nvPr/>
-      </p:nvGrpSpPr>
-      <p:grpSpPr>
-        <a:xfrm>
-          <a:off x="0" y="0"/>
-          <a:ext cx="0" cy="0"/>
-          <a:chOff x="0" y="0"/>
-          <a:chExt cx="0" cy="0"/>
-        </a:xfrm>
-      </p:grpSpPr>
-      <p:sp>
-        <p:nvSpPr>
-          <p:cNvPr id="98" name="Google Shape;98;p2:notes"/>
-          <p:cNvSpPr txBox="1">
-            <a:spLocks noGrp="1"/>
-          </p:cNvSpPr>
-          <p:nvPr>
-            <p:ph type="body" idx="1"/>
-          </p:nvPr>
-        </p:nvSpPr>
-        <p:spPr>
-          <a:xfrm>
-            <a:off x="685800" y="4400550"/>
-            <a:ext cx="5486400" cy="3600450"/>
-          </a:xfrm>
-          <a:prstGeom prst="rect">
-            <a:avLst/>
-          </a:prstGeom>
-          <a:noFill/>
-          <a:ln>
-            <a:noFill/>
-          </a:ln>
-        </p:spPr>
-        <p:txBody>
-          <a:bodyPr spcFirstLastPara="1" wrap="square" lIns="91425" tIns="45700" rIns="91425" bIns="45700" anchor="t" anchorCtr="0">
-            <a:noAutofit/>
-          </a:bodyPr>
-          <a:lstStyle/>
-          <a:p>
-            <a:pPr marL="0" lvl="0" indent="0" algn="l" rtl="0">
-              <a:lnSpc>
-                <a:spcPct val="100000"/>
-              </a:lnSpc>
-              <a:spcBef>
-                <a:spcPts val="0"/>
-              </a:spcBef>
-              <a:spcAft>
-                <a:spcPts val="0"/>
-              </a:spcAft>
-              <a:buSzPts val="1400"/>
-              <a:buNone/>
-            </a:pPr>
-            <a:endParaRPr dirty="0"/>
-          </a:p>
-        </p:txBody>
-      </p:sp>
-      <p:sp>
-        <p:nvSpPr>
-          <p:cNvPr id="99" name="Google Shape;99;p2:notes"/>
-          <p:cNvSpPr>
-            <a:spLocks noGrp="1" noRot="1" noChangeAspect="1"/>
-          </p:cNvSpPr>
-          <p:nvPr>
-            <p:ph type="sldImg" idx="2"/>
-          </p:nvPr>
-        </p:nvSpPr>
-        <p:spPr>
-          <a:xfrm>
-            <a:off x="685800" y="1143000"/>
-            <a:ext cx="5486400" cy="3086100"/>
-          </a:xfrm>
-          <a:custGeom>
-            <a:avLst/>
-            <a:gdLst/>
-            <a:ahLst/>
-            <a:cxnLst/>
-            <a:rect l="l" t="t" r="r" b="b"/>
-            <a:pathLst>
-              <a:path w="120000" h="120000" extrusionOk="0">
-                <a:moveTo>
-                  <a:pt x="0" y="0"/>
-                </a:moveTo>
-                <a:lnTo>
-                  <a:pt x="120000" y="0"/>
-                </a:lnTo>
-                <a:lnTo>
-                  <a:pt x="120000" y="120000"/>
-                </a:lnTo>
-                <a:lnTo>
-                  <a:pt x="0" y="120000"/>
-                </a:lnTo>
-                <a:close/>
-              </a:path>
-            </a:pathLst>
-          </a:custGeom>
-          <a:noFill/>
-          <a:ln w="12700" cap="flat" cmpd="sng">
-            <a:solidFill>
-              <a:srgbClr val="000000"/>
-            </a:solidFill>
-            <a:prstDash val="solid"/>
-            <a:round/>
-            <a:headEnd type="none" w="sm" len="sm"/>
-            <a:tailEnd type="none" w="sm" len="sm"/>
-          </a:ln>
-        </p:spPr>
-      </p:sp>
-    </p:spTree>
-    <p:extLst>
-      <p:ext uri="{BB962C8B-B14F-4D97-AF65-F5344CB8AC3E}">
-        <p14:creationId xmlns:p14="http://schemas.microsoft.com/office/powerpoint/2010/main" val="530959022"/>
-      </p:ext>
-    </p:extLst>
-  </p:cSld>
-  <p:clrMapOvr>
-    <a:masterClrMapping/>
-  </p:clrMapOvr>
-</p:notes>
-</file>
-
-<file path=ppt/notesSlides/notesSlide3.xml><?xml version="1.0" encoding="utf-8"?>
+<file path=ppt/notesSlides/notesSlide10.xml><?xml version="1.0" encoding="utf-8"?>
 <p:notes xmlns:a="http://schemas.openxmlformats.org/drawingml/2006/main" xmlns:r="http://schemas.openxmlformats.org/officeDocument/2006/relationships" xmlns:p="http://schemas.openxmlformats.org/presentationml/2006/main" showMasterSp="0" showMasterPhAnim="0">
   <p:cSld>
     <p:spTree>
@@ -2141,7 +2021,7 @@
 </p:notes>
 </file>
 
-<file path=ppt/notesSlides/notesSlide4.xml><?xml version="1.0" encoding="utf-8"?>
+<file path=ppt/notesSlides/notesSlide11.xml><?xml version="1.0" encoding="utf-8"?>
 <p:notes xmlns:a="http://schemas.openxmlformats.org/drawingml/2006/main" xmlns:r="http://schemas.openxmlformats.org/officeDocument/2006/relationships" xmlns:p="http://schemas.openxmlformats.org/presentationml/2006/main" showMasterSp="0" showMasterPhAnim="0">
   <p:cSld>
     <p:spTree>
@@ -2286,7 +2166,7 @@
 </p:notes>
 </file>
 
-<file path=ppt/notesSlides/notesSlide5.xml><?xml version="1.0" encoding="utf-8"?>
+<file path=ppt/notesSlides/notesSlide12.xml><?xml version="1.0" encoding="utf-8"?>
 <p:notes xmlns:a="http://schemas.openxmlformats.org/drawingml/2006/main" xmlns:r="http://schemas.openxmlformats.org/officeDocument/2006/relationships" xmlns:p="http://schemas.openxmlformats.org/presentationml/2006/main" showMasterSp="0" showMasterPhAnim="0">
   <p:cSld>
     <p:spTree>
@@ -2404,6 +2284,1022 @@
     <p:extLst>
       <p:ext uri="{BB962C8B-B14F-4D97-AF65-F5344CB8AC3E}">
         <p14:creationId xmlns:p14="http://schemas.microsoft.com/office/powerpoint/2010/main" val="292267066"/>
+      </p:ext>
+    </p:extLst>
+  </p:cSld>
+  <p:clrMapOvr>
+    <a:masterClrMapping/>
+  </p:clrMapOvr>
+</p:notes>
+</file>
+
+<file path=ppt/notesSlides/notesSlide2.xml><?xml version="1.0" encoding="utf-8"?>
+<p:notes xmlns:a="http://schemas.openxmlformats.org/drawingml/2006/main" xmlns:r="http://schemas.openxmlformats.org/officeDocument/2006/relationships" xmlns:p="http://schemas.openxmlformats.org/presentationml/2006/main" showMasterSp="0" showMasterPhAnim="0">
+  <p:cSld>
+    <p:spTree>
+      <p:nvGrpSpPr>
+        <p:cNvPr id="1" name="Shape 97"/>
+        <p:cNvGrpSpPr/>
+        <p:nvPr/>
+      </p:nvGrpSpPr>
+      <p:grpSpPr>
+        <a:xfrm>
+          <a:off x="0" y="0"/>
+          <a:ext cx="0" cy="0"/>
+          <a:chOff x="0" y="0"/>
+          <a:chExt cx="0" cy="0"/>
+        </a:xfrm>
+      </p:grpSpPr>
+      <p:sp>
+        <p:nvSpPr>
+          <p:cNvPr id="98" name="Google Shape;98;p2:notes"/>
+          <p:cNvSpPr txBox="1">
+            <a:spLocks noGrp="1"/>
+          </p:cNvSpPr>
+          <p:nvPr>
+            <p:ph type="body" idx="1"/>
+          </p:nvPr>
+        </p:nvSpPr>
+        <p:spPr>
+          <a:xfrm>
+            <a:off x="685800" y="4400550"/>
+            <a:ext cx="5486400" cy="3600450"/>
+          </a:xfrm>
+          <a:prstGeom prst="rect">
+            <a:avLst/>
+          </a:prstGeom>
+          <a:noFill/>
+          <a:ln>
+            <a:noFill/>
+          </a:ln>
+        </p:spPr>
+        <p:txBody>
+          <a:bodyPr spcFirstLastPara="1" wrap="square" lIns="91425" tIns="45700" rIns="91425" bIns="45700" anchor="t" anchorCtr="0">
+            <a:noAutofit/>
+          </a:bodyPr>
+          <a:lstStyle/>
+          <a:p>
+            <a:pPr marL="0" lvl="0" indent="0" algn="l" rtl="0">
+              <a:lnSpc>
+                <a:spcPct val="100000"/>
+              </a:lnSpc>
+              <a:spcBef>
+                <a:spcPts val="0"/>
+              </a:spcBef>
+              <a:spcAft>
+                <a:spcPts val="0"/>
+              </a:spcAft>
+              <a:buSzPts val="1400"/>
+              <a:buNone/>
+            </a:pPr>
+            <a:endParaRPr dirty="0"/>
+          </a:p>
+        </p:txBody>
+      </p:sp>
+      <p:sp>
+        <p:nvSpPr>
+          <p:cNvPr id="99" name="Google Shape;99;p2:notes"/>
+          <p:cNvSpPr>
+            <a:spLocks noGrp="1" noRot="1" noChangeAspect="1"/>
+          </p:cNvSpPr>
+          <p:nvPr>
+            <p:ph type="sldImg" idx="2"/>
+          </p:nvPr>
+        </p:nvSpPr>
+        <p:spPr>
+          <a:xfrm>
+            <a:off x="685800" y="1143000"/>
+            <a:ext cx="5486400" cy="3086100"/>
+          </a:xfrm>
+          <a:custGeom>
+            <a:avLst/>
+            <a:gdLst/>
+            <a:ahLst/>
+            <a:cxnLst/>
+            <a:rect l="l" t="t" r="r" b="b"/>
+            <a:pathLst>
+              <a:path w="120000" h="120000" extrusionOk="0">
+                <a:moveTo>
+                  <a:pt x="0" y="0"/>
+                </a:moveTo>
+                <a:lnTo>
+                  <a:pt x="120000" y="0"/>
+                </a:lnTo>
+                <a:lnTo>
+                  <a:pt x="120000" y="120000"/>
+                </a:lnTo>
+                <a:lnTo>
+                  <a:pt x="0" y="120000"/>
+                </a:lnTo>
+                <a:close/>
+              </a:path>
+            </a:pathLst>
+          </a:custGeom>
+          <a:noFill/>
+          <a:ln w="12700" cap="flat" cmpd="sng">
+            <a:solidFill>
+              <a:srgbClr val="000000"/>
+            </a:solidFill>
+            <a:prstDash val="solid"/>
+            <a:round/>
+            <a:headEnd type="none" w="sm" len="sm"/>
+            <a:tailEnd type="none" w="sm" len="sm"/>
+          </a:ln>
+        </p:spPr>
+      </p:sp>
+    </p:spTree>
+    <p:extLst>
+      <p:ext uri="{BB962C8B-B14F-4D97-AF65-F5344CB8AC3E}">
+        <p14:creationId xmlns:p14="http://schemas.microsoft.com/office/powerpoint/2010/main" val="4136191325"/>
+      </p:ext>
+    </p:extLst>
+  </p:cSld>
+  <p:clrMapOvr>
+    <a:masterClrMapping/>
+  </p:clrMapOvr>
+</p:notes>
+</file>
+
+<file path=ppt/notesSlides/notesSlide3.xml><?xml version="1.0" encoding="utf-8"?>
+<p:notes xmlns:a="http://schemas.openxmlformats.org/drawingml/2006/main" xmlns:r="http://schemas.openxmlformats.org/officeDocument/2006/relationships" xmlns:p="http://schemas.openxmlformats.org/presentationml/2006/main" showMasterSp="0" showMasterPhAnim="0">
+  <p:cSld>
+    <p:spTree>
+      <p:nvGrpSpPr>
+        <p:cNvPr id="1" name="Shape 97"/>
+        <p:cNvGrpSpPr/>
+        <p:nvPr/>
+      </p:nvGrpSpPr>
+      <p:grpSpPr>
+        <a:xfrm>
+          <a:off x="0" y="0"/>
+          <a:ext cx="0" cy="0"/>
+          <a:chOff x="0" y="0"/>
+          <a:chExt cx="0" cy="0"/>
+        </a:xfrm>
+      </p:grpSpPr>
+      <p:sp>
+        <p:nvSpPr>
+          <p:cNvPr id="98" name="Google Shape;98;p2:notes"/>
+          <p:cNvSpPr txBox="1">
+            <a:spLocks noGrp="1"/>
+          </p:cNvSpPr>
+          <p:nvPr>
+            <p:ph type="body" idx="1"/>
+          </p:nvPr>
+        </p:nvSpPr>
+        <p:spPr>
+          <a:xfrm>
+            <a:off x="685800" y="4400550"/>
+            <a:ext cx="5486400" cy="3600450"/>
+          </a:xfrm>
+          <a:prstGeom prst="rect">
+            <a:avLst/>
+          </a:prstGeom>
+          <a:noFill/>
+          <a:ln>
+            <a:noFill/>
+          </a:ln>
+        </p:spPr>
+        <p:txBody>
+          <a:bodyPr spcFirstLastPara="1" wrap="square" lIns="91425" tIns="45700" rIns="91425" bIns="45700" anchor="t" anchorCtr="0">
+            <a:noAutofit/>
+          </a:bodyPr>
+          <a:lstStyle/>
+          <a:p>
+            <a:pPr marL="0" lvl="0" indent="0" algn="l" rtl="0">
+              <a:lnSpc>
+                <a:spcPct val="100000"/>
+              </a:lnSpc>
+              <a:spcBef>
+                <a:spcPts val="0"/>
+              </a:spcBef>
+              <a:spcAft>
+                <a:spcPts val="0"/>
+              </a:spcAft>
+              <a:buSzPts val="1400"/>
+              <a:buNone/>
+            </a:pPr>
+            <a:endParaRPr dirty="0"/>
+          </a:p>
+        </p:txBody>
+      </p:sp>
+      <p:sp>
+        <p:nvSpPr>
+          <p:cNvPr id="99" name="Google Shape;99;p2:notes"/>
+          <p:cNvSpPr>
+            <a:spLocks noGrp="1" noRot="1" noChangeAspect="1"/>
+          </p:cNvSpPr>
+          <p:nvPr>
+            <p:ph type="sldImg" idx="2"/>
+          </p:nvPr>
+        </p:nvSpPr>
+        <p:spPr>
+          <a:xfrm>
+            <a:off x="685800" y="1143000"/>
+            <a:ext cx="5486400" cy="3086100"/>
+          </a:xfrm>
+          <a:custGeom>
+            <a:avLst/>
+            <a:gdLst/>
+            <a:ahLst/>
+            <a:cxnLst/>
+            <a:rect l="l" t="t" r="r" b="b"/>
+            <a:pathLst>
+              <a:path w="120000" h="120000" extrusionOk="0">
+                <a:moveTo>
+                  <a:pt x="0" y="0"/>
+                </a:moveTo>
+                <a:lnTo>
+                  <a:pt x="120000" y="0"/>
+                </a:lnTo>
+                <a:lnTo>
+                  <a:pt x="120000" y="120000"/>
+                </a:lnTo>
+                <a:lnTo>
+                  <a:pt x="0" y="120000"/>
+                </a:lnTo>
+                <a:close/>
+              </a:path>
+            </a:pathLst>
+          </a:custGeom>
+          <a:noFill/>
+          <a:ln w="12700" cap="flat" cmpd="sng">
+            <a:solidFill>
+              <a:srgbClr val="000000"/>
+            </a:solidFill>
+            <a:prstDash val="solid"/>
+            <a:round/>
+            <a:headEnd type="none" w="sm" len="sm"/>
+            <a:tailEnd type="none" w="sm" len="sm"/>
+          </a:ln>
+        </p:spPr>
+      </p:sp>
+    </p:spTree>
+    <p:extLst>
+      <p:ext uri="{BB962C8B-B14F-4D97-AF65-F5344CB8AC3E}">
+        <p14:creationId xmlns:p14="http://schemas.microsoft.com/office/powerpoint/2010/main" val="1270966166"/>
+      </p:ext>
+    </p:extLst>
+  </p:cSld>
+  <p:clrMapOvr>
+    <a:masterClrMapping/>
+  </p:clrMapOvr>
+</p:notes>
+</file>
+
+<file path=ppt/notesSlides/notesSlide4.xml><?xml version="1.0" encoding="utf-8"?>
+<p:notes xmlns:a="http://schemas.openxmlformats.org/drawingml/2006/main" xmlns:r="http://schemas.openxmlformats.org/officeDocument/2006/relationships" xmlns:p="http://schemas.openxmlformats.org/presentationml/2006/main" showMasterSp="0" showMasterPhAnim="0">
+  <p:cSld>
+    <p:spTree>
+      <p:nvGrpSpPr>
+        <p:cNvPr id="1" name="Shape 97"/>
+        <p:cNvGrpSpPr/>
+        <p:nvPr/>
+      </p:nvGrpSpPr>
+      <p:grpSpPr>
+        <a:xfrm>
+          <a:off x="0" y="0"/>
+          <a:ext cx="0" cy="0"/>
+          <a:chOff x="0" y="0"/>
+          <a:chExt cx="0" cy="0"/>
+        </a:xfrm>
+      </p:grpSpPr>
+      <p:sp>
+        <p:nvSpPr>
+          <p:cNvPr id="98" name="Google Shape;98;p2:notes"/>
+          <p:cNvSpPr txBox="1">
+            <a:spLocks noGrp="1"/>
+          </p:cNvSpPr>
+          <p:nvPr>
+            <p:ph type="body" idx="1"/>
+          </p:nvPr>
+        </p:nvSpPr>
+        <p:spPr>
+          <a:xfrm>
+            <a:off x="685800" y="4400550"/>
+            <a:ext cx="5486400" cy="3600450"/>
+          </a:xfrm>
+          <a:prstGeom prst="rect">
+            <a:avLst/>
+          </a:prstGeom>
+          <a:noFill/>
+          <a:ln>
+            <a:noFill/>
+          </a:ln>
+        </p:spPr>
+        <p:txBody>
+          <a:bodyPr spcFirstLastPara="1" wrap="square" lIns="91425" tIns="45700" rIns="91425" bIns="45700" anchor="t" anchorCtr="0">
+            <a:noAutofit/>
+          </a:bodyPr>
+          <a:lstStyle/>
+          <a:p>
+            <a:pPr marL="0" lvl="0" indent="0" algn="l" rtl="0">
+              <a:lnSpc>
+                <a:spcPct val="100000"/>
+              </a:lnSpc>
+              <a:spcBef>
+                <a:spcPts val="0"/>
+              </a:spcBef>
+              <a:spcAft>
+                <a:spcPts val="0"/>
+              </a:spcAft>
+              <a:buSzPts val="1400"/>
+              <a:buNone/>
+            </a:pPr>
+            <a:endParaRPr dirty="0"/>
+          </a:p>
+        </p:txBody>
+      </p:sp>
+      <p:sp>
+        <p:nvSpPr>
+          <p:cNvPr id="99" name="Google Shape;99;p2:notes"/>
+          <p:cNvSpPr>
+            <a:spLocks noGrp="1" noRot="1" noChangeAspect="1"/>
+          </p:cNvSpPr>
+          <p:nvPr>
+            <p:ph type="sldImg" idx="2"/>
+          </p:nvPr>
+        </p:nvSpPr>
+        <p:spPr>
+          <a:xfrm>
+            <a:off x="685800" y="1143000"/>
+            <a:ext cx="5486400" cy="3086100"/>
+          </a:xfrm>
+          <a:custGeom>
+            <a:avLst/>
+            <a:gdLst/>
+            <a:ahLst/>
+            <a:cxnLst/>
+            <a:rect l="l" t="t" r="r" b="b"/>
+            <a:pathLst>
+              <a:path w="120000" h="120000" extrusionOk="0">
+                <a:moveTo>
+                  <a:pt x="0" y="0"/>
+                </a:moveTo>
+                <a:lnTo>
+                  <a:pt x="120000" y="0"/>
+                </a:lnTo>
+                <a:lnTo>
+                  <a:pt x="120000" y="120000"/>
+                </a:lnTo>
+                <a:lnTo>
+                  <a:pt x="0" y="120000"/>
+                </a:lnTo>
+                <a:close/>
+              </a:path>
+            </a:pathLst>
+          </a:custGeom>
+          <a:noFill/>
+          <a:ln w="12700" cap="flat" cmpd="sng">
+            <a:solidFill>
+              <a:srgbClr val="000000"/>
+            </a:solidFill>
+            <a:prstDash val="solid"/>
+            <a:round/>
+            <a:headEnd type="none" w="sm" len="sm"/>
+            <a:tailEnd type="none" w="sm" len="sm"/>
+          </a:ln>
+        </p:spPr>
+      </p:sp>
+    </p:spTree>
+    <p:extLst>
+      <p:ext uri="{BB962C8B-B14F-4D97-AF65-F5344CB8AC3E}">
+        <p14:creationId xmlns:p14="http://schemas.microsoft.com/office/powerpoint/2010/main" val="3257321307"/>
+      </p:ext>
+    </p:extLst>
+  </p:cSld>
+  <p:clrMapOvr>
+    <a:masterClrMapping/>
+  </p:clrMapOvr>
+</p:notes>
+</file>
+
+<file path=ppt/notesSlides/notesSlide5.xml><?xml version="1.0" encoding="utf-8"?>
+<p:notes xmlns:a="http://schemas.openxmlformats.org/drawingml/2006/main" xmlns:r="http://schemas.openxmlformats.org/officeDocument/2006/relationships" xmlns:p="http://schemas.openxmlformats.org/presentationml/2006/main" showMasterSp="0" showMasterPhAnim="0">
+  <p:cSld>
+    <p:spTree>
+      <p:nvGrpSpPr>
+        <p:cNvPr id="1" name="Shape 97"/>
+        <p:cNvGrpSpPr/>
+        <p:nvPr/>
+      </p:nvGrpSpPr>
+      <p:grpSpPr>
+        <a:xfrm>
+          <a:off x="0" y="0"/>
+          <a:ext cx="0" cy="0"/>
+          <a:chOff x="0" y="0"/>
+          <a:chExt cx="0" cy="0"/>
+        </a:xfrm>
+      </p:grpSpPr>
+      <p:sp>
+        <p:nvSpPr>
+          <p:cNvPr id="98" name="Google Shape;98;p2:notes"/>
+          <p:cNvSpPr txBox="1">
+            <a:spLocks noGrp="1"/>
+          </p:cNvSpPr>
+          <p:nvPr>
+            <p:ph type="body" idx="1"/>
+          </p:nvPr>
+        </p:nvSpPr>
+        <p:spPr>
+          <a:xfrm>
+            <a:off x="685800" y="4400550"/>
+            <a:ext cx="5486400" cy="3600450"/>
+          </a:xfrm>
+          <a:prstGeom prst="rect">
+            <a:avLst/>
+          </a:prstGeom>
+          <a:noFill/>
+          <a:ln>
+            <a:noFill/>
+          </a:ln>
+        </p:spPr>
+        <p:txBody>
+          <a:bodyPr spcFirstLastPara="1" wrap="square" lIns="91425" tIns="45700" rIns="91425" bIns="45700" anchor="t" anchorCtr="0">
+            <a:noAutofit/>
+          </a:bodyPr>
+          <a:lstStyle/>
+          <a:p>
+            <a:pPr marL="0" lvl="0" indent="0" algn="l" rtl="0">
+              <a:lnSpc>
+                <a:spcPct val="100000"/>
+              </a:lnSpc>
+              <a:spcBef>
+                <a:spcPts val="0"/>
+              </a:spcBef>
+              <a:spcAft>
+                <a:spcPts val="0"/>
+              </a:spcAft>
+              <a:buSzPts val="1400"/>
+              <a:buNone/>
+            </a:pPr>
+            <a:endParaRPr dirty="0"/>
+          </a:p>
+        </p:txBody>
+      </p:sp>
+      <p:sp>
+        <p:nvSpPr>
+          <p:cNvPr id="99" name="Google Shape;99;p2:notes"/>
+          <p:cNvSpPr>
+            <a:spLocks noGrp="1" noRot="1" noChangeAspect="1"/>
+          </p:cNvSpPr>
+          <p:nvPr>
+            <p:ph type="sldImg" idx="2"/>
+          </p:nvPr>
+        </p:nvSpPr>
+        <p:spPr>
+          <a:xfrm>
+            <a:off x="685800" y="1143000"/>
+            <a:ext cx="5486400" cy="3086100"/>
+          </a:xfrm>
+          <a:custGeom>
+            <a:avLst/>
+            <a:gdLst/>
+            <a:ahLst/>
+            <a:cxnLst/>
+            <a:rect l="l" t="t" r="r" b="b"/>
+            <a:pathLst>
+              <a:path w="120000" h="120000" extrusionOk="0">
+                <a:moveTo>
+                  <a:pt x="0" y="0"/>
+                </a:moveTo>
+                <a:lnTo>
+                  <a:pt x="120000" y="0"/>
+                </a:lnTo>
+                <a:lnTo>
+                  <a:pt x="120000" y="120000"/>
+                </a:lnTo>
+                <a:lnTo>
+                  <a:pt x="0" y="120000"/>
+                </a:lnTo>
+                <a:close/>
+              </a:path>
+            </a:pathLst>
+          </a:custGeom>
+          <a:noFill/>
+          <a:ln w="12700" cap="flat" cmpd="sng">
+            <a:solidFill>
+              <a:srgbClr val="000000"/>
+            </a:solidFill>
+            <a:prstDash val="solid"/>
+            <a:round/>
+            <a:headEnd type="none" w="sm" len="sm"/>
+            <a:tailEnd type="none" w="sm" len="sm"/>
+          </a:ln>
+        </p:spPr>
+      </p:sp>
+    </p:spTree>
+    <p:extLst>
+      <p:ext uri="{BB962C8B-B14F-4D97-AF65-F5344CB8AC3E}">
+        <p14:creationId xmlns:p14="http://schemas.microsoft.com/office/powerpoint/2010/main" val="3198198914"/>
+      </p:ext>
+    </p:extLst>
+  </p:cSld>
+  <p:clrMapOvr>
+    <a:masterClrMapping/>
+  </p:clrMapOvr>
+</p:notes>
+</file>
+
+<file path=ppt/notesSlides/notesSlide6.xml><?xml version="1.0" encoding="utf-8"?>
+<p:notes xmlns:a="http://schemas.openxmlformats.org/drawingml/2006/main" xmlns:r="http://schemas.openxmlformats.org/officeDocument/2006/relationships" xmlns:p="http://schemas.openxmlformats.org/presentationml/2006/main" showMasterSp="0" showMasterPhAnim="0">
+  <p:cSld>
+    <p:spTree>
+      <p:nvGrpSpPr>
+        <p:cNvPr id="1" name="Shape 97"/>
+        <p:cNvGrpSpPr/>
+        <p:nvPr/>
+      </p:nvGrpSpPr>
+      <p:grpSpPr>
+        <a:xfrm>
+          <a:off x="0" y="0"/>
+          <a:ext cx="0" cy="0"/>
+          <a:chOff x="0" y="0"/>
+          <a:chExt cx="0" cy="0"/>
+        </a:xfrm>
+      </p:grpSpPr>
+      <p:sp>
+        <p:nvSpPr>
+          <p:cNvPr id="98" name="Google Shape;98;p2:notes"/>
+          <p:cNvSpPr txBox="1">
+            <a:spLocks noGrp="1"/>
+          </p:cNvSpPr>
+          <p:nvPr>
+            <p:ph type="body" idx="1"/>
+          </p:nvPr>
+        </p:nvSpPr>
+        <p:spPr>
+          <a:xfrm>
+            <a:off x="685800" y="4400550"/>
+            <a:ext cx="5486400" cy="3600450"/>
+          </a:xfrm>
+          <a:prstGeom prst="rect">
+            <a:avLst/>
+          </a:prstGeom>
+          <a:noFill/>
+          <a:ln>
+            <a:noFill/>
+          </a:ln>
+        </p:spPr>
+        <p:txBody>
+          <a:bodyPr spcFirstLastPara="1" wrap="square" lIns="91425" tIns="45700" rIns="91425" bIns="45700" anchor="t" anchorCtr="0">
+            <a:noAutofit/>
+          </a:bodyPr>
+          <a:lstStyle/>
+          <a:p>
+            <a:pPr marL="0" lvl="0" indent="0" algn="l" rtl="0">
+              <a:lnSpc>
+                <a:spcPct val="100000"/>
+              </a:lnSpc>
+              <a:spcBef>
+                <a:spcPts val="0"/>
+              </a:spcBef>
+              <a:spcAft>
+                <a:spcPts val="0"/>
+              </a:spcAft>
+              <a:buSzPts val="1400"/>
+              <a:buNone/>
+            </a:pPr>
+            <a:endParaRPr dirty="0"/>
+          </a:p>
+        </p:txBody>
+      </p:sp>
+      <p:sp>
+        <p:nvSpPr>
+          <p:cNvPr id="99" name="Google Shape;99;p2:notes"/>
+          <p:cNvSpPr>
+            <a:spLocks noGrp="1" noRot="1" noChangeAspect="1"/>
+          </p:cNvSpPr>
+          <p:nvPr>
+            <p:ph type="sldImg" idx="2"/>
+          </p:nvPr>
+        </p:nvSpPr>
+        <p:spPr>
+          <a:xfrm>
+            <a:off x="685800" y="1143000"/>
+            <a:ext cx="5486400" cy="3086100"/>
+          </a:xfrm>
+          <a:custGeom>
+            <a:avLst/>
+            <a:gdLst/>
+            <a:ahLst/>
+            <a:cxnLst/>
+            <a:rect l="l" t="t" r="r" b="b"/>
+            <a:pathLst>
+              <a:path w="120000" h="120000" extrusionOk="0">
+                <a:moveTo>
+                  <a:pt x="0" y="0"/>
+                </a:moveTo>
+                <a:lnTo>
+                  <a:pt x="120000" y="0"/>
+                </a:lnTo>
+                <a:lnTo>
+                  <a:pt x="120000" y="120000"/>
+                </a:lnTo>
+                <a:lnTo>
+                  <a:pt x="0" y="120000"/>
+                </a:lnTo>
+                <a:close/>
+              </a:path>
+            </a:pathLst>
+          </a:custGeom>
+          <a:noFill/>
+          <a:ln w="12700" cap="flat" cmpd="sng">
+            <a:solidFill>
+              <a:srgbClr val="000000"/>
+            </a:solidFill>
+            <a:prstDash val="solid"/>
+            <a:round/>
+            <a:headEnd type="none" w="sm" len="sm"/>
+            <a:tailEnd type="none" w="sm" len="sm"/>
+          </a:ln>
+        </p:spPr>
+      </p:sp>
+    </p:spTree>
+    <p:extLst>
+      <p:ext uri="{BB962C8B-B14F-4D97-AF65-F5344CB8AC3E}">
+        <p14:creationId xmlns:p14="http://schemas.microsoft.com/office/powerpoint/2010/main" val="3828926894"/>
+      </p:ext>
+    </p:extLst>
+  </p:cSld>
+  <p:clrMapOvr>
+    <a:masterClrMapping/>
+  </p:clrMapOvr>
+</p:notes>
+</file>
+
+<file path=ppt/notesSlides/notesSlide7.xml><?xml version="1.0" encoding="utf-8"?>
+<p:notes xmlns:a="http://schemas.openxmlformats.org/drawingml/2006/main" xmlns:r="http://schemas.openxmlformats.org/officeDocument/2006/relationships" xmlns:p="http://schemas.openxmlformats.org/presentationml/2006/main" showMasterSp="0" showMasterPhAnim="0">
+  <p:cSld>
+    <p:spTree>
+      <p:nvGrpSpPr>
+        <p:cNvPr id="1" name="Shape 97"/>
+        <p:cNvGrpSpPr/>
+        <p:nvPr/>
+      </p:nvGrpSpPr>
+      <p:grpSpPr>
+        <a:xfrm>
+          <a:off x="0" y="0"/>
+          <a:ext cx="0" cy="0"/>
+          <a:chOff x="0" y="0"/>
+          <a:chExt cx="0" cy="0"/>
+        </a:xfrm>
+      </p:grpSpPr>
+      <p:sp>
+        <p:nvSpPr>
+          <p:cNvPr id="98" name="Google Shape;98;p2:notes"/>
+          <p:cNvSpPr txBox="1">
+            <a:spLocks noGrp="1"/>
+          </p:cNvSpPr>
+          <p:nvPr>
+            <p:ph type="body" idx="1"/>
+          </p:nvPr>
+        </p:nvSpPr>
+        <p:spPr>
+          <a:xfrm>
+            <a:off x="685800" y="4400550"/>
+            <a:ext cx="5486400" cy="3600450"/>
+          </a:xfrm>
+          <a:prstGeom prst="rect">
+            <a:avLst/>
+          </a:prstGeom>
+          <a:noFill/>
+          <a:ln>
+            <a:noFill/>
+          </a:ln>
+        </p:spPr>
+        <p:txBody>
+          <a:bodyPr spcFirstLastPara="1" wrap="square" lIns="91425" tIns="45700" rIns="91425" bIns="45700" anchor="t" anchorCtr="0">
+            <a:noAutofit/>
+          </a:bodyPr>
+          <a:lstStyle/>
+          <a:p>
+            <a:pPr marL="0" lvl="0" indent="0" algn="l" rtl="0">
+              <a:lnSpc>
+                <a:spcPct val="100000"/>
+              </a:lnSpc>
+              <a:spcBef>
+                <a:spcPts val="0"/>
+              </a:spcBef>
+              <a:spcAft>
+                <a:spcPts val="0"/>
+              </a:spcAft>
+              <a:buSzPts val="1400"/>
+              <a:buNone/>
+            </a:pPr>
+            <a:endParaRPr dirty="0"/>
+          </a:p>
+        </p:txBody>
+      </p:sp>
+      <p:sp>
+        <p:nvSpPr>
+          <p:cNvPr id="99" name="Google Shape;99;p2:notes"/>
+          <p:cNvSpPr>
+            <a:spLocks noGrp="1" noRot="1" noChangeAspect="1"/>
+          </p:cNvSpPr>
+          <p:nvPr>
+            <p:ph type="sldImg" idx="2"/>
+          </p:nvPr>
+        </p:nvSpPr>
+        <p:spPr>
+          <a:xfrm>
+            <a:off x="685800" y="1143000"/>
+            <a:ext cx="5486400" cy="3086100"/>
+          </a:xfrm>
+          <a:custGeom>
+            <a:avLst/>
+            <a:gdLst/>
+            <a:ahLst/>
+            <a:cxnLst/>
+            <a:rect l="l" t="t" r="r" b="b"/>
+            <a:pathLst>
+              <a:path w="120000" h="120000" extrusionOk="0">
+                <a:moveTo>
+                  <a:pt x="0" y="0"/>
+                </a:moveTo>
+                <a:lnTo>
+                  <a:pt x="120000" y="0"/>
+                </a:lnTo>
+                <a:lnTo>
+                  <a:pt x="120000" y="120000"/>
+                </a:lnTo>
+                <a:lnTo>
+                  <a:pt x="0" y="120000"/>
+                </a:lnTo>
+                <a:close/>
+              </a:path>
+            </a:pathLst>
+          </a:custGeom>
+          <a:noFill/>
+          <a:ln w="12700" cap="flat" cmpd="sng">
+            <a:solidFill>
+              <a:srgbClr val="000000"/>
+            </a:solidFill>
+            <a:prstDash val="solid"/>
+            <a:round/>
+            <a:headEnd type="none" w="sm" len="sm"/>
+            <a:tailEnd type="none" w="sm" len="sm"/>
+          </a:ln>
+        </p:spPr>
+      </p:sp>
+    </p:spTree>
+    <p:extLst>
+      <p:ext uri="{BB962C8B-B14F-4D97-AF65-F5344CB8AC3E}">
+        <p14:creationId xmlns:p14="http://schemas.microsoft.com/office/powerpoint/2010/main" val="3818270490"/>
+      </p:ext>
+    </p:extLst>
+  </p:cSld>
+  <p:clrMapOvr>
+    <a:masterClrMapping/>
+  </p:clrMapOvr>
+</p:notes>
+</file>
+
+<file path=ppt/notesSlides/notesSlide8.xml><?xml version="1.0" encoding="utf-8"?>
+<p:notes xmlns:a="http://schemas.openxmlformats.org/drawingml/2006/main" xmlns:r="http://schemas.openxmlformats.org/officeDocument/2006/relationships" xmlns:p="http://schemas.openxmlformats.org/presentationml/2006/main" showMasterSp="0" showMasterPhAnim="0">
+  <p:cSld>
+    <p:spTree>
+      <p:nvGrpSpPr>
+        <p:cNvPr id="1" name="Shape 97"/>
+        <p:cNvGrpSpPr/>
+        <p:nvPr/>
+      </p:nvGrpSpPr>
+      <p:grpSpPr>
+        <a:xfrm>
+          <a:off x="0" y="0"/>
+          <a:ext cx="0" cy="0"/>
+          <a:chOff x="0" y="0"/>
+          <a:chExt cx="0" cy="0"/>
+        </a:xfrm>
+      </p:grpSpPr>
+      <p:sp>
+        <p:nvSpPr>
+          <p:cNvPr id="98" name="Google Shape;98;p2:notes"/>
+          <p:cNvSpPr txBox="1">
+            <a:spLocks noGrp="1"/>
+          </p:cNvSpPr>
+          <p:nvPr>
+            <p:ph type="body" idx="1"/>
+          </p:nvPr>
+        </p:nvSpPr>
+        <p:spPr>
+          <a:xfrm>
+            <a:off x="685800" y="4400550"/>
+            <a:ext cx="5486400" cy="3600450"/>
+          </a:xfrm>
+          <a:prstGeom prst="rect">
+            <a:avLst/>
+          </a:prstGeom>
+          <a:noFill/>
+          <a:ln>
+            <a:noFill/>
+          </a:ln>
+        </p:spPr>
+        <p:txBody>
+          <a:bodyPr spcFirstLastPara="1" wrap="square" lIns="91425" tIns="45700" rIns="91425" bIns="45700" anchor="t" anchorCtr="0">
+            <a:noAutofit/>
+          </a:bodyPr>
+          <a:lstStyle/>
+          <a:p>
+            <a:pPr marL="0" lvl="0" indent="0" algn="l" rtl="0">
+              <a:lnSpc>
+                <a:spcPct val="100000"/>
+              </a:lnSpc>
+              <a:spcBef>
+                <a:spcPts val="0"/>
+              </a:spcBef>
+              <a:spcAft>
+                <a:spcPts val="0"/>
+              </a:spcAft>
+              <a:buSzPts val="1400"/>
+              <a:buNone/>
+            </a:pPr>
+            <a:endParaRPr dirty="0"/>
+          </a:p>
+        </p:txBody>
+      </p:sp>
+      <p:sp>
+        <p:nvSpPr>
+          <p:cNvPr id="99" name="Google Shape;99;p2:notes"/>
+          <p:cNvSpPr>
+            <a:spLocks noGrp="1" noRot="1" noChangeAspect="1"/>
+          </p:cNvSpPr>
+          <p:nvPr>
+            <p:ph type="sldImg" idx="2"/>
+          </p:nvPr>
+        </p:nvSpPr>
+        <p:spPr>
+          <a:xfrm>
+            <a:off x="685800" y="1143000"/>
+            <a:ext cx="5486400" cy="3086100"/>
+          </a:xfrm>
+          <a:custGeom>
+            <a:avLst/>
+            <a:gdLst/>
+            <a:ahLst/>
+            <a:cxnLst/>
+            <a:rect l="l" t="t" r="r" b="b"/>
+            <a:pathLst>
+              <a:path w="120000" h="120000" extrusionOk="0">
+                <a:moveTo>
+                  <a:pt x="0" y="0"/>
+                </a:moveTo>
+                <a:lnTo>
+                  <a:pt x="120000" y="0"/>
+                </a:lnTo>
+                <a:lnTo>
+                  <a:pt x="120000" y="120000"/>
+                </a:lnTo>
+                <a:lnTo>
+                  <a:pt x="0" y="120000"/>
+                </a:lnTo>
+                <a:close/>
+              </a:path>
+            </a:pathLst>
+          </a:custGeom>
+          <a:noFill/>
+          <a:ln w="12700" cap="flat" cmpd="sng">
+            <a:solidFill>
+              <a:srgbClr val="000000"/>
+            </a:solidFill>
+            <a:prstDash val="solid"/>
+            <a:round/>
+            <a:headEnd type="none" w="sm" len="sm"/>
+            <a:tailEnd type="none" w="sm" len="sm"/>
+          </a:ln>
+        </p:spPr>
+      </p:sp>
+    </p:spTree>
+    <p:extLst>
+      <p:ext uri="{BB962C8B-B14F-4D97-AF65-F5344CB8AC3E}">
+        <p14:creationId xmlns:p14="http://schemas.microsoft.com/office/powerpoint/2010/main" val="4107772247"/>
+      </p:ext>
+    </p:extLst>
+  </p:cSld>
+  <p:clrMapOvr>
+    <a:masterClrMapping/>
+  </p:clrMapOvr>
+</p:notes>
+</file>
+
+<file path=ppt/notesSlides/notesSlide9.xml><?xml version="1.0" encoding="utf-8"?>
+<p:notes xmlns:a="http://schemas.openxmlformats.org/drawingml/2006/main" xmlns:r="http://schemas.openxmlformats.org/officeDocument/2006/relationships" xmlns:p="http://schemas.openxmlformats.org/presentationml/2006/main" showMasterSp="0" showMasterPhAnim="0">
+  <p:cSld>
+    <p:spTree>
+      <p:nvGrpSpPr>
+        <p:cNvPr id="1" name="Shape 97"/>
+        <p:cNvGrpSpPr/>
+        <p:nvPr/>
+      </p:nvGrpSpPr>
+      <p:grpSpPr>
+        <a:xfrm>
+          <a:off x="0" y="0"/>
+          <a:ext cx="0" cy="0"/>
+          <a:chOff x="0" y="0"/>
+          <a:chExt cx="0" cy="0"/>
+        </a:xfrm>
+      </p:grpSpPr>
+      <p:sp>
+        <p:nvSpPr>
+          <p:cNvPr id="98" name="Google Shape;98;p2:notes"/>
+          <p:cNvSpPr txBox="1">
+            <a:spLocks noGrp="1"/>
+          </p:cNvSpPr>
+          <p:nvPr>
+            <p:ph type="body" idx="1"/>
+          </p:nvPr>
+        </p:nvSpPr>
+        <p:spPr>
+          <a:xfrm>
+            <a:off x="685800" y="4400550"/>
+            <a:ext cx="5486400" cy="3600450"/>
+          </a:xfrm>
+          <a:prstGeom prst="rect">
+            <a:avLst/>
+          </a:prstGeom>
+          <a:noFill/>
+          <a:ln>
+            <a:noFill/>
+          </a:ln>
+        </p:spPr>
+        <p:txBody>
+          <a:bodyPr spcFirstLastPara="1" wrap="square" lIns="91425" tIns="45700" rIns="91425" bIns="45700" anchor="t" anchorCtr="0">
+            <a:noAutofit/>
+          </a:bodyPr>
+          <a:lstStyle/>
+          <a:p>
+            <a:pPr marL="0" lvl="0" indent="0" algn="l" rtl="0">
+              <a:lnSpc>
+                <a:spcPct val="100000"/>
+              </a:lnSpc>
+              <a:spcBef>
+                <a:spcPts val="0"/>
+              </a:spcBef>
+              <a:spcAft>
+                <a:spcPts val="0"/>
+              </a:spcAft>
+              <a:buSzPts val="1400"/>
+              <a:buNone/>
+            </a:pPr>
+            <a:endParaRPr dirty="0"/>
+          </a:p>
+        </p:txBody>
+      </p:sp>
+      <p:sp>
+        <p:nvSpPr>
+          <p:cNvPr id="99" name="Google Shape;99;p2:notes"/>
+          <p:cNvSpPr>
+            <a:spLocks noGrp="1" noRot="1" noChangeAspect="1"/>
+          </p:cNvSpPr>
+          <p:nvPr>
+            <p:ph type="sldImg" idx="2"/>
+          </p:nvPr>
+        </p:nvSpPr>
+        <p:spPr>
+          <a:xfrm>
+            <a:off x="685800" y="1143000"/>
+            <a:ext cx="5486400" cy="3086100"/>
+          </a:xfrm>
+          <a:custGeom>
+            <a:avLst/>
+            <a:gdLst/>
+            <a:ahLst/>
+            <a:cxnLst/>
+            <a:rect l="l" t="t" r="r" b="b"/>
+            <a:pathLst>
+              <a:path w="120000" h="120000" extrusionOk="0">
+                <a:moveTo>
+                  <a:pt x="0" y="0"/>
+                </a:moveTo>
+                <a:lnTo>
+                  <a:pt x="120000" y="0"/>
+                </a:lnTo>
+                <a:lnTo>
+                  <a:pt x="120000" y="120000"/>
+                </a:lnTo>
+                <a:lnTo>
+                  <a:pt x="0" y="120000"/>
+                </a:lnTo>
+                <a:close/>
+              </a:path>
+            </a:pathLst>
+          </a:custGeom>
+          <a:noFill/>
+          <a:ln w="12700" cap="flat" cmpd="sng">
+            <a:solidFill>
+              <a:srgbClr val="000000"/>
+            </a:solidFill>
+            <a:prstDash val="solid"/>
+            <a:round/>
+            <a:headEnd type="none" w="sm" len="sm"/>
+            <a:tailEnd type="none" w="sm" len="sm"/>
+          </a:ln>
+        </p:spPr>
+      </p:sp>
+    </p:spTree>
+    <p:extLst>
+      <p:ext uri="{BB962C8B-B14F-4D97-AF65-F5344CB8AC3E}">
+        <p14:creationId xmlns:p14="http://schemas.microsoft.com/office/powerpoint/2010/main" val="530959022"/>
       </p:ext>
     </p:extLst>
   </p:cSld>
@@ -16405,7 +17301,7 @@
 </p:sld>
 </file>
 
-<file path=ppt/slides/slide2.xml><?xml version="1.0" encoding="utf-8"?>
+<file path=ppt/slides/slide10.xml><?xml version="1.0" encoding="utf-8"?>
 <p:sld xmlns:a="http://schemas.openxmlformats.org/drawingml/2006/main" xmlns:r="http://schemas.openxmlformats.org/officeDocument/2006/relationships" xmlns:p="http://schemas.openxmlformats.org/presentationml/2006/main">
   <p:cSld>
     <p:spTree>
@@ -16560,7 +17456,7 @@
                   <a:schemeClr val="lt1"/>
                 </a:solidFill>
               </a:rPr>
-              <a:t>What are Libraries</a:t>
+              <a:t>csv (built-in library)</a:t>
             </a:r>
             <a:endParaRPr lang="en-US" dirty="0"/>
           </a:p>
@@ -16717,7 +17613,7 @@
                   <a:schemeClr val="lt1"/>
                 </a:solidFill>
               </a:rPr>
-              <a:t>2</a:t>
+              <a:t>10</a:t>
             </a:fld>
             <a:endParaRPr>
               <a:solidFill>
@@ -16809,553 +17705,6 @@
         </p:nvSpPr>
         <p:spPr>
           <a:xfrm>
-            <a:off x="249382" y="1645438"/>
-            <a:ext cx="6189125" cy="3231654"/>
-          </a:xfrm>
-          <a:prstGeom prst="rect">
-            <a:avLst/>
-          </a:prstGeom>
-          <a:noFill/>
-        </p:spPr>
-        <p:txBody>
-          <a:bodyPr wrap="square" rtlCol="0">
-            <a:spAutoFit/>
-          </a:bodyPr>
-          <a:lstStyle/>
-          <a:p>
-            <a:pPr marL="285750" indent="-285750">
-              <a:buFont typeface="Arial" panose="020B0604020202020204" pitchFamily="34" charset="0"/>
-              <a:buChar char="•"/>
-            </a:pPr>
-            <a:r>
-              <a:rPr lang="en-US" sz="2000" dirty="0"/>
-              <a:t>Allows us to compartmentalize code</a:t>
-            </a:r>
-          </a:p>
-          <a:p>
-            <a:pPr marL="285750" indent="-285750">
-              <a:buFont typeface="Arial" panose="020B0604020202020204" pitchFamily="34" charset="0"/>
-              <a:buChar char="•"/>
-            </a:pPr>
-            <a:endParaRPr lang="en-US" sz="2000" dirty="0"/>
-          </a:p>
-          <a:p>
-            <a:pPr marL="285750" indent="-285750">
-              <a:buFont typeface="Arial" panose="020B0604020202020204" pitchFamily="34" charset="0"/>
-              <a:buChar char="•"/>
-            </a:pPr>
-            <a:r>
-              <a:rPr lang="en-US" sz="2000" dirty="0"/>
-              <a:t>Makes programs more scalable</a:t>
-            </a:r>
-          </a:p>
-          <a:p>
-            <a:pPr marL="285750" indent="-285750">
-              <a:buFont typeface="Arial" panose="020B0604020202020204" pitchFamily="34" charset="0"/>
-              <a:buChar char="•"/>
-            </a:pPr>
-            <a:endParaRPr lang="en-US" sz="2000" dirty="0">
-              <a:solidFill>
-                <a:schemeClr val="lt1"/>
-              </a:solidFill>
-            </a:endParaRPr>
-          </a:p>
-          <a:p>
-            <a:pPr marL="285750" indent="-285750">
-              <a:buFont typeface="Arial" panose="020B0604020202020204" pitchFamily="34" charset="0"/>
-              <a:buChar char="•"/>
-            </a:pPr>
-            <a:r>
-              <a:rPr lang="en-US" sz="2000" dirty="0">
-                <a:solidFill>
-                  <a:schemeClr val="tx1"/>
-                </a:solidFill>
-              </a:rPr>
-              <a:t>There are people who have written code for you. So use it!</a:t>
-            </a:r>
-          </a:p>
-          <a:p>
-            <a:pPr marL="285750" indent="-285750">
-              <a:buFont typeface="Arial" panose="020B0604020202020204" pitchFamily="34" charset="0"/>
-              <a:buChar char="•"/>
-            </a:pPr>
-            <a:endParaRPr lang="en-US" sz="2000" dirty="0">
-              <a:solidFill>
-                <a:schemeClr val="tx1"/>
-              </a:solidFill>
-            </a:endParaRPr>
-          </a:p>
-          <a:p>
-            <a:pPr marL="285750" indent="-285750">
-              <a:buFont typeface="Arial" panose="020B0604020202020204" pitchFamily="34" charset="0"/>
-              <a:buChar char="•"/>
-            </a:pPr>
-            <a:r>
-              <a:rPr lang="en-US" sz="2000" dirty="0">
-                <a:solidFill>
-                  <a:schemeClr val="tx1"/>
-                </a:solidFill>
-              </a:rPr>
-              <a:t>Python provides several built-in libraries, 2 of which we’ll talk about today</a:t>
-            </a:r>
-            <a:endParaRPr lang="en-US" sz="2000" dirty="0"/>
-          </a:p>
-          <a:p>
-            <a:pPr marL="285750" indent="-285750">
-              <a:buFont typeface="Arial" panose="020B0604020202020204" pitchFamily="34" charset="0"/>
-              <a:buChar char="•"/>
-            </a:pPr>
-            <a:endParaRPr lang="en-US" sz="2400" dirty="0"/>
-          </a:p>
-        </p:txBody>
-      </p:sp>
-      <p:pic>
-        <p:nvPicPr>
-          <p:cNvPr id="7" name="Picture 6" descr="A screenshot of a computer program&#10;&#10;Description automatically generated">
-            <a:extLst>
-              <a:ext uri="{FF2B5EF4-FFF2-40B4-BE49-F238E27FC236}">
-                <a16:creationId xmlns:a16="http://schemas.microsoft.com/office/drawing/2014/main" id="{15D53F1E-36AF-4E5E-68BA-0C6A49677004}"/>
-              </a:ext>
-            </a:extLst>
-          </p:cNvPr>
-          <p:cNvPicPr>
-            <a:picLocks noChangeAspect="1"/>
-          </p:cNvPicPr>
-          <p:nvPr/>
-        </p:nvPicPr>
-        <p:blipFill>
-          <a:blip r:embed="rId4"/>
-          <a:stretch>
-            <a:fillRect/>
-          </a:stretch>
-        </p:blipFill>
-        <p:spPr>
-          <a:xfrm>
-            <a:off x="6674026" y="1296596"/>
-            <a:ext cx="5163881" cy="4492394"/>
-          </a:xfrm>
-          <a:prstGeom prst="rect">
-            <a:avLst/>
-          </a:prstGeom>
-        </p:spPr>
-      </p:pic>
-    </p:spTree>
-    <p:extLst>
-      <p:ext uri="{BB962C8B-B14F-4D97-AF65-F5344CB8AC3E}">
-        <p14:creationId xmlns:p14="http://schemas.microsoft.com/office/powerpoint/2010/main" val="3078540580"/>
-      </p:ext>
-    </p:extLst>
-  </p:cSld>
-  <p:clrMapOvr>
-    <a:masterClrMapping/>
-  </p:clrMapOvr>
-</p:sld>
-</file>
-
-<file path=ppt/slides/slide3.xml><?xml version="1.0" encoding="utf-8"?>
-<p:sld xmlns:a="http://schemas.openxmlformats.org/drawingml/2006/main" xmlns:r="http://schemas.openxmlformats.org/officeDocument/2006/relationships" xmlns:p="http://schemas.openxmlformats.org/presentationml/2006/main">
-  <p:cSld>
-    <p:spTree>
-      <p:nvGrpSpPr>
-        <p:cNvPr id="1" name="Shape 100"/>
-        <p:cNvGrpSpPr/>
-        <p:nvPr/>
-      </p:nvGrpSpPr>
-      <p:grpSpPr>
-        <a:xfrm>
-          <a:off x="0" y="0"/>
-          <a:ext cx="0" cy="0"/>
-          <a:chOff x="0" y="0"/>
-          <a:chExt cx="0" cy="0"/>
-        </a:xfrm>
-      </p:grpSpPr>
-      <p:grpSp>
-        <p:nvGrpSpPr>
-          <p:cNvPr id="101" name="Google Shape;101;p14"/>
-          <p:cNvGrpSpPr/>
-          <p:nvPr/>
-        </p:nvGrpSpPr>
-        <p:grpSpPr>
-          <a:xfrm>
-            <a:off x="-46652" y="0"/>
-            <a:ext cx="12288417" cy="839755"/>
-            <a:chOff x="-46652" y="0"/>
-            <a:chExt cx="12288417" cy="839755"/>
-          </a:xfrm>
-        </p:grpSpPr>
-        <p:sp>
-          <p:nvSpPr>
-            <p:cNvPr id="102" name="Google Shape;102;p14"/>
-            <p:cNvSpPr/>
-            <p:nvPr/>
-          </p:nvSpPr>
-          <p:spPr>
-            <a:xfrm>
-              <a:off x="0" y="0"/>
-              <a:ext cx="12192000" cy="830425"/>
-            </a:xfrm>
-            <a:prstGeom prst="rect">
-              <a:avLst/>
-            </a:prstGeom>
-            <a:solidFill>
-              <a:srgbClr val="19243B"/>
-            </a:solidFill>
-            <a:ln w="12700" cap="flat" cmpd="sng">
-              <a:solidFill>
-                <a:srgbClr val="19243B"/>
-              </a:solidFill>
-              <a:prstDash val="solid"/>
-              <a:miter lim="800000"/>
-              <a:headEnd type="none" w="sm" len="sm"/>
-              <a:tailEnd type="none" w="sm" len="sm"/>
-            </a:ln>
-          </p:spPr>
-          <p:txBody>
-            <a:bodyPr spcFirstLastPara="1" wrap="square" lIns="91425" tIns="45700" rIns="91425" bIns="45700" anchor="ctr" anchorCtr="0">
-              <a:noAutofit/>
-            </a:bodyPr>
-            <a:lstStyle/>
-            <a:p>
-              <a:pPr marL="0" marR="0" lvl="0" indent="0" algn="ctr" rtl="0">
-                <a:lnSpc>
-                  <a:spcPct val="100000"/>
-                </a:lnSpc>
-                <a:spcBef>
-                  <a:spcPts val="0"/>
-                </a:spcBef>
-                <a:spcAft>
-                  <a:spcPts val="0"/>
-                </a:spcAft>
-                <a:buClr>
-                  <a:srgbClr val="000000"/>
-                </a:buClr>
-                <a:buSzPts val="1800"/>
-                <a:buFont typeface="Arial"/>
-                <a:buNone/>
-              </a:pPr>
-              <a:endParaRPr sz="1800" b="0" i="0" u="none" strike="noStrike" cap="none">
-                <a:solidFill>
-                  <a:schemeClr val="lt1"/>
-                </a:solidFill>
-                <a:latin typeface="Calibri"/>
-                <a:ea typeface="Calibri"/>
-                <a:cs typeface="Calibri"/>
-                <a:sym typeface="Calibri"/>
-              </a:endParaRPr>
-            </a:p>
-          </p:txBody>
-        </p:sp>
-        <p:cxnSp>
-          <p:nvCxnSpPr>
-            <p:cNvPr id="103" name="Google Shape;103;p14"/>
-            <p:cNvCxnSpPr/>
-            <p:nvPr/>
-          </p:nvCxnSpPr>
-          <p:spPr>
-            <a:xfrm>
-              <a:off x="-46652" y="839755"/>
-              <a:ext cx="12288417" cy="0"/>
-            </a:xfrm>
-            <a:prstGeom prst="straightConnector1">
-              <a:avLst/>
-            </a:prstGeom>
-            <a:noFill/>
-            <a:ln w="28575" cap="flat" cmpd="sng">
-              <a:solidFill>
-                <a:srgbClr val="5EE1E6"/>
-              </a:solidFill>
-              <a:prstDash val="solid"/>
-              <a:miter lim="800000"/>
-              <a:headEnd type="none" w="sm" len="sm"/>
-              <a:tailEnd type="none" w="sm" len="sm"/>
-            </a:ln>
-          </p:spPr>
-        </p:cxnSp>
-      </p:grpSp>
-      <p:sp>
-        <p:nvSpPr>
-          <p:cNvPr id="104" name="Google Shape;104;p14"/>
-          <p:cNvSpPr txBox="1">
-            <a:spLocks noGrp="1"/>
-          </p:cNvSpPr>
-          <p:nvPr>
-            <p:ph type="title"/>
-          </p:nvPr>
-        </p:nvSpPr>
-        <p:spPr>
-          <a:xfrm>
-            <a:off x="102637" y="103870"/>
-            <a:ext cx="11420670" cy="642580"/>
-          </a:xfrm>
-          <a:prstGeom prst="rect">
-            <a:avLst/>
-          </a:prstGeom>
-          <a:noFill/>
-          <a:ln>
-            <a:noFill/>
-          </a:ln>
-        </p:spPr>
-        <p:txBody>
-          <a:bodyPr spcFirstLastPara="1" wrap="square" lIns="91425" tIns="45700" rIns="91425" bIns="45700" anchor="ctr" anchorCtr="0">
-            <a:normAutofit/>
-          </a:bodyPr>
-          <a:lstStyle/>
-          <a:p>
-            <a:r>
-              <a:rPr lang="en-US" sz="3600" dirty="0">
-                <a:solidFill>
-                  <a:schemeClr val="lt1"/>
-                </a:solidFill>
-              </a:rPr>
-              <a:t>csv (built-in library)</a:t>
-            </a:r>
-            <a:endParaRPr lang="en-US" dirty="0"/>
-          </a:p>
-        </p:txBody>
-      </p:sp>
-      <p:grpSp>
-        <p:nvGrpSpPr>
-          <p:cNvPr id="105" name="Google Shape;105;p14"/>
-          <p:cNvGrpSpPr/>
-          <p:nvPr/>
-        </p:nvGrpSpPr>
-        <p:grpSpPr>
-          <a:xfrm>
-            <a:off x="0" y="6245831"/>
-            <a:ext cx="12241765" cy="618932"/>
-            <a:chOff x="-1" y="6239068"/>
-            <a:chExt cx="12219993" cy="618932"/>
-          </a:xfrm>
-        </p:grpSpPr>
-        <p:sp>
-          <p:nvSpPr>
-            <p:cNvPr id="106" name="Google Shape;106;p14"/>
-            <p:cNvSpPr/>
-            <p:nvPr/>
-          </p:nvSpPr>
-          <p:spPr>
-            <a:xfrm>
-              <a:off x="-1" y="6263952"/>
-              <a:ext cx="12192000" cy="594048"/>
-            </a:xfrm>
-            <a:prstGeom prst="rect">
-              <a:avLst/>
-            </a:prstGeom>
-            <a:solidFill>
-              <a:srgbClr val="19243B"/>
-            </a:solidFill>
-            <a:ln w="12700" cap="flat" cmpd="sng">
-              <a:solidFill>
-                <a:srgbClr val="19243B"/>
-              </a:solidFill>
-              <a:prstDash val="solid"/>
-              <a:miter lim="800000"/>
-              <a:headEnd type="none" w="sm" len="sm"/>
-              <a:tailEnd type="none" w="sm" len="sm"/>
-            </a:ln>
-          </p:spPr>
-          <p:txBody>
-            <a:bodyPr spcFirstLastPara="1" wrap="square" lIns="91425" tIns="45700" rIns="91425" bIns="45700" anchor="ctr" anchorCtr="0">
-              <a:noAutofit/>
-            </a:bodyPr>
-            <a:lstStyle/>
-            <a:p>
-              <a:pPr marL="0" marR="0" lvl="0" indent="0" algn="ctr" rtl="0">
-                <a:lnSpc>
-                  <a:spcPct val="100000"/>
-                </a:lnSpc>
-                <a:spcBef>
-                  <a:spcPts val="0"/>
-                </a:spcBef>
-                <a:spcAft>
-                  <a:spcPts val="0"/>
-                </a:spcAft>
-                <a:buClr>
-                  <a:srgbClr val="000000"/>
-                </a:buClr>
-                <a:buSzPts val="1800"/>
-                <a:buFont typeface="Arial"/>
-                <a:buNone/>
-              </a:pPr>
-              <a:endParaRPr sz="1800" b="0" i="0" u="none" strike="noStrike" cap="none">
-                <a:solidFill>
-                  <a:schemeClr val="lt1"/>
-                </a:solidFill>
-                <a:latin typeface="Calibri"/>
-                <a:ea typeface="Calibri"/>
-                <a:cs typeface="Calibri"/>
-                <a:sym typeface="Calibri"/>
-              </a:endParaRPr>
-            </a:p>
-          </p:txBody>
-        </p:sp>
-        <p:cxnSp>
-          <p:nvCxnSpPr>
-            <p:cNvPr id="107" name="Google Shape;107;p14"/>
-            <p:cNvCxnSpPr/>
-            <p:nvPr/>
-          </p:nvCxnSpPr>
-          <p:spPr>
-            <a:xfrm>
-              <a:off x="0" y="6239068"/>
-              <a:ext cx="12219992" cy="0"/>
-            </a:xfrm>
-            <a:prstGeom prst="straightConnector1">
-              <a:avLst/>
-            </a:prstGeom>
-            <a:noFill/>
-            <a:ln w="28575" cap="flat" cmpd="sng">
-              <a:solidFill>
-                <a:srgbClr val="5EE1E6"/>
-              </a:solidFill>
-              <a:prstDash val="solid"/>
-              <a:miter lim="800000"/>
-              <a:headEnd type="none" w="sm" len="sm"/>
-              <a:tailEnd type="none" w="sm" len="sm"/>
-            </a:ln>
-          </p:spPr>
-        </p:cxnSp>
-      </p:grpSp>
-      <p:sp>
-        <p:nvSpPr>
-          <p:cNvPr id="110" name="Google Shape;110;p14"/>
-          <p:cNvSpPr txBox="1">
-            <a:spLocks noGrp="1"/>
-          </p:cNvSpPr>
-          <p:nvPr>
-            <p:ph type="sldNum" idx="12"/>
-          </p:nvPr>
-        </p:nvSpPr>
-        <p:spPr>
-          <a:xfrm>
-            <a:off x="9255967" y="6361015"/>
-            <a:ext cx="2743200" cy="365125"/>
-          </a:xfrm>
-          <a:prstGeom prst="rect">
-            <a:avLst/>
-          </a:prstGeom>
-          <a:noFill/>
-          <a:ln>
-            <a:noFill/>
-          </a:ln>
-        </p:spPr>
-        <p:txBody>
-          <a:bodyPr spcFirstLastPara="1" wrap="square" lIns="91425" tIns="45700" rIns="91425" bIns="45700" anchor="ctr" anchorCtr="0">
-            <a:noAutofit/>
-          </a:bodyPr>
-          <a:lstStyle/>
-          <a:p>
-            <a:pPr marL="0" lvl="0" indent="0" algn="r" rtl="0">
-              <a:lnSpc>
-                <a:spcPct val="100000"/>
-              </a:lnSpc>
-              <a:spcBef>
-                <a:spcPts val="0"/>
-              </a:spcBef>
-              <a:spcAft>
-                <a:spcPts val="0"/>
-              </a:spcAft>
-              <a:buSzPts val="1200"/>
-              <a:buNone/>
-            </a:pPr>
-            <a:fld id="{00000000-1234-1234-1234-123412341234}" type="slidenum">
-              <a:rPr lang="en-US">
-                <a:solidFill>
-                  <a:schemeClr val="lt1"/>
-                </a:solidFill>
-              </a:rPr>
-              <a:t>3</a:t>
-            </a:fld>
-            <a:endParaRPr>
-              <a:solidFill>
-                <a:schemeClr val="lt1"/>
-              </a:solidFill>
-            </a:endParaRPr>
-          </a:p>
-        </p:txBody>
-      </p:sp>
-      <p:pic>
-        <p:nvPicPr>
-          <p:cNvPr id="2" name="Picture 1">
-            <a:extLst>
-              <a:ext uri="{FF2B5EF4-FFF2-40B4-BE49-F238E27FC236}">
-                <a16:creationId xmlns:a16="http://schemas.microsoft.com/office/drawing/2014/main" id="{6922405F-BF71-BF9E-93AC-9A36A87455CB}"/>
-              </a:ext>
-            </a:extLst>
-          </p:cNvPr>
-          <p:cNvPicPr>
-            <a:picLocks noChangeAspect="1"/>
-          </p:cNvPicPr>
-          <p:nvPr/>
-        </p:nvPicPr>
-        <p:blipFill>
-          <a:blip r:embed="rId3"/>
-          <a:stretch>
-            <a:fillRect/>
-          </a:stretch>
-        </p:blipFill>
-        <p:spPr>
-          <a:xfrm>
-            <a:off x="-441435" y="5502848"/>
-            <a:ext cx="2823575" cy="2129782"/>
-          </a:xfrm>
-          <a:prstGeom prst="rect">
-            <a:avLst/>
-          </a:prstGeom>
-        </p:spPr>
-      </p:pic>
-      <p:sp>
-        <p:nvSpPr>
-          <p:cNvPr id="4" name="TextBox 3">
-            <a:extLst>
-              <a:ext uri="{FF2B5EF4-FFF2-40B4-BE49-F238E27FC236}">
-                <a16:creationId xmlns:a16="http://schemas.microsoft.com/office/drawing/2014/main" id="{2D4DC7E7-09F4-F017-EF33-815A537BF863}"/>
-              </a:ext>
-            </a:extLst>
-          </p:cNvPr>
-          <p:cNvSpPr txBox="1"/>
-          <p:nvPr/>
-        </p:nvSpPr>
-        <p:spPr>
-          <a:xfrm>
-            <a:off x="249382" y="1122218"/>
-            <a:ext cx="530915" cy="523220"/>
-          </a:xfrm>
-          <a:prstGeom prst="rect">
-            <a:avLst/>
-          </a:prstGeom>
-          <a:noFill/>
-        </p:spPr>
-        <p:txBody>
-          <a:bodyPr wrap="none" rtlCol="0">
-            <a:spAutoFit/>
-          </a:bodyPr>
-          <a:lstStyle/>
-          <a:p>
-            <a:endParaRPr lang="en-US" dirty="0"/>
-          </a:p>
-          <a:p>
-            <a:pPr marL="342900" indent="-342900">
-              <a:buAutoNum type="arabicPeriod"/>
-            </a:pPr>
-            <a:endParaRPr lang="en-US" dirty="0"/>
-          </a:p>
-        </p:txBody>
-      </p:sp>
-      <p:sp>
-        <p:nvSpPr>
-          <p:cNvPr id="5" name="TextBox 4">
-            <a:extLst>
-              <a:ext uri="{FF2B5EF4-FFF2-40B4-BE49-F238E27FC236}">
-                <a16:creationId xmlns:a16="http://schemas.microsoft.com/office/drawing/2014/main" id="{DAAFB2E3-8F5F-9E92-837C-E55D0B397CC5}"/>
-              </a:ext>
-            </a:extLst>
-          </p:cNvPr>
-          <p:cNvSpPr txBox="1"/>
-          <p:nvPr/>
-        </p:nvSpPr>
-        <p:spPr>
-          <a:xfrm>
             <a:off x="156123" y="1322980"/>
             <a:ext cx="11078185" cy="3970318"/>
           </a:xfrm>
@@ -17630,7 +17979,7 @@
 </p:sld>
 </file>
 
-<file path=ppt/slides/slide4.xml><?xml version="1.0" encoding="utf-8"?>
+<file path=ppt/slides/slide11.xml><?xml version="1.0" encoding="utf-8"?>
 <p:sld xmlns:a="http://schemas.openxmlformats.org/drawingml/2006/main" xmlns:r="http://schemas.openxmlformats.org/officeDocument/2006/relationships" xmlns:p="http://schemas.openxmlformats.org/presentationml/2006/main">
   <p:cSld>
     <p:spTree>
@@ -17996,7 +18345,7 @@
                   <a:schemeClr val="lt1"/>
                 </a:solidFill>
               </a:rPr>
-              <a:t>4</a:t>
+              <a:t>11</a:t>
             </a:fld>
             <a:endParaRPr>
               <a:solidFill>
@@ -18270,6 +18619,2118 @@
     <p:extLst>
       <p:ext uri="{BB962C8B-B14F-4D97-AF65-F5344CB8AC3E}">
         <p14:creationId xmlns:p14="http://schemas.microsoft.com/office/powerpoint/2010/main" val="1381956529"/>
+      </p:ext>
+    </p:extLst>
+  </p:cSld>
+  <p:clrMapOvr>
+    <a:masterClrMapping/>
+  </p:clrMapOvr>
+</p:sld>
+</file>
+
+<file path=ppt/slides/slide12.xml><?xml version="1.0" encoding="utf-8"?>
+<p:sld xmlns:a="http://schemas.openxmlformats.org/drawingml/2006/main" xmlns:r="http://schemas.openxmlformats.org/officeDocument/2006/relationships" xmlns:p="http://schemas.openxmlformats.org/presentationml/2006/main">
+  <p:cSld>
+    <p:spTree>
+      <p:nvGrpSpPr>
+        <p:cNvPr id="1" name="Shape 100"/>
+        <p:cNvGrpSpPr/>
+        <p:nvPr/>
+      </p:nvGrpSpPr>
+      <p:grpSpPr>
+        <a:xfrm>
+          <a:off x="0" y="0"/>
+          <a:ext cx="0" cy="0"/>
+          <a:chOff x="0" y="0"/>
+          <a:chExt cx="0" cy="0"/>
+        </a:xfrm>
+      </p:grpSpPr>
+      <p:grpSp>
+        <p:nvGrpSpPr>
+          <p:cNvPr id="101" name="Google Shape;101;p14"/>
+          <p:cNvGrpSpPr/>
+          <p:nvPr/>
+        </p:nvGrpSpPr>
+        <p:grpSpPr>
+          <a:xfrm>
+            <a:off x="-46652" y="0"/>
+            <a:ext cx="12288417" cy="839755"/>
+            <a:chOff x="-46652" y="0"/>
+            <a:chExt cx="12288417" cy="839755"/>
+          </a:xfrm>
+        </p:grpSpPr>
+        <p:sp>
+          <p:nvSpPr>
+            <p:cNvPr id="102" name="Google Shape;102;p14"/>
+            <p:cNvSpPr/>
+            <p:nvPr/>
+          </p:nvSpPr>
+          <p:spPr>
+            <a:xfrm>
+              <a:off x="0" y="0"/>
+              <a:ext cx="12192000" cy="830425"/>
+            </a:xfrm>
+            <a:prstGeom prst="rect">
+              <a:avLst/>
+            </a:prstGeom>
+            <a:solidFill>
+              <a:srgbClr val="19243B"/>
+            </a:solidFill>
+            <a:ln w="12700" cap="flat" cmpd="sng">
+              <a:solidFill>
+                <a:srgbClr val="19243B"/>
+              </a:solidFill>
+              <a:prstDash val="solid"/>
+              <a:miter lim="800000"/>
+              <a:headEnd type="none" w="sm" len="sm"/>
+              <a:tailEnd type="none" w="sm" len="sm"/>
+            </a:ln>
+          </p:spPr>
+          <p:txBody>
+            <a:bodyPr spcFirstLastPara="1" wrap="square" lIns="91425" tIns="45700" rIns="91425" bIns="45700" anchor="ctr" anchorCtr="0">
+              <a:noAutofit/>
+            </a:bodyPr>
+            <a:lstStyle/>
+            <a:p>
+              <a:pPr marL="0" marR="0" lvl="0" indent="0" algn="ctr" rtl="0">
+                <a:lnSpc>
+                  <a:spcPct val="100000"/>
+                </a:lnSpc>
+                <a:spcBef>
+                  <a:spcPts val="0"/>
+                </a:spcBef>
+                <a:spcAft>
+                  <a:spcPts val="0"/>
+                </a:spcAft>
+                <a:buClr>
+                  <a:srgbClr val="000000"/>
+                </a:buClr>
+                <a:buSzPts val="1800"/>
+                <a:buFont typeface="Arial"/>
+                <a:buNone/>
+              </a:pPr>
+              <a:endParaRPr sz="1800" b="0" i="0" u="none" strike="noStrike" cap="none">
+                <a:solidFill>
+                  <a:schemeClr val="lt1"/>
+                </a:solidFill>
+                <a:latin typeface="Calibri"/>
+                <a:ea typeface="Calibri"/>
+                <a:cs typeface="Calibri"/>
+                <a:sym typeface="Calibri"/>
+              </a:endParaRPr>
+            </a:p>
+          </p:txBody>
+        </p:sp>
+        <p:cxnSp>
+          <p:nvCxnSpPr>
+            <p:cNvPr id="103" name="Google Shape;103;p14"/>
+            <p:cNvCxnSpPr/>
+            <p:nvPr/>
+          </p:nvCxnSpPr>
+          <p:spPr>
+            <a:xfrm>
+              <a:off x="-46652" y="839755"/>
+              <a:ext cx="12288417" cy="0"/>
+            </a:xfrm>
+            <a:prstGeom prst="straightConnector1">
+              <a:avLst/>
+            </a:prstGeom>
+            <a:noFill/>
+            <a:ln w="28575" cap="flat" cmpd="sng">
+              <a:solidFill>
+                <a:srgbClr val="5EE1E6"/>
+              </a:solidFill>
+              <a:prstDash val="solid"/>
+              <a:miter lim="800000"/>
+              <a:headEnd type="none" w="sm" len="sm"/>
+              <a:tailEnd type="none" w="sm" len="sm"/>
+            </a:ln>
+          </p:spPr>
+        </p:cxnSp>
+      </p:grpSp>
+      <p:sp>
+        <p:nvSpPr>
+          <p:cNvPr id="104" name="Google Shape;104;p14"/>
+          <p:cNvSpPr txBox="1">
+            <a:spLocks noGrp="1"/>
+          </p:cNvSpPr>
+          <p:nvPr>
+            <p:ph type="title"/>
+          </p:nvPr>
+        </p:nvSpPr>
+        <p:spPr>
+          <a:xfrm>
+            <a:off x="102637" y="103870"/>
+            <a:ext cx="11420670" cy="642580"/>
+          </a:xfrm>
+          <a:prstGeom prst="rect">
+            <a:avLst/>
+          </a:prstGeom>
+          <a:noFill/>
+          <a:ln>
+            <a:noFill/>
+          </a:ln>
+        </p:spPr>
+        <p:txBody>
+          <a:bodyPr spcFirstLastPara="1" wrap="square" lIns="91425" tIns="45700" rIns="91425" bIns="45700" anchor="ctr" anchorCtr="0">
+            <a:normAutofit fontScale="90000"/>
+          </a:bodyPr>
+          <a:lstStyle/>
+          <a:p>
+            <a:r>
+              <a:rPr lang="en-US" dirty="0">
+                <a:solidFill>
+                  <a:schemeClr val="lt1"/>
+                </a:solidFill>
+              </a:rPr>
+              <a:t>The End!</a:t>
+            </a:r>
+            <a:endParaRPr lang="en-US" dirty="0"/>
+          </a:p>
+        </p:txBody>
+      </p:sp>
+      <p:grpSp>
+        <p:nvGrpSpPr>
+          <p:cNvPr id="105" name="Google Shape;105;p14"/>
+          <p:cNvGrpSpPr/>
+          <p:nvPr/>
+        </p:nvGrpSpPr>
+        <p:grpSpPr>
+          <a:xfrm>
+            <a:off x="0" y="6245831"/>
+            <a:ext cx="12241765" cy="618932"/>
+            <a:chOff x="-1" y="6239068"/>
+            <a:chExt cx="12219993" cy="618932"/>
+          </a:xfrm>
+        </p:grpSpPr>
+        <p:sp>
+          <p:nvSpPr>
+            <p:cNvPr id="106" name="Google Shape;106;p14"/>
+            <p:cNvSpPr/>
+            <p:nvPr/>
+          </p:nvSpPr>
+          <p:spPr>
+            <a:xfrm>
+              <a:off x="-1" y="6263952"/>
+              <a:ext cx="12192000" cy="594048"/>
+            </a:xfrm>
+            <a:prstGeom prst="rect">
+              <a:avLst/>
+            </a:prstGeom>
+            <a:solidFill>
+              <a:srgbClr val="19243B"/>
+            </a:solidFill>
+            <a:ln w="12700" cap="flat" cmpd="sng">
+              <a:solidFill>
+                <a:srgbClr val="19243B"/>
+              </a:solidFill>
+              <a:prstDash val="solid"/>
+              <a:miter lim="800000"/>
+              <a:headEnd type="none" w="sm" len="sm"/>
+              <a:tailEnd type="none" w="sm" len="sm"/>
+            </a:ln>
+          </p:spPr>
+          <p:txBody>
+            <a:bodyPr spcFirstLastPara="1" wrap="square" lIns="91425" tIns="45700" rIns="91425" bIns="45700" anchor="ctr" anchorCtr="0">
+              <a:noAutofit/>
+            </a:bodyPr>
+            <a:lstStyle/>
+            <a:p>
+              <a:pPr marL="0" marR="0" lvl="0" indent="0" algn="ctr" rtl="0">
+                <a:lnSpc>
+                  <a:spcPct val="100000"/>
+                </a:lnSpc>
+                <a:spcBef>
+                  <a:spcPts val="0"/>
+                </a:spcBef>
+                <a:spcAft>
+                  <a:spcPts val="0"/>
+                </a:spcAft>
+                <a:buClr>
+                  <a:srgbClr val="000000"/>
+                </a:buClr>
+                <a:buSzPts val="1800"/>
+                <a:buFont typeface="Arial"/>
+                <a:buNone/>
+              </a:pPr>
+              <a:endParaRPr sz="1800" b="0" i="0" u="none" strike="noStrike" cap="none">
+                <a:solidFill>
+                  <a:schemeClr val="lt1"/>
+                </a:solidFill>
+                <a:latin typeface="Calibri"/>
+                <a:ea typeface="Calibri"/>
+                <a:cs typeface="Calibri"/>
+                <a:sym typeface="Calibri"/>
+              </a:endParaRPr>
+            </a:p>
+          </p:txBody>
+        </p:sp>
+        <p:cxnSp>
+          <p:nvCxnSpPr>
+            <p:cNvPr id="107" name="Google Shape;107;p14"/>
+            <p:cNvCxnSpPr/>
+            <p:nvPr/>
+          </p:nvCxnSpPr>
+          <p:spPr>
+            <a:xfrm>
+              <a:off x="0" y="6239068"/>
+              <a:ext cx="12219992" cy="0"/>
+            </a:xfrm>
+            <a:prstGeom prst="straightConnector1">
+              <a:avLst/>
+            </a:prstGeom>
+            <a:noFill/>
+            <a:ln w="28575" cap="flat" cmpd="sng">
+              <a:solidFill>
+                <a:srgbClr val="5EE1E6"/>
+              </a:solidFill>
+              <a:prstDash val="solid"/>
+              <a:miter lim="800000"/>
+              <a:headEnd type="none" w="sm" len="sm"/>
+              <a:tailEnd type="none" w="sm" len="sm"/>
+            </a:ln>
+          </p:spPr>
+        </p:cxnSp>
+      </p:grpSp>
+      <p:sp>
+        <p:nvSpPr>
+          <p:cNvPr id="110" name="Google Shape;110;p14"/>
+          <p:cNvSpPr txBox="1">
+            <a:spLocks noGrp="1"/>
+          </p:cNvSpPr>
+          <p:nvPr>
+            <p:ph type="sldNum" idx="12"/>
+          </p:nvPr>
+        </p:nvSpPr>
+        <p:spPr>
+          <a:xfrm>
+            <a:off x="9255967" y="6361015"/>
+            <a:ext cx="2743200" cy="365125"/>
+          </a:xfrm>
+          <a:prstGeom prst="rect">
+            <a:avLst/>
+          </a:prstGeom>
+          <a:noFill/>
+          <a:ln>
+            <a:noFill/>
+          </a:ln>
+        </p:spPr>
+        <p:txBody>
+          <a:bodyPr spcFirstLastPara="1" wrap="square" lIns="91425" tIns="45700" rIns="91425" bIns="45700" anchor="ctr" anchorCtr="0">
+            <a:noAutofit/>
+          </a:bodyPr>
+          <a:lstStyle/>
+          <a:p>
+            <a:pPr marL="0" lvl="0" indent="0" algn="r" rtl="0">
+              <a:lnSpc>
+                <a:spcPct val="100000"/>
+              </a:lnSpc>
+              <a:spcBef>
+                <a:spcPts val="0"/>
+              </a:spcBef>
+              <a:spcAft>
+                <a:spcPts val="0"/>
+              </a:spcAft>
+              <a:buSzPts val="1200"/>
+              <a:buNone/>
+            </a:pPr>
+            <a:fld id="{00000000-1234-1234-1234-123412341234}" type="slidenum">
+              <a:rPr lang="en-US">
+                <a:solidFill>
+                  <a:schemeClr val="lt1"/>
+                </a:solidFill>
+              </a:rPr>
+              <a:t>12</a:t>
+            </a:fld>
+            <a:endParaRPr>
+              <a:solidFill>
+                <a:schemeClr val="lt1"/>
+              </a:solidFill>
+            </a:endParaRPr>
+          </a:p>
+        </p:txBody>
+      </p:sp>
+      <p:pic>
+        <p:nvPicPr>
+          <p:cNvPr id="2" name="Picture 1">
+            <a:extLst>
+              <a:ext uri="{FF2B5EF4-FFF2-40B4-BE49-F238E27FC236}">
+                <a16:creationId xmlns:a16="http://schemas.microsoft.com/office/drawing/2014/main" id="{6922405F-BF71-BF9E-93AC-9A36A87455CB}"/>
+              </a:ext>
+            </a:extLst>
+          </p:cNvPr>
+          <p:cNvPicPr>
+            <a:picLocks noChangeAspect="1"/>
+          </p:cNvPicPr>
+          <p:nvPr/>
+        </p:nvPicPr>
+        <p:blipFill>
+          <a:blip r:embed="rId3"/>
+          <a:stretch>
+            <a:fillRect/>
+          </a:stretch>
+        </p:blipFill>
+        <p:spPr>
+          <a:xfrm>
+            <a:off x="-441435" y="5502848"/>
+            <a:ext cx="2823575" cy="2129782"/>
+          </a:xfrm>
+          <a:prstGeom prst="rect">
+            <a:avLst/>
+          </a:prstGeom>
+        </p:spPr>
+      </p:pic>
+      <p:sp>
+        <p:nvSpPr>
+          <p:cNvPr id="4" name="TextBox 3">
+            <a:extLst>
+              <a:ext uri="{FF2B5EF4-FFF2-40B4-BE49-F238E27FC236}">
+                <a16:creationId xmlns:a16="http://schemas.microsoft.com/office/drawing/2014/main" id="{2D4DC7E7-09F4-F017-EF33-815A537BF863}"/>
+              </a:ext>
+            </a:extLst>
+          </p:cNvPr>
+          <p:cNvSpPr txBox="1"/>
+          <p:nvPr/>
+        </p:nvSpPr>
+        <p:spPr>
+          <a:xfrm>
+            <a:off x="249382" y="1122218"/>
+            <a:ext cx="530915" cy="523220"/>
+          </a:xfrm>
+          <a:prstGeom prst="rect">
+            <a:avLst/>
+          </a:prstGeom>
+          <a:noFill/>
+        </p:spPr>
+        <p:txBody>
+          <a:bodyPr wrap="none" rtlCol="0">
+            <a:spAutoFit/>
+          </a:bodyPr>
+          <a:lstStyle/>
+          <a:p>
+            <a:endParaRPr lang="en-US" dirty="0"/>
+          </a:p>
+          <a:p>
+            <a:pPr marL="342900" indent="-342900">
+              <a:buAutoNum type="arabicPeriod"/>
+            </a:pPr>
+            <a:endParaRPr lang="en-US" dirty="0"/>
+          </a:p>
+        </p:txBody>
+      </p:sp>
+      <p:sp>
+        <p:nvSpPr>
+          <p:cNvPr id="3" name="TextBox 2">
+            <a:extLst>
+              <a:ext uri="{FF2B5EF4-FFF2-40B4-BE49-F238E27FC236}">
+                <a16:creationId xmlns:a16="http://schemas.microsoft.com/office/drawing/2014/main" id="{86F5B349-E34E-3435-6031-3A4B63B7FE8A}"/>
+              </a:ext>
+            </a:extLst>
+          </p:cNvPr>
+          <p:cNvSpPr txBox="1"/>
+          <p:nvPr/>
+        </p:nvSpPr>
+        <p:spPr>
+          <a:xfrm>
+            <a:off x="249382" y="1122218"/>
+            <a:ext cx="11693236" cy="461665"/>
+          </a:xfrm>
+          <a:prstGeom prst="rect">
+            <a:avLst/>
+          </a:prstGeom>
+          <a:noFill/>
+        </p:spPr>
+        <p:txBody>
+          <a:bodyPr wrap="square" rtlCol="0">
+            <a:spAutoFit/>
+          </a:bodyPr>
+          <a:lstStyle/>
+          <a:p>
+            <a:pPr marL="285750" indent="-285750">
+              <a:buFont typeface="Arial" panose="020B0604020202020204" pitchFamily="34" charset="0"/>
+              <a:buChar char="•"/>
+            </a:pPr>
+            <a:r>
+              <a:rPr lang="en-US" sz="2400" dirty="0"/>
+              <a:t>Thank you!</a:t>
+            </a:r>
+          </a:p>
+        </p:txBody>
+      </p:sp>
+    </p:spTree>
+    <p:extLst>
+      <p:ext uri="{BB962C8B-B14F-4D97-AF65-F5344CB8AC3E}">
+        <p14:creationId xmlns:p14="http://schemas.microsoft.com/office/powerpoint/2010/main" val="2908996824"/>
+      </p:ext>
+    </p:extLst>
+  </p:cSld>
+  <p:clrMapOvr>
+    <a:masterClrMapping/>
+  </p:clrMapOvr>
+</p:sld>
+</file>
+
+<file path=ppt/slides/slide2.xml><?xml version="1.0" encoding="utf-8"?>
+<p:sld xmlns:a="http://schemas.openxmlformats.org/drawingml/2006/main" xmlns:r="http://schemas.openxmlformats.org/officeDocument/2006/relationships" xmlns:p="http://schemas.openxmlformats.org/presentationml/2006/main">
+  <p:cSld>
+    <p:spTree>
+      <p:nvGrpSpPr>
+        <p:cNvPr id="1" name="Shape 100"/>
+        <p:cNvGrpSpPr/>
+        <p:nvPr/>
+      </p:nvGrpSpPr>
+      <p:grpSpPr>
+        <a:xfrm>
+          <a:off x="0" y="0"/>
+          <a:ext cx="0" cy="0"/>
+          <a:chOff x="0" y="0"/>
+          <a:chExt cx="0" cy="0"/>
+        </a:xfrm>
+      </p:grpSpPr>
+      <p:grpSp>
+        <p:nvGrpSpPr>
+          <p:cNvPr id="101" name="Google Shape;101;p14"/>
+          <p:cNvGrpSpPr/>
+          <p:nvPr/>
+        </p:nvGrpSpPr>
+        <p:grpSpPr>
+          <a:xfrm>
+            <a:off x="-46652" y="0"/>
+            <a:ext cx="12288417" cy="839755"/>
+            <a:chOff x="-46652" y="0"/>
+            <a:chExt cx="12288417" cy="839755"/>
+          </a:xfrm>
+        </p:grpSpPr>
+        <p:sp>
+          <p:nvSpPr>
+            <p:cNvPr id="102" name="Google Shape;102;p14"/>
+            <p:cNvSpPr/>
+            <p:nvPr/>
+          </p:nvSpPr>
+          <p:spPr>
+            <a:xfrm>
+              <a:off x="0" y="0"/>
+              <a:ext cx="12192000" cy="830425"/>
+            </a:xfrm>
+            <a:prstGeom prst="rect">
+              <a:avLst/>
+            </a:prstGeom>
+            <a:solidFill>
+              <a:srgbClr val="19243B"/>
+            </a:solidFill>
+            <a:ln w="12700" cap="flat" cmpd="sng">
+              <a:solidFill>
+                <a:srgbClr val="19243B"/>
+              </a:solidFill>
+              <a:prstDash val="solid"/>
+              <a:miter lim="800000"/>
+              <a:headEnd type="none" w="sm" len="sm"/>
+              <a:tailEnd type="none" w="sm" len="sm"/>
+            </a:ln>
+          </p:spPr>
+          <p:txBody>
+            <a:bodyPr spcFirstLastPara="1" wrap="square" lIns="91425" tIns="45700" rIns="91425" bIns="45700" anchor="ctr" anchorCtr="0">
+              <a:noAutofit/>
+            </a:bodyPr>
+            <a:lstStyle/>
+            <a:p>
+              <a:pPr marL="0" marR="0" lvl="0" indent="0" algn="ctr" rtl="0">
+                <a:lnSpc>
+                  <a:spcPct val="100000"/>
+                </a:lnSpc>
+                <a:spcBef>
+                  <a:spcPts val="0"/>
+                </a:spcBef>
+                <a:spcAft>
+                  <a:spcPts val="0"/>
+                </a:spcAft>
+                <a:buClr>
+                  <a:srgbClr val="000000"/>
+                </a:buClr>
+                <a:buSzPts val="1800"/>
+                <a:buFont typeface="Arial"/>
+                <a:buNone/>
+              </a:pPr>
+              <a:endParaRPr sz="1800" b="0" i="0" u="none" strike="noStrike" cap="none">
+                <a:solidFill>
+                  <a:schemeClr val="lt1"/>
+                </a:solidFill>
+                <a:latin typeface="Calibri"/>
+                <a:ea typeface="Calibri"/>
+                <a:cs typeface="Calibri"/>
+                <a:sym typeface="Calibri"/>
+              </a:endParaRPr>
+            </a:p>
+          </p:txBody>
+        </p:sp>
+        <p:cxnSp>
+          <p:nvCxnSpPr>
+            <p:cNvPr id="103" name="Google Shape;103;p14"/>
+            <p:cNvCxnSpPr/>
+            <p:nvPr/>
+          </p:nvCxnSpPr>
+          <p:spPr>
+            <a:xfrm>
+              <a:off x="-46652" y="839755"/>
+              <a:ext cx="12288417" cy="0"/>
+            </a:xfrm>
+            <a:prstGeom prst="straightConnector1">
+              <a:avLst/>
+            </a:prstGeom>
+            <a:noFill/>
+            <a:ln w="28575" cap="flat" cmpd="sng">
+              <a:solidFill>
+                <a:srgbClr val="5EE1E6"/>
+              </a:solidFill>
+              <a:prstDash val="solid"/>
+              <a:miter lim="800000"/>
+              <a:headEnd type="none" w="sm" len="sm"/>
+              <a:tailEnd type="none" w="sm" len="sm"/>
+            </a:ln>
+          </p:spPr>
+        </p:cxnSp>
+      </p:grpSp>
+      <p:sp>
+        <p:nvSpPr>
+          <p:cNvPr id="104" name="Google Shape;104;p14"/>
+          <p:cNvSpPr txBox="1">
+            <a:spLocks noGrp="1"/>
+          </p:cNvSpPr>
+          <p:nvPr>
+            <p:ph type="title"/>
+          </p:nvPr>
+        </p:nvSpPr>
+        <p:spPr>
+          <a:xfrm>
+            <a:off x="102637" y="103870"/>
+            <a:ext cx="11420670" cy="642580"/>
+          </a:xfrm>
+          <a:prstGeom prst="rect">
+            <a:avLst/>
+          </a:prstGeom>
+          <a:noFill/>
+          <a:ln>
+            <a:noFill/>
+          </a:ln>
+        </p:spPr>
+        <p:txBody>
+          <a:bodyPr spcFirstLastPara="1" wrap="square" lIns="91425" tIns="45700" rIns="91425" bIns="45700" anchor="ctr" anchorCtr="0">
+            <a:normAutofit fontScale="90000"/>
+          </a:bodyPr>
+          <a:lstStyle/>
+          <a:p>
+            <a:r>
+              <a:rPr lang="en-US" dirty="0">
+                <a:solidFill>
+                  <a:schemeClr val="bg1"/>
+                </a:solidFill>
+              </a:rPr>
+              <a:t>Algorithmic Complexities</a:t>
+            </a:r>
+          </a:p>
+        </p:txBody>
+      </p:sp>
+      <p:grpSp>
+        <p:nvGrpSpPr>
+          <p:cNvPr id="105" name="Google Shape;105;p14"/>
+          <p:cNvGrpSpPr/>
+          <p:nvPr/>
+        </p:nvGrpSpPr>
+        <p:grpSpPr>
+          <a:xfrm>
+            <a:off x="0" y="6245831"/>
+            <a:ext cx="12241765" cy="618932"/>
+            <a:chOff x="-1" y="6239068"/>
+            <a:chExt cx="12219993" cy="618932"/>
+          </a:xfrm>
+        </p:grpSpPr>
+        <p:sp>
+          <p:nvSpPr>
+            <p:cNvPr id="106" name="Google Shape;106;p14"/>
+            <p:cNvSpPr/>
+            <p:nvPr/>
+          </p:nvSpPr>
+          <p:spPr>
+            <a:xfrm>
+              <a:off x="-1" y="6263952"/>
+              <a:ext cx="12192000" cy="594048"/>
+            </a:xfrm>
+            <a:prstGeom prst="rect">
+              <a:avLst/>
+            </a:prstGeom>
+            <a:solidFill>
+              <a:srgbClr val="19243B"/>
+            </a:solidFill>
+            <a:ln w="12700" cap="flat" cmpd="sng">
+              <a:solidFill>
+                <a:srgbClr val="19243B"/>
+              </a:solidFill>
+              <a:prstDash val="solid"/>
+              <a:miter lim="800000"/>
+              <a:headEnd type="none" w="sm" len="sm"/>
+              <a:tailEnd type="none" w="sm" len="sm"/>
+            </a:ln>
+          </p:spPr>
+          <p:txBody>
+            <a:bodyPr spcFirstLastPara="1" wrap="square" lIns="91425" tIns="45700" rIns="91425" bIns="45700" anchor="ctr" anchorCtr="0">
+              <a:noAutofit/>
+            </a:bodyPr>
+            <a:lstStyle/>
+            <a:p>
+              <a:pPr marL="0" marR="0" lvl="0" indent="0" algn="ctr" rtl="0">
+                <a:lnSpc>
+                  <a:spcPct val="100000"/>
+                </a:lnSpc>
+                <a:spcBef>
+                  <a:spcPts val="0"/>
+                </a:spcBef>
+                <a:spcAft>
+                  <a:spcPts val="0"/>
+                </a:spcAft>
+                <a:buClr>
+                  <a:srgbClr val="000000"/>
+                </a:buClr>
+                <a:buSzPts val="1800"/>
+                <a:buFont typeface="Arial"/>
+                <a:buNone/>
+              </a:pPr>
+              <a:endParaRPr sz="1800" b="0" i="0" u="none" strike="noStrike" cap="none">
+                <a:solidFill>
+                  <a:schemeClr val="lt1"/>
+                </a:solidFill>
+                <a:latin typeface="Calibri"/>
+                <a:ea typeface="Calibri"/>
+                <a:cs typeface="Calibri"/>
+                <a:sym typeface="Calibri"/>
+              </a:endParaRPr>
+            </a:p>
+          </p:txBody>
+        </p:sp>
+        <p:cxnSp>
+          <p:nvCxnSpPr>
+            <p:cNvPr id="107" name="Google Shape;107;p14"/>
+            <p:cNvCxnSpPr/>
+            <p:nvPr/>
+          </p:nvCxnSpPr>
+          <p:spPr>
+            <a:xfrm>
+              <a:off x="0" y="6239068"/>
+              <a:ext cx="12219992" cy="0"/>
+            </a:xfrm>
+            <a:prstGeom prst="straightConnector1">
+              <a:avLst/>
+            </a:prstGeom>
+            <a:noFill/>
+            <a:ln w="28575" cap="flat" cmpd="sng">
+              <a:solidFill>
+                <a:srgbClr val="5EE1E6"/>
+              </a:solidFill>
+              <a:prstDash val="solid"/>
+              <a:miter lim="800000"/>
+              <a:headEnd type="none" w="sm" len="sm"/>
+              <a:tailEnd type="none" w="sm" len="sm"/>
+            </a:ln>
+          </p:spPr>
+        </p:cxnSp>
+      </p:grpSp>
+      <p:sp>
+        <p:nvSpPr>
+          <p:cNvPr id="110" name="Google Shape;110;p14"/>
+          <p:cNvSpPr txBox="1">
+            <a:spLocks noGrp="1"/>
+          </p:cNvSpPr>
+          <p:nvPr>
+            <p:ph type="sldNum" idx="12"/>
+          </p:nvPr>
+        </p:nvSpPr>
+        <p:spPr>
+          <a:xfrm>
+            <a:off x="9255967" y="6361015"/>
+            <a:ext cx="2743200" cy="365125"/>
+          </a:xfrm>
+          <a:prstGeom prst="rect">
+            <a:avLst/>
+          </a:prstGeom>
+          <a:noFill/>
+          <a:ln>
+            <a:noFill/>
+          </a:ln>
+        </p:spPr>
+        <p:txBody>
+          <a:bodyPr spcFirstLastPara="1" wrap="square" lIns="91425" tIns="45700" rIns="91425" bIns="45700" anchor="ctr" anchorCtr="0">
+            <a:noAutofit/>
+          </a:bodyPr>
+          <a:lstStyle/>
+          <a:p>
+            <a:pPr marL="0" lvl="0" indent="0" algn="r" rtl="0">
+              <a:lnSpc>
+                <a:spcPct val="100000"/>
+              </a:lnSpc>
+              <a:spcBef>
+                <a:spcPts val="0"/>
+              </a:spcBef>
+              <a:spcAft>
+                <a:spcPts val="0"/>
+              </a:spcAft>
+              <a:buSzPts val="1200"/>
+              <a:buNone/>
+            </a:pPr>
+            <a:fld id="{00000000-1234-1234-1234-123412341234}" type="slidenum">
+              <a:rPr lang="en-US">
+                <a:solidFill>
+                  <a:schemeClr val="lt1"/>
+                </a:solidFill>
+              </a:rPr>
+              <a:t>2</a:t>
+            </a:fld>
+            <a:endParaRPr>
+              <a:solidFill>
+                <a:schemeClr val="lt1"/>
+              </a:solidFill>
+            </a:endParaRPr>
+          </a:p>
+        </p:txBody>
+      </p:sp>
+      <p:pic>
+        <p:nvPicPr>
+          <p:cNvPr id="2" name="Picture 1">
+            <a:extLst>
+              <a:ext uri="{FF2B5EF4-FFF2-40B4-BE49-F238E27FC236}">
+                <a16:creationId xmlns:a16="http://schemas.microsoft.com/office/drawing/2014/main" id="{6922405F-BF71-BF9E-93AC-9A36A87455CB}"/>
+              </a:ext>
+            </a:extLst>
+          </p:cNvPr>
+          <p:cNvPicPr>
+            <a:picLocks noChangeAspect="1"/>
+          </p:cNvPicPr>
+          <p:nvPr/>
+        </p:nvPicPr>
+        <p:blipFill>
+          <a:blip r:embed="rId3"/>
+          <a:stretch>
+            <a:fillRect/>
+          </a:stretch>
+        </p:blipFill>
+        <p:spPr>
+          <a:xfrm>
+            <a:off x="-441435" y="5502848"/>
+            <a:ext cx="2823575" cy="2129782"/>
+          </a:xfrm>
+          <a:prstGeom prst="rect">
+            <a:avLst/>
+          </a:prstGeom>
+        </p:spPr>
+      </p:pic>
+      <p:sp>
+        <p:nvSpPr>
+          <p:cNvPr id="4" name="TextBox 3">
+            <a:extLst>
+              <a:ext uri="{FF2B5EF4-FFF2-40B4-BE49-F238E27FC236}">
+                <a16:creationId xmlns:a16="http://schemas.microsoft.com/office/drawing/2014/main" id="{2D4DC7E7-09F4-F017-EF33-815A537BF863}"/>
+              </a:ext>
+            </a:extLst>
+          </p:cNvPr>
+          <p:cNvSpPr txBox="1"/>
+          <p:nvPr/>
+        </p:nvSpPr>
+        <p:spPr>
+          <a:xfrm>
+            <a:off x="249382" y="1122218"/>
+            <a:ext cx="530915" cy="523220"/>
+          </a:xfrm>
+          <a:prstGeom prst="rect">
+            <a:avLst/>
+          </a:prstGeom>
+          <a:noFill/>
+        </p:spPr>
+        <p:txBody>
+          <a:bodyPr wrap="none" rtlCol="0">
+            <a:spAutoFit/>
+          </a:bodyPr>
+          <a:lstStyle/>
+          <a:p>
+            <a:endParaRPr lang="en-US" dirty="0"/>
+          </a:p>
+          <a:p>
+            <a:pPr marL="342900" indent="-342900">
+              <a:buAutoNum type="arabicPeriod"/>
+            </a:pPr>
+            <a:endParaRPr lang="en-US" dirty="0"/>
+          </a:p>
+        </p:txBody>
+      </p:sp>
+      <p:sp>
+        <p:nvSpPr>
+          <p:cNvPr id="5" name="TextBox 4">
+            <a:extLst>
+              <a:ext uri="{FF2B5EF4-FFF2-40B4-BE49-F238E27FC236}">
+                <a16:creationId xmlns:a16="http://schemas.microsoft.com/office/drawing/2014/main" id="{DAAFB2E3-8F5F-9E92-837C-E55D0B397CC5}"/>
+              </a:ext>
+            </a:extLst>
+          </p:cNvPr>
+          <p:cNvSpPr txBox="1"/>
+          <p:nvPr/>
+        </p:nvSpPr>
+        <p:spPr>
+          <a:xfrm>
+            <a:off x="0" y="830425"/>
+            <a:ext cx="7549270" cy="6955750"/>
+          </a:xfrm>
+          <a:prstGeom prst="rect">
+            <a:avLst/>
+          </a:prstGeom>
+          <a:noFill/>
+        </p:spPr>
+        <p:txBody>
+          <a:bodyPr wrap="square" rtlCol="0">
+            <a:spAutoFit/>
+          </a:bodyPr>
+          <a:lstStyle/>
+          <a:p>
+            <a:pPr marL="285750" indent="-285750">
+              <a:buFont typeface="Arial" panose="020B0604020202020204" pitchFamily="34" charset="0"/>
+              <a:buChar char="•"/>
+            </a:pPr>
+            <a:r>
+              <a:rPr lang="en-US" sz="1800" dirty="0"/>
+              <a:t>Algorithms are used all the time in code</a:t>
+            </a:r>
+          </a:p>
+          <a:p>
+            <a:pPr marL="285750" indent="-285750">
+              <a:buFont typeface="Arial" panose="020B0604020202020204" pitchFamily="34" charset="0"/>
+              <a:buChar char="•"/>
+            </a:pPr>
+            <a:endParaRPr lang="en-US" sz="1800" dirty="0"/>
+          </a:p>
+          <a:p>
+            <a:pPr marL="285750" indent="-285750">
+              <a:buFont typeface="Arial" panose="020B0604020202020204" pitchFamily="34" charset="0"/>
+              <a:buChar char="•"/>
+            </a:pPr>
+            <a:r>
+              <a:rPr lang="en-US" sz="1800" dirty="0"/>
+              <a:t>Especially when data sets contain thousands or </a:t>
+            </a:r>
+          </a:p>
+          <a:p>
+            <a:r>
+              <a:rPr lang="en-US" sz="1800" dirty="0"/>
+              <a:t>    millions of items, efficiency is essential</a:t>
+            </a:r>
+          </a:p>
+          <a:p>
+            <a:endParaRPr lang="en-US" sz="1800" dirty="0"/>
+          </a:p>
+          <a:p>
+            <a:pPr marL="285750" indent="-285750">
+              <a:buFont typeface="Arial" panose="020B0604020202020204" pitchFamily="34" charset="0"/>
+              <a:buChar char="•"/>
+            </a:pPr>
+            <a:r>
+              <a:rPr lang="en-US" sz="1800" dirty="0"/>
+              <a:t>Algorithmic complexity is measured in the worst-case scenario for a task in the form O(f(n))</a:t>
+            </a:r>
+          </a:p>
+          <a:p>
+            <a:pPr marL="285750" indent="-285750">
+              <a:buFont typeface="Arial" panose="020B0604020202020204" pitchFamily="34" charset="0"/>
+              <a:buChar char="•"/>
+            </a:pPr>
+            <a:endParaRPr lang="en-US" sz="1800" dirty="0"/>
+          </a:p>
+          <a:p>
+            <a:pPr marL="285750" indent="-285750">
+              <a:buFont typeface="Arial" panose="020B0604020202020204" pitchFamily="34" charset="0"/>
+              <a:buChar char="•"/>
+            </a:pPr>
+            <a:r>
+              <a:rPr lang="en-US" sz="1800" dirty="0"/>
+              <a:t>We only include the costliest term, so 3n^2 +2n </a:t>
+            </a:r>
+            <a:r>
+              <a:rPr lang="en-US" sz="1800" dirty="0">
+                <a:sym typeface="Wingdings" panose="05000000000000000000" pitchFamily="2" charset="2"/>
+              </a:rPr>
+              <a:t></a:t>
+            </a:r>
+            <a:r>
+              <a:rPr lang="en-US" sz="1800" dirty="0"/>
+              <a:t> O(n^2)</a:t>
+            </a:r>
+          </a:p>
+          <a:p>
+            <a:pPr marL="285750" indent="-285750">
+              <a:buFont typeface="Arial" panose="020B0604020202020204" pitchFamily="34" charset="0"/>
+              <a:buChar char="•"/>
+            </a:pPr>
+            <a:endParaRPr lang="en-US" sz="1800" dirty="0"/>
+          </a:p>
+          <a:p>
+            <a:pPr marL="285750" indent="-285750">
+              <a:buFont typeface="Arial" panose="020B0604020202020204" pitchFamily="34" charset="0"/>
+              <a:buChar char="•"/>
+            </a:pPr>
+            <a:r>
+              <a:rPr lang="en-US" sz="1800" dirty="0"/>
+              <a:t>For finding the greatest item in a list iteratively, the worst case is the item is last, meaning you went through n items, so time complexity is O(n)</a:t>
+            </a:r>
+          </a:p>
+          <a:p>
+            <a:pPr marL="285750" indent="-285750">
+              <a:buFont typeface="Arial" panose="020B0604020202020204" pitchFamily="34" charset="0"/>
+              <a:buChar char="•"/>
+            </a:pPr>
+            <a:endParaRPr lang="en-US" sz="1800" dirty="0"/>
+          </a:p>
+          <a:p>
+            <a:pPr marL="285750" indent="-285750">
+              <a:buFont typeface="Arial" panose="020B0604020202020204" pitchFamily="34" charset="0"/>
+              <a:buChar char="•"/>
+            </a:pPr>
+            <a:r>
+              <a:rPr lang="en-US" sz="1800" dirty="0"/>
+              <a:t>Comparing each item in the list to every other item using two for loops runs through the list of n items n times, and is O(n^2) time complexity</a:t>
+            </a:r>
+          </a:p>
+          <a:p>
+            <a:pPr marL="285750" indent="-285750">
+              <a:buFont typeface="Arial" panose="020B0604020202020204" pitchFamily="34" charset="0"/>
+              <a:buChar char="•"/>
+            </a:pPr>
+            <a:endParaRPr lang="en-US" sz="1800" dirty="0"/>
+          </a:p>
+          <a:p>
+            <a:pPr marL="285750" indent="-285750">
+              <a:buFont typeface="Arial" panose="020B0604020202020204" pitchFamily="34" charset="0"/>
+              <a:buChar char="•"/>
+            </a:pPr>
+            <a:r>
+              <a:rPr lang="en-US" sz="1800" dirty="0"/>
+              <a:t>Think of looking through all closing prices for a year. O(n) means upwards of 365 operations and O(n^2) means upwards of 133,225</a:t>
+            </a:r>
+          </a:p>
+          <a:p>
+            <a:pPr marL="285750" indent="-285750">
+              <a:buFont typeface="Arial" panose="020B0604020202020204" pitchFamily="34" charset="0"/>
+              <a:buChar char="•"/>
+            </a:pPr>
+            <a:endParaRPr lang="en-US" sz="2000" dirty="0"/>
+          </a:p>
+          <a:p>
+            <a:endParaRPr lang="en-US" sz="2000" dirty="0"/>
+          </a:p>
+          <a:p>
+            <a:endParaRPr lang="en-US" sz="2000" dirty="0"/>
+          </a:p>
+          <a:p>
+            <a:endParaRPr lang="en-US" sz="2000" dirty="0"/>
+          </a:p>
+          <a:p>
+            <a:pPr marL="285750" indent="-285750">
+              <a:buFont typeface="Arial" panose="020B0604020202020204" pitchFamily="34" charset="0"/>
+              <a:buChar char="•"/>
+            </a:pPr>
+            <a:endParaRPr lang="en-US" sz="2400" dirty="0"/>
+          </a:p>
+        </p:txBody>
+      </p:sp>
+      <p:pic>
+        <p:nvPicPr>
+          <p:cNvPr id="6" name="Picture 5" descr="A diagram of complexity&#10;&#10;Description automatically generated">
+            <a:extLst>
+              <a:ext uri="{FF2B5EF4-FFF2-40B4-BE49-F238E27FC236}">
+                <a16:creationId xmlns:a16="http://schemas.microsoft.com/office/drawing/2014/main" id="{6C48C757-7869-3E61-9036-91E0E6206292}"/>
+              </a:ext>
+            </a:extLst>
+          </p:cNvPr>
+          <p:cNvPicPr>
+            <a:picLocks noChangeAspect="1"/>
+          </p:cNvPicPr>
+          <p:nvPr/>
+        </p:nvPicPr>
+        <p:blipFill>
+          <a:blip r:embed="rId4"/>
+          <a:stretch>
+            <a:fillRect/>
+          </a:stretch>
+        </p:blipFill>
+        <p:spPr>
+          <a:xfrm>
+            <a:off x="7574602" y="1600519"/>
+            <a:ext cx="4492637" cy="3125592"/>
+          </a:xfrm>
+          <a:prstGeom prst="rect">
+            <a:avLst/>
+          </a:prstGeom>
+        </p:spPr>
+      </p:pic>
+    </p:spTree>
+    <p:extLst>
+      <p:ext uri="{BB962C8B-B14F-4D97-AF65-F5344CB8AC3E}">
+        <p14:creationId xmlns:p14="http://schemas.microsoft.com/office/powerpoint/2010/main" val="2463388509"/>
+      </p:ext>
+    </p:extLst>
+  </p:cSld>
+  <p:clrMapOvr>
+    <a:masterClrMapping/>
+  </p:clrMapOvr>
+</p:sld>
+</file>
+
+<file path=ppt/slides/slide3.xml><?xml version="1.0" encoding="utf-8"?>
+<p:sld xmlns:a="http://schemas.openxmlformats.org/drawingml/2006/main" xmlns:r="http://schemas.openxmlformats.org/officeDocument/2006/relationships" xmlns:p="http://schemas.openxmlformats.org/presentationml/2006/main">
+  <p:cSld>
+    <p:spTree>
+      <p:nvGrpSpPr>
+        <p:cNvPr id="1" name="Shape 100"/>
+        <p:cNvGrpSpPr/>
+        <p:nvPr/>
+      </p:nvGrpSpPr>
+      <p:grpSpPr>
+        <a:xfrm>
+          <a:off x="0" y="0"/>
+          <a:ext cx="0" cy="0"/>
+          <a:chOff x="0" y="0"/>
+          <a:chExt cx="0" cy="0"/>
+        </a:xfrm>
+      </p:grpSpPr>
+      <p:grpSp>
+        <p:nvGrpSpPr>
+          <p:cNvPr id="101" name="Google Shape;101;p14"/>
+          <p:cNvGrpSpPr/>
+          <p:nvPr/>
+        </p:nvGrpSpPr>
+        <p:grpSpPr>
+          <a:xfrm>
+            <a:off x="-46652" y="0"/>
+            <a:ext cx="12288417" cy="839755"/>
+            <a:chOff x="-46652" y="0"/>
+            <a:chExt cx="12288417" cy="839755"/>
+          </a:xfrm>
+        </p:grpSpPr>
+        <p:sp>
+          <p:nvSpPr>
+            <p:cNvPr id="102" name="Google Shape;102;p14"/>
+            <p:cNvSpPr/>
+            <p:nvPr/>
+          </p:nvSpPr>
+          <p:spPr>
+            <a:xfrm>
+              <a:off x="0" y="0"/>
+              <a:ext cx="12192000" cy="830425"/>
+            </a:xfrm>
+            <a:prstGeom prst="rect">
+              <a:avLst/>
+            </a:prstGeom>
+            <a:solidFill>
+              <a:srgbClr val="19243B"/>
+            </a:solidFill>
+            <a:ln w="12700" cap="flat" cmpd="sng">
+              <a:solidFill>
+                <a:srgbClr val="19243B"/>
+              </a:solidFill>
+              <a:prstDash val="solid"/>
+              <a:miter lim="800000"/>
+              <a:headEnd type="none" w="sm" len="sm"/>
+              <a:tailEnd type="none" w="sm" len="sm"/>
+            </a:ln>
+          </p:spPr>
+          <p:txBody>
+            <a:bodyPr spcFirstLastPara="1" wrap="square" lIns="91425" tIns="45700" rIns="91425" bIns="45700" anchor="ctr" anchorCtr="0">
+              <a:noAutofit/>
+            </a:bodyPr>
+            <a:lstStyle/>
+            <a:p>
+              <a:pPr marL="0" marR="0" lvl="0" indent="0" algn="ctr" rtl="0">
+                <a:lnSpc>
+                  <a:spcPct val="100000"/>
+                </a:lnSpc>
+                <a:spcBef>
+                  <a:spcPts val="0"/>
+                </a:spcBef>
+                <a:spcAft>
+                  <a:spcPts val="0"/>
+                </a:spcAft>
+                <a:buClr>
+                  <a:srgbClr val="000000"/>
+                </a:buClr>
+                <a:buSzPts val="1800"/>
+                <a:buFont typeface="Arial"/>
+                <a:buNone/>
+              </a:pPr>
+              <a:endParaRPr sz="1800" b="0" i="0" u="none" strike="noStrike" cap="none" dirty="0">
+                <a:solidFill>
+                  <a:schemeClr val="lt1"/>
+                </a:solidFill>
+                <a:latin typeface="Calibri"/>
+                <a:ea typeface="Calibri"/>
+                <a:cs typeface="Calibri"/>
+                <a:sym typeface="Calibri"/>
+              </a:endParaRPr>
+            </a:p>
+          </p:txBody>
+        </p:sp>
+        <p:cxnSp>
+          <p:nvCxnSpPr>
+            <p:cNvPr id="103" name="Google Shape;103;p14"/>
+            <p:cNvCxnSpPr/>
+            <p:nvPr/>
+          </p:nvCxnSpPr>
+          <p:spPr>
+            <a:xfrm>
+              <a:off x="-46652" y="839755"/>
+              <a:ext cx="12288417" cy="0"/>
+            </a:xfrm>
+            <a:prstGeom prst="straightConnector1">
+              <a:avLst/>
+            </a:prstGeom>
+            <a:noFill/>
+            <a:ln w="28575" cap="flat" cmpd="sng">
+              <a:solidFill>
+                <a:srgbClr val="5EE1E6"/>
+              </a:solidFill>
+              <a:prstDash val="solid"/>
+              <a:miter lim="800000"/>
+              <a:headEnd type="none" w="sm" len="sm"/>
+              <a:tailEnd type="none" w="sm" len="sm"/>
+            </a:ln>
+          </p:spPr>
+        </p:cxnSp>
+      </p:grpSp>
+      <p:sp>
+        <p:nvSpPr>
+          <p:cNvPr id="104" name="Google Shape;104;p14"/>
+          <p:cNvSpPr txBox="1">
+            <a:spLocks noGrp="1"/>
+          </p:cNvSpPr>
+          <p:nvPr>
+            <p:ph type="title"/>
+          </p:nvPr>
+        </p:nvSpPr>
+        <p:spPr>
+          <a:xfrm>
+            <a:off x="102637" y="103870"/>
+            <a:ext cx="11420670" cy="642580"/>
+          </a:xfrm>
+          <a:prstGeom prst="rect">
+            <a:avLst/>
+          </a:prstGeom>
+          <a:noFill/>
+          <a:ln>
+            <a:noFill/>
+          </a:ln>
+        </p:spPr>
+        <p:txBody>
+          <a:bodyPr spcFirstLastPara="1" wrap="square" lIns="91425" tIns="45700" rIns="91425" bIns="45700" anchor="ctr" anchorCtr="0">
+            <a:normAutofit fontScale="90000"/>
+          </a:bodyPr>
+          <a:lstStyle/>
+          <a:p>
+            <a:r>
+              <a:rPr lang="en-US" dirty="0">
+                <a:solidFill>
+                  <a:schemeClr val="bg1"/>
+                </a:solidFill>
+              </a:rPr>
+              <a:t>Algorithmic Complexities Cont.</a:t>
+            </a:r>
+          </a:p>
+        </p:txBody>
+      </p:sp>
+      <p:grpSp>
+        <p:nvGrpSpPr>
+          <p:cNvPr id="105" name="Google Shape;105;p14"/>
+          <p:cNvGrpSpPr/>
+          <p:nvPr/>
+        </p:nvGrpSpPr>
+        <p:grpSpPr>
+          <a:xfrm>
+            <a:off x="0" y="6245831"/>
+            <a:ext cx="12241765" cy="618932"/>
+            <a:chOff x="-1" y="6239068"/>
+            <a:chExt cx="12219993" cy="618932"/>
+          </a:xfrm>
+        </p:grpSpPr>
+        <p:sp>
+          <p:nvSpPr>
+            <p:cNvPr id="106" name="Google Shape;106;p14"/>
+            <p:cNvSpPr/>
+            <p:nvPr/>
+          </p:nvSpPr>
+          <p:spPr>
+            <a:xfrm>
+              <a:off x="-1" y="6263952"/>
+              <a:ext cx="12192000" cy="594048"/>
+            </a:xfrm>
+            <a:prstGeom prst="rect">
+              <a:avLst/>
+            </a:prstGeom>
+            <a:solidFill>
+              <a:srgbClr val="19243B"/>
+            </a:solidFill>
+            <a:ln w="12700" cap="flat" cmpd="sng">
+              <a:solidFill>
+                <a:srgbClr val="19243B"/>
+              </a:solidFill>
+              <a:prstDash val="solid"/>
+              <a:miter lim="800000"/>
+              <a:headEnd type="none" w="sm" len="sm"/>
+              <a:tailEnd type="none" w="sm" len="sm"/>
+            </a:ln>
+          </p:spPr>
+          <p:txBody>
+            <a:bodyPr spcFirstLastPara="1" wrap="square" lIns="91425" tIns="45700" rIns="91425" bIns="45700" anchor="ctr" anchorCtr="0">
+              <a:noAutofit/>
+            </a:bodyPr>
+            <a:lstStyle/>
+            <a:p>
+              <a:pPr marL="0" marR="0" lvl="0" indent="0" algn="ctr" rtl="0">
+                <a:lnSpc>
+                  <a:spcPct val="100000"/>
+                </a:lnSpc>
+                <a:spcBef>
+                  <a:spcPts val="0"/>
+                </a:spcBef>
+                <a:spcAft>
+                  <a:spcPts val="0"/>
+                </a:spcAft>
+                <a:buClr>
+                  <a:srgbClr val="000000"/>
+                </a:buClr>
+                <a:buSzPts val="1800"/>
+                <a:buFont typeface="Arial"/>
+                <a:buNone/>
+              </a:pPr>
+              <a:endParaRPr sz="1800" b="0" i="0" u="none" strike="noStrike" cap="none">
+                <a:solidFill>
+                  <a:schemeClr val="lt1"/>
+                </a:solidFill>
+                <a:latin typeface="Calibri"/>
+                <a:ea typeface="Calibri"/>
+                <a:cs typeface="Calibri"/>
+                <a:sym typeface="Calibri"/>
+              </a:endParaRPr>
+            </a:p>
+          </p:txBody>
+        </p:sp>
+        <p:cxnSp>
+          <p:nvCxnSpPr>
+            <p:cNvPr id="107" name="Google Shape;107;p14"/>
+            <p:cNvCxnSpPr/>
+            <p:nvPr/>
+          </p:nvCxnSpPr>
+          <p:spPr>
+            <a:xfrm>
+              <a:off x="0" y="6239068"/>
+              <a:ext cx="12219992" cy="0"/>
+            </a:xfrm>
+            <a:prstGeom prst="straightConnector1">
+              <a:avLst/>
+            </a:prstGeom>
+            <a:noFill/>
+            <a:ln w="28575" cap="flat" cmpd="sng">
+              <a:solidFill>
+                <a:srgbClr val="5EE1E6"/>
+              </a:solidFill>
+              <a:prstDash val="solid"/>
+              <a:miter lim="800000"/>
+              <a:headEnd type="none" w="sm" len="sm"/>
+              <a:tailEnd type="none" w="sm" len="sm"/>
+            </a:ln>
+          </p:spPr>
+        </p:cxnSp>
+      </p:grpSp>
+      <p:sp>
+        <p:nvSpPr>
+          <p:cNvPr id="110" name="Google Shape;110;p14"/>
+          <p:cNvSpPr txBox="1">
+            <a:spLocks noGrp="1"/>
+          </p:cNvSpPr>
+          <p:nvPr>
+            <p:ph type="sldNum" idx="12"/>
+          </p:nvPr>
+        </p:nvSpPr>
+        <p:spPr>
+          <a:xfrm>
+            <a:off x="9255967" y="6361015"/>
+            <a:ext cx="2743200" cy="365125"/>
+          </a:xfrm>
+          <a:prstGeom prst="rect">
+            <a:avLst/>
+          </a:prstGeom>
+          <a:noFill/>
+          <a:ln>
+            <a:noFill/>
+          </a:ln>
+        </p:spPr>
+        <p:txBody>
+          <a:bodyPr spcFirstLastPara="1" wrap="square" lIns="91425" tIns="45700" rIns="91425" bIns="45700" anchor="ctr" anchorCtr="0">
+            <a:noAutofit/>
+          </a:bodyPr>
+          <a:lstStyle/>
+          <a:p>
+            <a:pPr marL="0" lvl="0" indent="0" algn="r" rtl="0">
+              <a:lnSpc>
+                <a:spcPct val="100000"/>
+              </a:lnSpc>
+              <a:spcBef>
+                <a:spcPts val="0"/>
+              </a:spcBef>
+              <a:spcAft>
+                <a:spcPts val="0"/>
+              </a:spcAft>
+              <a:buSzPts val="1200"/>
+              <a:buNone/>
+            </a:pPr>
+            <a:fld id="{00000000-1234-1234-1234-123412341234}" type="slidenum">
+              <a:rPr lang="en-US">
+                <a:solidFill>
+                  <a:schemeClr val="lt1"/>
+                </a:solidFill>
+              </a:rPr>
+              <a:t>3</a:t>
+            </a:fld>
+            <a:endParaRPr>
+              <a:solidFill>
+                <a:schemeClr val="lt1"/>
+              </a:solidFill>
+            </a:endParaRPr>
+          </a:p>
+        </p:txBody>
+      </p:sp>
+      <p:pic>
+        <p:nvPicPr>
+          <p:cNvPr id="2" name="Picture 1">
+            <a:extLst>
+              <a:ext uri="{FF2B5EF4-FFF2-40B4-BE49-F238E27FC236}">
+                <a16:creationId xmlns:a16="http://schemas.microsoft.com/office/drawing/2014/main" id="{6922405F-BF71-BF9E-93AC-9A36A87455CB}"/>
+              </a:ext>
+            </a:extLst>
+          </p:cNvPr>
+          <p:cNvPicPr>
+            <a:picLocks noChangeAspect="1"/>
+          </p:cNvPicPr>
+          <p:nvPr/>
+        </p:nvPicPr>
+        <p:blipFill>
+          <a:blip r:embed="rId3"/>
+          <a:stretch>
+            <a:fillRect/>
+          </a:stretch>
+        </p:blipFill>
+        <p:spPr>
+          <a:xfrm>
+            <a:off x="-441435" y="5502848"/>
+            <a:ext cx="2823575" cy="2129782"/>
+          </a:xfrm>
+          <a:prstGeom prst="rect">
+            <a:avLst/>
+          </a:prstGeom>
+        </p:spPr>
+      </p:pic>
+      <p:sp>
+        <p:nvSpPr>
+          <p:cNvPr id="4" name="TextBox 3">
+            <a:extLst>
+              <a:ext uri="{FF2B5EF4-FFF2-40B4-BE49-F238E27FC236}">
+                <a16:creationId xmlns:a16="http://schemas.microsoft.com/office/drawing/2014/main" id="{2D4DC7E7-09F4-F017-EF33-815A537BF863}"/>
+              </a:ext>
+            </a:extLst>
+          </p:cNvPr>
+          <p:cNvSpPr txBox="1"/>
+          <p:nvPr/>
+        </p:nvSpPr>
+        <p:spPr>
+          <a:xfrm>
+            <a:off x="249382" y="1122218"/>
+            <a:ext cx="530915" cy="523220"/>
+          </a:xfrm>
+          <a:prstGeom prst="rect">
+            <a:avLst/>
+          </a:prstGeom>
+          <a:noFill/>
+        </p:spPr>
+        <p:txBody>
+          <a:bodyPr wrap="none" rtlCol="0">
+            <a:spAutoFit/>
+          </a:bodyPr>
+          <a:lstStyle/>
+          <a:p>
+            <a:endParaRPr lang="en-US" dirty="0"/>
+          </a:p>
+          <a:p>
+            <a:pPr marL="342900" indent="-342900">
+              <a:buAutoNum type="arabicPeriod"/>
+            </a:pPr>
+            <a:endParaRPr lang="en-US" dirty="0"/>
+          </a:p>
+        </p:txBody>
+      </p:sp>
+      <p:sp>
+        <p:nvSpPr>
+          <p:cNvPr id="5" name="TextBox 4">
+            <a:extLst>
+              <a:ext uri="{FF2B5EF4-FFF2-40B4-BE49-F238E27FC236}">
+                <a16:creationId xmlns:a16="http://schemas.microsoft.com/office/drawing/2014/main" id="{DAAFB2E3-8F5F-9E92-837C-E55D0B397CC5}"/>
+              </a:ext>
+            </a:extLst>
+          </p:cNvPr>
+          <p:cNvSpPr txBox="1"/>
+          <p:nvPr/>
+        </p:nvSpPr>
+        <p:spPr>
+          <a:xfrm>
+            <a:off x="192833" y="1122218"/>
+            <a:ext cx="6189125" cy="3539430"/>
+          </a:xfrm>
+          <a:prstGeom prst="rect">
+            <a:avLst/>
+          </a:prstGeom>
+          <a:noFill/>
+        </p:spPr>
+        <p:txBody>
+          <a:bodyPr wrap="square" rtlCol="0">
+            <a:spAutoFit/>
+          </a:bodyPr>
+          <a:lstStyle/>
+          <a:p>
+            <a:pPr marL="285750" indent="-285750">
+              <a:buFont typeface="Arial" panose="020B0604020202020204" pitchFamily="34" charset="0"/>
+              <a:buChar char="•"/>
+            </a:pPr>
+            <a:r>
+              <a:rPr lang="en-US" sz="2000" dirty="0"/>
+              <a:t>Let’s think of searching through an unsorted list to find a given item. How do we do it and what’s the time complexity?</a:t>
+            </a:r>
+          </a:p>
+          <a:p>
+            <a:pPr marL="285750" indent="-285750">
+              <a:buFont typeface="Arial" panose="020B0604020202020204" pitchFamily="34" charset="0"/>
+              <a:buChar char="•"/>
+            </a:pPr>
+            <a:endParaRPr lang="en-US" sz="2000" dirty="0"/>
+          </a:p>
+          <a:p>
+            <a:pPr marL="285750" indent="-285750">
+              <a:buFont typeface="Arial" panose="020B0604020202020204" pitchFamily="34" charset="0"/>
+              <a:buChar char="•"/>
+            </a:pPr>
+            <a:r>
+              <a:rPr lang="en-US" sz="2000" dirty="0"/>
+              <a:t>What about with a sorted list?</a:t>
+            </a:r>
+          </a:p>
+          <a:p>
+            <a:endParaRPr lang="en-US" sz="2000" dirty="0"/>
+          </a:p>
+          <a:p>
+            <a:pPr marL="285750" indent="-285750">
+              <a:buFont typeface="Arial" panose="020B0604020202020204" pitchFamily="34" charset="0"/>
+              <a:buChar char="•"/>
+            </a:pPr>
+            <a:endParaRPr lang="en-US" sz="2000" dirty="0"/>
+          </a:p>
+          <a:p>
+            <a:endParaRPr lang="en-US" sz="2000" dirty="0"/>
+          </a:p>
+          <a:p>
+            <a:endParaRPr lang="en-US" sz="2000" dirty="0"/>
+          </a:p>
+          <a:p>
+            <a:endParaRPr lang="en-US" sz="2000" dirty="0"/>
+          </a:p>
+          <a:p>
+            <a:pPr marL="285750" indent="-285750">
+              <a:buFont typeface="Arial" panose="020B0604020202020204" pitchFamily="34" charset="0"/>
+              <a:buChar char="•"/>
+            </a:pPr>
+            <a:endParaRPr lang="en-US" sz="2400" dirty="0"/>
+          </a:p>
+        </p:txBody>
+      </p:sp>
+      <p:pic>
+        <p:nvPicPr>
+          <p:cNvPr id="7" name="Picture 6" descr="A diagram of a cluster of red and blue squares&#10;&#10;Description automatically generated">
+            <a:extLst>
+              <a:ext uri="{FF2B5EF4-FFF2-40B4-BE49-F238E27FC236}">
+                <a16:creationId xmlns:a16="http://schemas.microsoft.com/office/drawing/2014/main" id="{37BADE70-C000-48B8-D5F3-019940107B3B}"/>
+              </a:ext>
+            </a:extLst>
+          </p:cNvPr>
+          <p:cNvPicPr>
+            <a:picLocks noChangeAspect="1"/>
+          </p:cNvPicPr>
+          <p:nvPr/>
+        </p:nvPicPr>
+        <p:blipFill>
+          <a:blip r:embed="rId4"/>
+          <a:stretch>
+            <a:fillRect/>
+          </a:stretch>
+        </p:blipFill>
+        <p:spPr>
+          <a:xfrm>
+            <a:off x="5069230" y="1909636"/>
+            <a:ext cx="5778029" cy="3593212"/>
+          </a:xfrm>
+          <a:prstGeom prst="rect">
+            <a:avLst/>
+          </a:prstGeom>
+        </p:spPr>
+      </p:pic>
+    </p:spTree>
+    <p:extLst>
+      <p:ext uri="{BB962C8B-B14F-4D97-AF65-F5344CB8AC3E}">
+        <p14:creationId xmlns:p14="http://schemas.microsoft.com/office/powerpoint/2010/main" val="3559680611"/>
+      </p:ext>
+    </p:extLst>
+  </p:cSld>
+  <p:clrMapOvr>
+    <a:masterClrMapping/>
+  </p:clrMapOvr>
+</p:sld>
+</file>
+
+<file path=ppt/slides/slide4.xml><?xml version="1.0" encoding="utf-8"?>
+<p:sld xmlns:a="http://schemas.openxmlformats.org/drawingml/2006/main" xmlns:r="http://schemas.openxmlformats.org/officeDocument/2006/relationships" xmlns:p="http://schemas.openxmlformats.org/presentationml/2006/main">
+  <p:cSld>
+    <p:spTree>
+      <p:nvGrpSpPr>
+        <p:cNvPr id="1" name="Shape 100"/>
+        <p:cNvGrpSpPr/>
+        <p:nvPr/>
+      </p:nvGrpSpPr>
+      <p:grpSpPr>
+        <a:xfrm>
+          <a:off x="0" y="0"/>
+          <a:ext cx="0" cy="0"/>
+          <a:chOff x="0" y="0"/>
+          <a:chExt cx="0" cy="0"/>
+        </a:xfrm>
+      </p:grpSpPr>
+      <p:grpSp>
+        <p:nvGrpSpPr>
+          <p:cNvPr id="101" name="Google Shape;101;p14"/>
+          <p:cNvGrpSpPr/>
+          <p:nvPr/>
+        </p:nvGrpSpPr>
+        <p:grpSpPr>
+          <a:xfrm>
+            <a:off x="-46652" y="0"/>
+            <a:ext cx="12288417" cy="839755"/>
+            <a:chOff x="-46652" y="0"/>
+            <a:chExt cx="12288417" cy="839755"/>
+          </a:xfrm>
+        </p:grpSpPr>
+        <p:sp>
+          <p:nvSpPr>
+            <p:cNvPr id="102" name="Google Shape;102;p14"/>
+            <p:cNvSpPr/>
+            <p:nvPr/>
+          </p:nvSpPr>
+          <p:spPr>
+            <a:xfrm>
+              <a:off x="0" y="0"/>
+              <a:ext cx="12192000" cy="830425"/>
+            </a:xfrm>
+            <a:prstGeom prst="rect">
+              <a:avLst/>
+            </a:prstGeom>
+            <a:solidFill>
+              <a:srgbClr val="19243B"/>
+            </a:solidFill>
+            <a:ln w="12700" cap="flat" cmpd="sng">
+              <a:solidFill>
+                <a:srgbClr val="19243B"/>
+              </a:solidFill>
+              <a:prstDash val="solid"/>
+              <a:miter lim="800000"/>
+              <a:headEnd type="none" w="sm" len="sm"/>
+              <a:tailEnd type="none" w="sm" len="sm"/>
+            </a:ln>
+          </p:spPr>
+          <p:txBody>
+            <a:bodyPr spcFirstLastPara="1" wrap="square" lIns="91425" tIns="45700" rIns="91425" bIns="45700" anchor="ctr" anchorCtr="0">
+              <a:noAutofit/>
+            </a:bodyPr>
+            <a:lstStyle/>
+            <a:p>
+              <a:pPr marL="0" marR="0" lvl="0" indent="0" algn="ctr" rtl="0">
+                <a:lnSpc>
+                  <a:spcPct val="100000"/>
+                </a:lnSpc>
+                <a:spcBef>
+                  <a:spcPts val="0"/>
+                </a:spcBef>
+                <a:spcAft>
+                  <a:spcPts val="0"/>
+                </a:spcAft>
+                <a:buClr>
+                  <a:srgbClr val="000000"/>
+                </a:buClr>
+                <a:buSzPts val="1800"/>
+                <a:buFont typeface="Arial"/>
+                <a:buNone/>
+              </a:pPr>
+              <a:endParaRPr sz="1800" b="0" i="0" u="none" strike="noStrike" cap="none" dirty="0">
+                <a:solidFill>
+                  <a:schemeClr val="lt1"/>
+                </a:solidFill>
+                <a:latin typeface="Calibri"/>
+                <a:ea typeface="Calibri"/>
+                <a:cs typeface="Calibri"/>
+                <a:sym typeface="Calibri"/>
+              </a:endParaRPr>
+            </a:p>
+          </p:txBody>
+        </p:sp>
+        <p:cxnSp>
+          <p:nvCxnSpPr>
+            <p:cNvPr id="103" name="Google Shape;103;p14"/>
+            <p:cNvCxnSpPr/>
+            <p:nvPr/>
+          </p:nvCxnSpPr>
+          <p:spPr>
+            <a:xfrm>
+              <a:off x="-46652" y="839755"/>
+              <a:ext cx="12288417" cy="0"/>
+            </a:xfrm>
+            <a:prstGeom prst="straightConnector1">
+              <a:avLst/>
+            </a:prstGeom>
+            <a:noFill/>
+            <a:ln w="28575" cap="flat" cmpd="sng">
+              <a:solidFill>
+                <a:srgbClr val="5EE1E6"/>
+              </a:solidFill>
+              <a:prstDash val="solid"/>
+              <a:miter lim="800000"/>
+              <a:headEnd type="none" w="sm" len="sm"/>
+              <a:tailEnd type="none" w="sm" len="sm"/>
+            </a:ln>
+          </p:spPr>
+        </p:cxnSp>
+      </p:grpSp>
+      <p:sp>
+        <p:nvSpPr>
+          <p:cNvPr id="104" name="Google Shape;104;p14"/>
+          <p:cNvSpPr txBox="1">
+            <a:spLocks noGrp="1"/>
+          </p:cNvSpPr>
+          <p:nvPr>
+            <p:ph type="title"/>
+          </p:nvPr>
+        </p:nvSpPr>
+        <p:spPr>
+          <a:xfrm>
+            <a:off x="102637" y="103870"/>
+            <a:ext cx="11420670" cy="642580"/>
+          </a:xfrm>
+          <a:prstGeom prst="rect">
+            <a:avLst/>
+          </a:prstGeom>
+          <a:noFill/>
+          <a:ln>
+            <a:noFill/>
+          </a:ln>
+        </p:spPr>
+        <p:txBody>
+          <a:bodyPr spcFirstLastPara="1" wrap="square" lIns="91425" tIns="45700" rIns="91425" bIns="45700" anchor="ctr" anchorCtr="0">
+            <a:normAutofit fontScale="90000"/>
+          </a:bodyPr>
+          <a:lstStyle/>
+          <a:p>
+            <a:r>
+              <a:rPr lang="en-US" dirty="0">
+                <a:solidFill>
+                  <a:schemeClr val="bg1"/>
+                </a:solidFill>
+              </a:rPr>
+              <a:t>Solution: Binary Search</a:t>
+            </a:r>
+          </a:p>
+        </p:txBody>
+      </p:sp>
+      <p:grpSp>
+        <p:nvGrpSpPr>
+          <p:cNvPr id="105" name="Google Shape;105;p14"/>
+          <p:cNvGrpSpPr/>
+          <p:nvPr/>
+        </p:nvGrpSpPr>
+        <p:grpSpPr>
+          <a:xfrm>
+            <a:off x="0" y="6245831"/>
+            <a:ext cx="12241765" cy="618932"/>
+            <a:chOff x="-1" y="6239068"/>
+            <a:chExt cx="12219993" cy="618932"/>
+          </a:xfrm>
+        </p:grpSpPr>
+        <p:sp>
+          <p:nvSpPr>
+            <p:cNvPr id="106" name="Google Shape;106;p14"/>
+            <p:cNvSpPr/>
+            <p:nvPr/>
+          </p:nvSpPr>
+          <p:spPr>
+            <a:xfrm>
+              <a:off x="-1" y="6263952"/>
+              <a:ext cx="12192000" cy="594048"/>
+            </a:xfrm>
+            <a:prstGeom prst="rect">
+              <a:avLst/>
+            </a:prstGeom>
+            <a:solidFill>
+              <a:srgbClr val="19243B"/>
+            </a:solidFill>
+            <a:ln w="12700" cap="flat" cmpd="sng">
+              <a:solidFill>
+                <a:srgbClr val="19243B"/>
+              </a:solidFill>
+              <a:prstDash val="solid"/>
+              <a:miter lim="800000"/>
+              <a:headEnd type="none" w="sm" len="sm"/>
+              <a:tailEnd type="none" w="sm" len="sm"/>
+            </a:ln>
+          </p:spPr>
+          <p:txBody>
+            <a:bodyPr spcFirstLastPara="1" wrap="square" lIns="91425" tIns="45700" rIns="91425" bIns="45700" anchor="ctr" anchorCtr="0">
+              <a:noAutofit/>
+            </a:bodyPr>
+            <a:lstStyle/>
+            <a:p>
+              <a:pPr marL="0" marR="0" lvl="0" indent="0" algn="ctr" rtl="0">
+                <a:lnSpc>
+                  <a:spcPct val="100000"/>
+                </a:lnSpc>
+                <a:spcBef>
+                  <a:spcPts val="0"/>
+                </a:spcBef>
+                <a:spcAft>
+                  <a:spcPts val="0"/>
+                </a:spcAft>
+                <a:buClr>
+                  <a:srgbClr val="000000"/>
+                </a:buClr>
+                <a:buSzPts val="1800"/>
+                <a:buFont typeface="Arial"/>
+                <a:buNone/>
+              </a:pPr>
+              <a:endParaRPr sz="1800" b="0" i="0" u="none" strike="noStrike" cap="none">
+                <a:solidFill>
+                  <a:schemeClr val="lt1"/>
+                </a:solidFill>
+                <a:latin typeface="Calibri"/>
+                <a:ea typeface="Calibri"/>
+                <a:cs typeface="Calibri"/>
+                <a:sym typeface="Calibri"/>
+              </a:endParaRPr>
+            </a:p>
+          </p:txBody>
+        </p:sp>
+        <p:cxnSp>
+          <p:nvCxnSpPr>
+            <p:cNvPr id="107" name="Google Shape;107;p14"/>
+            <p:cNvCxnSpPr/>
+            <p:nvPr/>
+          </p:nvCxnSpPr>
+          <p:spPr>
+            <a:xfrm>
+              <a:off x="0" y="6239068"/>
+              <a:ext cx="12219992" cy="0"/>
+            </a:xfrm>
+            <a:prstGeom prst="straightConnector1">
+              <a:avLst/>
+            </a:prstGeom>
+            <a:noFill/>
+            <a:ln w="28575" cap="flat" cmpd="sng">
+              <a:solidFill>
+                <a:srgbClr val="5EE1E6"/>
+              </a:solidFill>
+              <a:prstDash val="solid"/>
+              <a:miter lim="800000"/>
+              <a:headEnd type="none" w="sm" len="sm"/>
+              <a:tailEnd type="none" w="sm" len="sm"/>
+            </a:ln>
+          </p:spPr>
+        </p:cxnSp>
+      </p:grpSp>
+      <p:sp>
+        <p:nvSpPr>
+          <p:cNvPr id="110" name="Google Shape;110;p14"/>
+          <p:cNvSpPr txBox="1">
+            <a:spLocks noGrp="1"/>
+          </p:cNvSpPr>
+          <p:nvPr>
+            <p:ph type="sldNum" idx="12"/>
+          </p:nvPr>
+        </p:nvSpPr>
+        <p:spPr>
+          <a:xfrm>
+            <a:off x="9255967" y="6361015"/>
+            <a:ext cx="2743200" cy="365125"/>
+          </a:xfrm>
+          <a:prstGeom prst="rect">
+            <a:avLst/>
+          </a:prstGeom>
+          <a:noFill/>
+          <a:ln>
+            <a:noFill/>
+          </a:ln>
+        </p:spPr>
+        <p:txBody>
+          <a:bodyPr spcFirstLastPara="1" wrap="square" lIns="91425" tIns="45700" rIns="91425" bIns="45700" anchor="ctr" anchorCtr="0">
+            <a:noAutofit/>
+          </a:bodyPr>
+          <a:lstStyle/>
+          <a:p>
+            <a:pPr marL="0" lvl="0" indent="0" algn="r" rtl="0">
+              <a:lnSpc>
+                <a:spcPct val="100000"/>
+              </a:lnSpc>
+              <a:spcBef>
+                <a:spcPts val="0"/>
+              </a:spcBef>
+              <a:spcAft>
+                <a:spcPts val="0"/>
+              </a:spcAft>
+              <a:buSzPts val="1200"/>
+              <a:buNone/>
+            </a:pPr>
+            <a:fld id="{00000000-1234-1234-1234-123412341234}" type="slidenum">
+              <a:rPr lang="en-US">
+                <a:solidFill>
+                  <a:schemeClr val="lt1"/>
+                </a:solidFill>
+              </a:rPr>
+              <a:t>4</a:t>
+            </a:fld>
+            <a:endParaRPr>
+              <a:solidFill>
+                <a:schemeClr val="lt1"/>
+              </a:solidFill>
+            </a:endParaRPr>
+          </a:p>
+        </p:txBody>
+      </p:sp>
+      <p:pic>
+        <p:nvPicPr>
+          <p:cNvPr id="2" name="Picture 1">
+            <a:extLst>
+              <a:ext uri="{FF2B5EF4-FFF2-40B4-BE49-F238E27FC236}">
+                <a16:creationId xmlns:a16="http://schemas.microsoft.com/office/drawing/2014/main" id="{6922405F-BF71-BF9E-93AC-9A36A87455CB}"/>
+              </a:ext>
+            </a:extLst>
+          </p:cNvPr>
+          <p:cNvPicPr>
+            <a:picLocks noChangeAspect="1"/>
+          </p:cNvPicPr>
+          <p:nvPr/>
+        </p:nvPicPr>
+        <p:blipFill>
+          <a:blip r:embed="rId3"/>
+          <a:stretch>
+            <a:fillRect/>
+          </a:stretch>
+        </p:blipFill>
+        <p:spPr>
+          <a:xfrm>
+            <a:off x="-441435" y="5502848"/>
+            <a:ext cx="2823575" cy="2129782"/>
+          </a:xfrm>
+          <a:prstGeom prst="rect">
+            <a:avLst/>
+          </a:prstGeom>
+        </p:spPr>
+      </p:pic>
+      <p:sp>
+        <p:nvSpPr>
+          <p:cNvPr id="4" name="TextBox 3">
+            <a:extLst>
+              <a:ext uri="{FF2B5EF4-FFF2-40B4-BE49-F238E27FC236}">
+                <a16:creationId xmlns:a16="http://schemas.microsoft.com/office/drawing/2014/main" id="{2D4DC7E7-09F4-F017-EF33-815A537BF863}"/>
+              </a:ext>
+            </a:extLst>
+          </p:cNvPr>
+          <p:cNvSpPr txBox="1"/>
+          <p:nvPr/>
+        </p:nvSpPr>
+        <p:spPr>
+          <a:xfrm>
+            <a:off x="249382" y="1122218"/>
+            <a:ext cx="530915" cy="523220"/>
+          </a:xfrm>
+          <a:prstGeom prst="rect">
+            <a:avLst/>
+          </a:prstGeom>
+          <a:noFill/>
+        </p:spPr>
+        <p:txBody>
+          <a:bodyPr wrap="none" rtlCol="0">
+            <a:spAutoFit/>
+          </a:bodyPr>
+          <a:lstStyle/>
+          <a:p>
+            <a:endParaRPr lang="en-US" dirty="0"/>
+          </a:p>
+          <a:p>
+            <a:pPr marL="342900" indent="-342900">
+              <a:buAutoNum type="arabicPeriod"/>
+            </a:pPr>
+            <a:endParaRPr lang="en-US" dirty="0"/>
+          </a:p>
+        </p:txBody>
+      </p:sp>
+      <p:sp>
+        <p:nvSpPr>
+          <p:cNvPr id="5" name="TextBox 4">
+            <a:extLst>
+              <a:ext uri="{FF2B5EF4-FFF2-40B4-BE49-F238E27FC236}">
+                <a16:creationId xmlns:a16="http://schemas.microsoft.com/office/drawing/2014/main" id="{DAAFB2E3-8F5F-9E92-837C-E55D0B397CC5}"/>
+              </a:ext>
+            </a:extLst>
+          </p:cNvPr>
+          <p:cNvSpPr txBox="1"/>
+          <p:nvPr/>
+        </p:nvSpPr>
+        <p:spPr>
+          <a:xfrm>
+            <a:off x="192834" y="1122218"/>
+            <a:ext cx="5622340" cy="5386090"/>
+          </a:xfrm>
+          <a:prstGeom prst="rect">
+            <a:avLst/>
+          </a:prstGeom>
+          <a:noFill/>
+        </p:spPr>
+        <p:txBody>
+          <a:bodyPr wrap="square" rtlCol="0">
+            <a:spAutoFit/>
+          </a:bodyPr>
+          <a:lstStyle/>
+          <a:p>
+            <a:pPr marL="285750" indent="-285750">
+              <a:buFont typeface="Arial" panose="020B0604020202020204" pitchFamily="34" charset="0"/>
+              <a:buChar char="•"/>
+            </a:pPr>
+            <a:r>
+              <a:rPr lang="en-US" sz="2000" dirty="0"/>
+              <a:t>Think about looking through a dictionary</a:t>
+            </a:r>
+          </a:p>
+          <a:p>
+            <a:pPr marL="285750" indent="-285750">
+              <a:buFont typeface="Arial" panose="020B0604020202020204" pitchFamily="34" charset="0"/>
+              <a:buChar char="•"/>
+            </a:pPr>
+            <a:endParaRPr lang="en-US" sz="2000" dirty="0"/>
+          </a:p>
+          <a:p>
+            <a:pPr marL="285750" indent="-285750">
+              <a:buFont typeface="Arial" panose="020B0604020202020204" pitchFamily="34" charset="0"/>
+              <a:buChar char="•"/>
+            </a:pPr>
+            <a:r>
+              <a:rPr lang="en-US" sz="2000" dirty="0"/>
+              <a:t>Turn to a page. If the word is lexicographically less than the current page, look in the first half, else look in the right half</a:t>
+            </a:r>
+          </a:p>
+          <a:p>
+            <a:pPr marL="285750" indent="-285750">
+              <a:buFont typeface="Arial" panose="020B0604020202020204" pitchFamily="34" charset="0"/>
+              <a:buChar char="•"/>
+            </a:pPr>
+            <a:endParaRPr lang="en-US" sz="2000" dirty="0"/>
+          </a:p>
+          <a:p>
+            <a:pPr marL="285750" indent="-285750">
+              <a:buFont typeface="Arial" panose="020B0604020202020204" pitchFamily="34" charset="0"/>
+              <a:buChar char="•"/>
+            </a:pPr>
+            <a:r>
+              <a:rPr lang="en-US" sz="2000" dirty="0"/>
+              <a:t>By searching in the midpoint each time, we halve the operations each time</a:t>
+            </a:r>
+          </a:p>
+          <a:p>
+            <a:pPr marL="285750" indent="-285750">
+              <a:buFont typeface="Arial" panose="020B0604020202020204" pitchFamily="34" charset="0"/>
+              <a:buChar char="•"/>
+            </a:pPr>
+            <a:endParaRPr lang="en-US" sz="2000" dirty="0"/>
+          </a:p>
+          <a:p>
+            <a:pPr marL="285750" indent="-285750">
+              <a:buFont typeface="Arial" panose="020B0604020202020204" pitchFamily="34" charset="0"/>
+              <a:buChar char="•"/>
+            </a:pPr>
+            <a:r>
+              <a:rPr lang="en-US" sz="2000" dirty="0"/>
+              <a:t>What’s the time complexity? (Hint: Halving is the opposite operation of squaring a number)</a:t>
+            </a:r>
+          </a:p>
+          <a:p>
+            <a:endParaRPr lang="en-US" sz="2000" dirty="0"/>
+          </a:p>
+          <a:p>
+            <a:pPr marL="285750" indent="-285750">
+              <a:buFont typeface="Arial" panose="020B0604020202020204" pitchFamily="34" charset="0"/>
+              <a:buChar char="•"/>
+            </a:pPr>
+            <a:endParaRPr lang="en-US" sz="2000" dirty="0"/>
+          </a:p>
+          <a:p>
+            <a:endParaRPr lang="en-US" sz="2000" dirty="0"/>
+          </a:p>
+          <a:p>
+            <a:endParaRPr lang="en-US" sz="2000" dirty="0"/>
+          </a:p>
+          <a:p>
+            <a:endParaRPr lang="en-US" sz="2000" dirty="0"/>
+          </a:p>
+          <a:p>
+            <a:pPr marL="285750" indent="-285750">
+              <a:buFont typeface="Arial" panose="020B0604020202020204" pitchFamily="34" charset="0"/>
+              <a:buChar char="•"/>
+            </a:pPr>
+            <a:endParaRPr lang="en-US" sz="2400" dirty="0"/>
+          </a:p>
+        </p:txBody>
+      </p:sp>
+      <p:pic>
+        <p:nvPicPr>
+          <p:cNvPr id="6" name="Picture 5" descr="A table with numbers and numbers&#10;&#10;Description automatically generated">
+            <a:extLst>
+              <a:ext uri="{FF2B5EF4-FFF2-40B4-BE49-F238E27FC236}">
+                <a16:creationId xmlns:a16="http://schemas.microsoft.com/office/drawing/2014/main" id="{351588D6-6C03-6C0E-BEFE-C05BF01C22A1}"/>
+              </a:ext>
+            </a:extLst>
+          </p:cNvPr>
+          <p:cNvPicPr>
+            <a:picLocks noChangeAspect="1"/>
+          </p:cNvPicPr>
+          <p:nvPr/>
+        </p:nvPicPr>
+        <p:blipFill>
+          <a:blip r:embed="rId4"/>
+          <a:stretch>
+            <a:fillRect/>
+          </a:stretch>
+        </p:blipFill>
+        <p:spPr>
+          <a:xfrm>
+            <a:off x="5871722" y="1489433"/>
+            <a:ext cx="5905344" cy="2775512"/>
+          </a:xfrm>
+          <a:prstGeom prst="rect">
+            <a:avLst/>
+          </a:prstGeom>
+        </p:spPr>
+      </p:pic>
+    </p:spTree>
+    <p:extLst>
+      <p:ext uri="{BB962C8B-B14F-4D97-AF65-F5344CB8AC3E}">
+        <p14:creationId xmlns:p14="http://schemas.microsoft.com/office/powerpoint/2010/main" val="1746808033"/>
       </p:ext>
     </p:extLst>
   </p:cSld>
@@ -18360,7 +20821,7 @@
                 <a:buFont typeface="Arial"/>
                 <a:buNone/>
               </a:pPr>
-              <a:endParaRPr sz="1800" b="0" i="0" u="none" strike="noStrike" cap="none">
+              <a:endParaRPr sz="1800" b="0" i="0" u="none" strike="noStrike" cap="none" dirty="0">
                 <a:solidFill>
                   <a:schemeClr val="lt1"/>
                 </a:solidFill>
@@ -18431,12 +20892,11 @@
             <a:r>
               <a:rPr lang="en-US" dirty="0">
                 <a:solidFill>
-                  <a:schemeClr val="lt1"/>
+                  <a:schemeClr val="bg1"/>
                 </a:solidFill>
               </a:rPr>
-              <a:t>The End!</a:t>
+              <a:t>Complexity</a:t>
             </a:r>
-            <a:endParaRPr lang="en-US" dirty="0"/>
           </a:p>
         </p:txBody>
       </p:sp>
@@ -18671,10 +21131,10 @@
       </p:sp>
       <p:sp>
         <p:nvSpPr>
-          <p:cNvPr id="3" name="TextBox 2">
+          <p:cNvPr id="5" name="TextBox 4">
             <a:extLst>
               <a:ext uri="{FF2B5EF4-FFF2-40B4-BE49-F238E27FC236}">
-                <a16:creationId xmlns:a16="http://schemas.microsoft.com/office/drawing/2014/main" id="{86F5B349-E34E-3435-6031-3A4B63B7FE8A}"/>
+                <a16:creationId xmlns:a16="http://schemas.microsoft.com/office/drawing/2014/main" id="{DAAFB2E3-8F5F-9E92-837C-E55D0B397CC5}"/>
               </a:ext>
             </a:extLst>
           </p:cNvPr>
@@ -18683,8 +21143,8 @@
         </p:nvSpPr>
         <p:spPr>
           <a:xfrm>
-            <a:off x="249382" y="1122218"/>
-            <a:ext cx="11693236" cy="461665"/>
+            <a:off x="192834" y="1122218"/>
+            <a:ext cx="5622340" cy="4462760"/>
           </a:xfrm>
           <a:prstGeom prst="rect">
             <a:avLst/>
@@ -18702,16 +21162,2665 @@
               <a:buChar char="•"/>
             </a:pPr>
             <a:r>
-              <a:rPr lang="en-US" sz="2400" dirty="0"/>
-              <a:t>Thank you!</a:t>
+              <a:rPr lang="en-US" sz="2000" dirty="0"/>
+              <a:t>O(</a:t>
             </a:r>
+            <a:r>
+              <a:rPr lang="en-US" sz="2000" dirty="0" err="1"/>
+              <a:t>logn</a:t>
+            </a:r>
+            <a:r>
+              <a:rPr lang="en-US" sz="2000" dirty="0"/>
+              <a:t>)</a:t>
+            </a:r>
+          </a:p>
+          <a:p>
+            <a:pPr marL="285750" indent="-285750">
+              <a:buFont typeface="Arial" panose="020B0604020202020204" pitchFamily="34" charset="0"/>
+              <a:buChar char="•"/>
+            </a:pPr>
+            <a:endParaRPr lang="en-US" sz="2000" dirty="0"/>
+          </a:p>
+          <a:p>
+            <a:pPr marL="285750" indent="-285750">
+              <a:buFont typeface="Arial" panose="020B0604020202020204" pitchFamily="34" charset="0"/>
+              <a:buChar char="•"/>
+            </a:pPr>
+            <a:r>
+              <a:rPr lang="en-US" sz="2000" dirty="0"/>
+              <a:t>8 items -&gt; 4 items -&gt; 2 -&gt; 1</a:t>
+            </a:r>
+          </a:p>
+          <a:p>
+            <a:r>
+              <a:rPr lang="en-US" sz="2000" dirty="0"/>
+              <a:t>    2^n = 8 ? log</a:t>
+            </a:r>
+            <a:r>
+              <a:rPr lang="en-US" sz="1000" dirty="0"/>
+              <a:t>2</a:t>
+            </a:r>
+            <a:r>
+              <a:rPr lang="en-US" sz="2000" dirty="0"/>
+              <a:t>(2^n) = n, log</a:t>
+            </a:r>
+            <a:r>
+              <a:rPr lang="en-US" sz="1000" dirty="0"/>
+              <a:t>2</a:t>
+            </a:r>
+            <a:r>
+              <a:rPr lang="en-US" sz="2000" dirty="0"/>
+              <a:t>(8) = 3 </a:t>
+            </a:r>
+          </a:p>
+          <a:p>
+            <a:pPr marL="285750" indent="-285750">
+              <a:buFont typeface="Arial" panose="020B0604020202020204" pitchFamily="34" charset="0"/>
+              <a:buChar char="•"/>
+            </a:pPr>
+            <a:endParaRPr lang="en-US" sz="2000" dirty="0"/>
+          </a:p>
+          <a:p>
+            <a:pPr marL="285750" indent="-285750">
+              <a:buFont typeface="Arial" panose="020B0604020202020204" pitchFamily="34" charset="0"/>
+              <a:buChar char="•"/>
+            </a:pPr>
+            <a:r>
+              <a:rPr lang="en-US" sz="2000" dirty="0"/>
+              <a:t>Better than O(n)</a:t>
+            </a:r>
+          </a:p>
+          <a:p>
+            <a:pPr marL="285750" indent="-285750">
+              <a:buFont typeface="Arial" panose="020B0604020202020204" pitchFamily="34" charset="0"/>
+              <a:buChar char="•"/>
+            </a:pPr>
+            <a:endParaRPr lang="en-US" sz="2000" dirty="0"/>
+          </a:p>
+          <a:p>
+            <a:pPr marL="285750" indent="-285750">
+              <a:buFont typeface="Arial" panose="020B0604020202020204" pitchFamily="34" charset="0"/>
+              <a:buChar char="•"/>
+            </a:pPr>
+            <a:r>
+              <a:rPr lang="en-US" sz="2000" dirty="0"/>
+              <a:t>Let’s look at the effect in code</a:t>
+            </a:r>
+          </a:p>
+          <a:p>
+            <a:endParaRPr lang="en-US" sz="2000" dirty="0"/>
+          </a:p>
+          <a:p>
+            <a:pPr marL="285750" indent="-285750">
+              <a:buFont typeface="Arial" panose="020B0604020202020204" pitchFamily="34" charset="0"/>
+              <a:buChar char="•"/>
+            </a:pPr>
+            <a:endParaRPr lang="en-US" sz="2000" dirty="0"/>
+          </a:p>
+          <a:p>
+            <a:endParaRPr lang="en-US" sz="2000" dirty="0"/>
+          </a:p>
+          <a:p>
+            <a:endParaRPr lang="en-US" sz="2000" dirty="0"/>
+          </a:p>
+          <a:p>
+            <a:endParaRPr lang="en-US" sz="2000" dirty="0"/>
+          </a:p>
+          <a:p>
+            <a:pPr marL="285750" indent="-285750">
+              <a:buFont typeface="Arial" panose="020B0604020202020204" pitchFamily="34" charset="0"/>
+              <a:buChar char="•"/>
+            </a:pPr>
+            <a:endParaRPr lang="en-US" sz="2400" dirty="0"/>
           </a:p>
         </p:txBody>
       </p:sp>
     </p:spTree>
     <p:extLst>
       <p:ext uri="{BB962C8B-B14F-4D97-AF65-F5344CB8AC3E}">
-        <p14:creationId xmlns:p14="http://schemas.microsoft.com/office/powerpoint/2010/main" val="2908996824"/>
+        <p14:creationId xmlns:p14="http://schemas.microsoft.com/office/powerpoint/2010/main" val="453873802"/>
+      </p:ext>
+    </p:extLst>
+  </p:cSld>
+  <p:clrMapOvr>
+    <a:masterClrMapping/>
+  </p:clrMapOvr>
+</p:sld>
+</file>
+
+<file path=ppt/slides/slide6.xml><?xml version="1.0" encoding="utf-8"?>
+<p:sld xmlns:a="http://schemas.openxmlformats.org/drawingml/2006/main" xmlns:r="http://schemas.openxmlformats.org/officeDocument/2006/relationships" xmlns:p="http://schemas.openxmlformats.org/presentationml/2006/main">
+  <p:cSld>
+    <p:spTree>
+      <p:nvGrpSpPr>
+        <p:cNvPr id="1" name="Shape 100"/>
+        <p:cNvGrpSpPr/>
+        <p:nvPr/>
+      </p:nvGrpSpPr>
+      <p:grpSpPr>
+        <a:xfrm>
+          <a:off x="0" y="0"/>
+          <a:ext cx="0" cy="0"/>
+          <a:chOff x="0" y="0"/>
+          <a:chExt cx="0" cy="0"/>
+        </a:xfrm>
+      </p:grpSpPr>
+      <p:grpSp>
+        <p:nvGrpSpPr>
+          <p:cNvPr id="101" name="Google Shape;101;p14"/>
+          <p:cNvGrpSpPr/>
+          <p:nvPr/>
+        </p:nvGrpSpPr>
+        <p:grpSpPr>
+          <a:xfrm>
+            <a:off x="-46652" y="0"/>
+            <a:ext cx="12288417" cy="839755"/>
+            <a:chOff x="-46652" y="0"/>
+            <a:chExt cx="12288417" cy="839755"/>
+          </a:xfrm>
+        </p:grpSpPr>
+        <p:sp>
+          <p:nvSpPr>
+            <p:cNvPr id="102" name="Google Shape;102;p14"/>
+            <p:cNvSpPr/>
+            <p:nvPr/>
+          </p:nvSpPr>
+          <p:spPr>
+            <a:xfrm>
+              <a:off x="0" y="0"/>
+              <a:ext cx="12192000" cy="830425"/>
+            </a:xfrm>
+            <a:prstGeom prst="rect">
+              <a:avLst/>
+            </a:prstGeom>
+            <a:solidFill>
+              <a:srgbClr val="19243B"/>
+            </a:solidFill>
+            <a:ln w="12700" cap="flat" cmpd="sng">
+              <a:solidFill>
+                <a:srgbClr val="19243B"/>
+              </a:solidFill>
+              <a:prstDash val="solid"/>
+              <a:miter lim="800000"/>
+              <a:headEnd type="none" w="sm" len="sm"/>
+              <a:tailEnd type="none" w="sm" len="sm"/>
+            </a:ln>
+          </p:spPr>
+          <p:txBody>
+            <a:bodyPr spcFirstLastPara="1" wrap="square" lIns="91425" tIns="45700" rIns="91425" bIns="45700" anchor="ctr" anchorCtr="0">
+              <a:noAutofit/>
+            </a:bodyPr>
+            <a:lstStyle/>
+            <a:p>
+              <a:pPr marL="0" marR="0" lvl="0" indent="0" algn="ctr" rtl="0">
+                <a:lnSpc>
+                  <a:spcPct val="100000"/>
+                </a:lnSpc>
+                <a:spcBef>
+                  <a:spcPts val="0"/>
+                </a:spcBef>
+                <a:spcAft>
+                  <a:spcPts val="0"/>
+                </a:spcAft>
+                <a:buClr>
+                  <a:srgbClr val="000000"/>
+                </a:buClr>
+                <a:buSzPts val="1800"/>
+                <a:buFont typeface="Arial"/>
+                <a:buNone/>
+              </a:pPr>
+              <a:endParaRPr sz="1800" b="0" i="0" u="none" strike="noStrike" cap="none" dirty="0">
+                <a:solidFill>
+                  <a:schemeClr val="lt1"/>
+                </a:solidFill>
+                <a:latin typeface="Calibri"/>
+                <a:ea typeface="Calibri"/>
+                <a:cs typeface="Calibri"/>
+                <a:sym typeface="Calibri"/>
+              </a:endParaRPr>
+            </a:p>
+          </p:txBody>
+        </p:sp>
+        <p:cxnSp>
+          <p:nvCxnSpPr>
+            <p:cNvPr id="103" name="Google Shape;103;p14"/>
+            <p:cNvCxnSpPr/>
+            <p:nvPr/>
+          </p:nvCxnSpPr>
+          <p:spPr>
+            <a:xfrm>
+              <a:off x="-46652" y="839755"/>
+              <a:ext cx="12288417" cy="0"/>
+            </a:xfrm>
+            <a:prstGeom prst="straightConnector1">
+              <a:avLst/>
+            </a:prstGeom>
+            <a:noFill/>
+            <a:ln w="28575" cap="flat" cmpd="sng">
+              <a:solidFill>
+                <a:srgbClr val="5EE1E6"/>
+              </a:solidFill>
+              <a:prstDash val="solid"/>
+              <a:miter lim="800000"/>
+              <a:headEnd type="none" w="sm" len="sm"/>
+              <a:tailEnd type="none" w="sm" len="sm"/>
+            </a:ln>
+          </p:spPr>
+        </p:cxnSp>
+      </p:grpSp>
+      <p:sp>
+        <p:nvSpPr>
+          <p:cNvPr id="104" name="Google Shape;104;p14"/>
+          <p:cNvSpPr txBox="1">
+            <a:spLocks noGrp="1"/>
+          </p:cNvSpPr>
+          <p:nvPr>
+            <p:ph type="title"/>
+          </p:nvPr>
+        </p:nvSpPr>
+        <p:spPr>
+          <a:xfrm>
+            <a:off x="102637" y="103870"/>
+            <a:ext cx="11420670" cy="642580"/>
+          </a:xfrm>
+          <a:prstGeom prst="rect">
+            <a:avLst/>
+          </a:prstGeom>
+          <a:noFill/>
+          <a:ln>
+            <a:noFill/>
+          </a:ln>
+        </p:spPr>
+        <p:txBody>
+          <a:bodyPr spcFirstLastPara="1" wrap="square" lIns="91425" tIns="45700" rIns="91425" bIns="45700" anchor="ctr" anchorCtr="0">
+            <a:normAutofit fontScale="90000"/>
+          </a:bodyPr>
+          <a:lstStyle/>
+          <a:p>
+            <a:r>
+              <a:rPr lang="en-US" dirty="0">
+                <a:solidFill>
+                  <a:schemeClr val="bg1"/>
+                </a:solidFill>
+              </a:rPr>
+              <a:t>Classes</a:t>
+            </a:r>
+          </a:p>
+        </p:txBody>
+      </p:sp>
+      <p:grpSp>
+        <p:nvGrpSpPr>
+          <p:cNvPr id="105" name="Google Shape;105;p14"/>
+          <p:cNvGrpSpPr/>
+          <p:nvPr/>
+        </p:nvGrpSpPr>
+        <p:grpSpPr>
+          <a:xfrm>
+            <a:off x="0" y="6245831"/>
+            <a:ext cx="12241765" cy="618932"/>
+            <a:chOff x="-1" y="6239068"/>
+            <a:chExt cx="12219993" cy="618932"/>
+          </a:xfrm>
+        </p:grpSpPr>
+        <p:sp>
+          <p:nvSpPr>
+            <p:cNvPr id="106" name="Google Shape;106;p14"/>
+            <p:cNvSpPr/>
+            <p:nvPr/>
+          </p:nvSpPr>
+          <p:spPr>
+            <a:xfrm>
+              <a:off x="-1" y="6263952"/>
+              <a:ext cx="12192000" cy="594048"/>
+            </a:xfrm>
+            <a:prstGeom prst="rect">
+              <a:avLst/>
+            </a:prstGeom>
+            <a:solidFill>
+              <a:srgbClr val="19243B"/>
+            </a:solidFill>
+            <a:ln w="12700" cap="flat" cmpd="sng">
+              <a:solidFill>
+                <a:srgbClr val="19243B"/>
+              </a:solidFill>
+              <a:prstDash val="solid"/>
+              <a:miter lim="800000"/>
+              <a:headEnd type="none" w="sm" len="sm"/>
+              <a:tailEnd type="none" w="sm" len="sm"/>
+            </a:ln>
+          </p:spPr>
+          <p:txBody>
+            <a:bodyPr spcFirstLastPara="1" wrap="square" lIns="91425" tIns="45700" rIns="91425" bIns="45700" anchor="ctr" anchorCtr="0">
+              <a:noAutofit/>
+            </a:bodyPr>
+            <a:lstStyle/>
+            <a:p>
+              <a:pPr marL="0" marR="0" lvl="0" indent="0" algn="ctr" rtl="0">
+                <a:lnSpc>
+                  <a:spcPct val="100000"/>
+                </a:lnSpc>
+                <a:spcBef>
+                  <a:spcPts val="0"/>
+                </a:spcBef>
+                <a:spcAft>
+                  <a:spcPts val="0"/>
+                </a:spcAft>
+                <a:buClr>
+                  <a:srgbClr val="000000"/>
+                </a:buClr>
+                <a:buSzPts val="1800"/>
+                <a:buFont typeface="Arial"/>
+                <a:buNone/>
+              </a:pPr>
+              <a:endParaRPr sz="1800" b="0" i="0" u="none" strike="noStrike" cap="none">
+                <a:solidFill>
+                  <a:schemeClr val="lt1"/>
+                </a:solidFill>
+                <a:latin typeface="Calibri"/>
+                <a:ea typeface="Calibri"/>
+                <a:cs typeface="Calibri"/>
+                <a:sym typeface="Calibri"/>
+              </a:endParaRPr>
+            </a:p>
+          </p:txBody>
+        </p:sp>
+        <p:cxnSp>
+          <p:nvCxnSpPr>
+            <p:cNvPr id="107" name="Google Shape;107;p14"/>
+            <p:cNvCxnSpPr/>
+            <p:nvPr/>
+          </p:nvCxnSpPr>
+          <p:spPr>
+            <a:xfrm>
+              <a:off x="0" y="6239068"/>
+              <a:ext cx="12219992" cy="0"/>
+            </a:xfrm>
+            <a:prstGeom prst="straightConnector1">
+              <a:avLst/>
+            </a:prstGeom>
+            <a:noFill/>
+            <a:ln w="28575" cap="flat" cmpd="sng">
+              <a:solidFill>
+                <a:srgbClr val="5EE1E6"/>
+              </a:solidFill>
+              <a:prstDash val="solid"/>
+              <a:miter lim="800000"/>
+              <a:headEnd type="none" w="sm" len="sm"/>
+              <a:tailEnd type="none" w="sm" len="sm"/>
+            </a:ln>
+          </p:spPr>
+        </p:cxnSp>
+      </p:grpSp>
+      <p:sp>
+        <p:nvSpPr>
+          <p:cNvPr id="110" name="Google Shape;110;p14"/>
+          <p:cNvSpPr txBox="1">
+            <a:spLocks noGrp="1"/>
+          </p:cNvSpPr>
+          <p:nvPr>
+            <p:ph type="sldNum" idx="12"/>
+          </p:nvPr>
+        </p:nvSpPr>
+        <p:spPr>
+          <a:xfrm>
+            <a:off x="9255967" y="6361015"/>
+            <a:ext cx="2743200" cy="365125"/>
+          </a:xfrm>
+          <a:prstGeom prst="rect">
+            <a:avLst/>
+          </a:prstGeom>
+          <a:noFill/>
+          <a:ln>
+            <a:noFill/>
+          </a:ln>
+        </p:spPr>
+        <p:txBody>
+          <a:bodyPr spcFirstLastPara="1" wrap="square" lIns="91425" tIns="45700" rIns="91425" bIns="45700" anchor="ctr" anchorCtr="0">
+            <a:noAutofit/>
+          </a:bodyPr>
+          <a:lstStyle/>
+          <a:p>
+            <a:pPr marL="0" lvl="0" indent="0" algn="r" rtl="0">
+              <a:lnSpc>
+                <a:spcPct val="100000"/>
+              </a:lnSpc>
+              <a:spcBef>
+                <a:spcPts val="0"/>
+              </a:spcBef>
+              <a:spcAft>
+                <a:spcPts val="0"/>
+              </a:spcAft>
+              <a:buSzPts val="1200"/>
+              <a:buNone/>
+            </a:pPr>
+            <a:fld id="{00000000-1234-1234-1234-123412341234}" type="slidenum">
+              <a:rPr lang="en-US">
+                <a:solidFill>
+                  <a:schemeClr val="lt1"/>
+                </a:solidFill>
+              </a:rPr>
+              <a:t>6</a:t>
+            </a:fld>
+            <a:endParaRPr>
+              <a:solidFill>
+                <a:schemeClr val="lt1"/>
+              </a:solidFill>
+            </a:endParaRPr>
+          </a:p>
+        </p:txBody>
+      </p:sp>
+      <p:pic>
+        <p:nvPicPr>
+          <p:cNvPr id="2" name="Picture 1">
+            <a:extLst>
+              <a:ext uri="{FF2B5EF4-FFF2-40B4-BE49-F238E27FC236}">
+                <a16:creationId xmlns:a16="http://schemas.microsoft.com/office/drawing/2014/main" id="{6922405F-BF71-BF9E-93AC-9A36A87455CB}"/>
+              </a:ext>
+            </a:extLst>
+          </p:cNvPr>
+          <p:cNvPicPr>
+            <a:picLocks noChangeAspect="1"/>
+          </p:cNvPicPr>
+          <p:nvPr/>
+        </p:nvPicPr>
+        <p:blipFill>
+          <a:blip r:embed="rId3"/>
+          <a:stretch>
+            <a:fillRect/>
+          </a:stretch>
+        </p:blipFill>
+        <p:spPr>
+          <a:xfrm>
+            <a:off x="-441435" y="5502848"/>
+            <a:ext cx="2823575" cy="2129782"/>
+          </a:xfrm>
+          <a:prstGeom prst="rect">
+            <a:avLst/>
+          </a:prstGeom>
+        </p:spPr>
+      </p:pic>
+      <p:sp>
+        <p:nvSpPr>
+          <p:cNvPr id="4" name="TextBox 3">
+            <a:extLst>
+              <a:ext uri="{FF2B5EF4-FFF2-40B4-BE49-F238E27FC236}">
+                <a16:creationId xmlns:a16="http://schemas.microsoft.com/office/drawing/2014/main" id="{2D4DC7E7-09F4-F017-EF33-815A537BF863}"/>
+              </a:ext>
+            </a:extLst>
+          </p:cNvPr>
+          <p:cNvSpPr txBox="1"/>
+          <p:nvPr/>
+        </p:nvSpPr>
+        <p:spPr>
+          <a:xfrm>
+            <a:off x="249382" y="1122218"/>
+            <a:ext cx="530915" cy="523220"/>
+          </a:xfrm>
+          <a:prstGeom prst="rect">
+            <a:avLst/>
+          </a:prstGeom>
+          <a:noFill/>
+        </p:spPr>
+        <p:txBody>
+          <a:bodyPr wrap="none" rtlCol="0">
+            <a:spAutoFit/>
+          </a:bodyPr>
+          <a:lstStyle/>
+          <a:p>
+            <a:endParaRPr lang="en-US" dirty="0"/>
+          </a:p>
+          <a:p>
+            <a:pPr marL="342900" indent="-342900">
+              <a:buAutoNum type="arabicPeriod"/>
+            </a:pPr>
+            <a:endParaRPr lang="en-US" dirty="0"/>
+          </a:p>
+        </p:txBody>
+      </p:sp>
+      <p:sp>
+        <p:nvSpPr>
+          <p:cNvPr id="5" name="TextBox 4">
+            <a:extLst>
+              <a:ext uri="{FF2B5EF4-FFF2-40B4-BE49-F238E27FC236}">
+                <a16:creationId xmlns:a16="http://schemas.microsoft.com/office/drawing/2014/main" id="{DAAFB2E3-8F5F-9E92-837C-E55D0B397CC5}"/>
+              </a:ext>
+            </a:extLst>
+          </p:cNvPr>
+          <p:cNvSpPr txBox="1"/>
+          <p:nvPr/>
+        </p:nvSpPr>
+        <p:spPr>
+          <a:xfrm>
+            <a:off x="192834" y="1122218"/>
+            <a:ext cx="5622340" cy="6001643"/>
+          </a:xfrm>
+          <a:prstGeom prst="rect">
+            <a:avLst/>
+          </a:prstGeom>
+          <a:noFill/>
+        </p:spPr>
+        <p:txBody>
+          <a:bodyPr wrap="square" rtlCol="0">
+            <a:spAutoFit/>
+          </a:bodyPr>
+          <a:lstStyle/>
+          <a:p>
+            <a:pPr marL="285750" indent="-285750">
+              <a:buFont typeface="Arial" panose="020B0604020202020204" pitchFamily="34" charset="0"/>
+              <a:buChar char="•"/>
+            </a:pPr>
+            <a:r>
+              <a:rPr lang="en-US" sz="2000" dirty="0"/>
+              <a:t>When writing code, we typically want to be able to share and reuse as much as possible</a:t>
+            </a:r>
+          </a:p>
+          <a:p>
+            <a:pPr marL="285750" indent="-285750">
+              <a:buFont typeface="Arial" panose="020B0604020202020204" pitchFamily="34" charset="0"/>
+              <a:buChar char="•"/>
+            </a:pPr>
+            <a:endParaRPr lang="en-US" sz="2000" dirty="0"/>
+          </a:p>
+          <a:p>
+            <a:pPr marL="285750" indent="-285750">
+              <a:buFont typeface="Arial" panose="020B0604020202020204" pitchFamily="34" charset="0"/>
+              <a:buChar char="•"/>
+            </a:pPr>
+            <a:r>
+              <a:rPr lang="en-US" sz="2000" dirty="0"/>
+              <a:t>Objects allow us to group code together, representing something</a:t>
+            </a:r>
+          </a:p>
+          <a:p>
+            <a:pPr marL="285750" indent="-285750">
+              <a:buFont typeface="Arial" panose="020B0604020202020204" pitchFamily="34" charset="0"/>
+              <a:buChar char="•"/>
+            </a:pPr>
+            <a:endParaRPr lang="en-US" sz="2000" dirty="0"/>
+          </a:p>
+          <a:p>
+            <a:pPr marL="285750" indent="-285750">
+              <a:buFont typeface="Arial" panose="020B0604020202020204" pitchFamily="34" charset="0"/>
+              <a:buChar char="•"/>
+            </a:pPr>
+            <a:r>
+              <a:rPr lang="en-US" sz="2000" dirty="0"/>
+              <a:t>Classes allow different objects to share and inherit code, while maintaining individuality</a:t>
+            </a:r>
+          </a:p>
+          <a:p>
+            <a:pPr marL="285750" indent="-285750">
+              <a:buFont typeface="Arial" panose="020B0604020202020204" pitchFamily="34" charset="0"/>
+              <a:buChar char="•"/>
+            </a:pPr>
+            <a:endParaRPr lang="en-US" sz="2000" dirty="0"/>
+          </a:p>
+          <a:p>
+            <a:pPr marL="285750" indent="-285750">
+              <a:buFont typeface="Arial" panose="020B0604020202020204" pitchFamily="34" charset="0"/>
+              <a:buChar char="•"/>
+            </a:pPr>
+            <a:r>
+              <a:rPr lang="en-US" sz="2000" dirty="0"/>
+              <a:t>Classes are used in Object Oriented Programming</a:t>
+            </a:r>
+          </a:p>
+          <a:p>
+            <a:pPr marL="285750" indent="-285750">
+              <a:buFont typeface="Arial" panose="020B0604020202020204" pitchFamily="34" charset="0"/>
+              <a:buChar char="•"/>
+            </a:pPr>
+            <a:endParaRPr lang="en-US" sz="2000" dirty="0"/>
+          </a:p>
+          <a:p>
+            <a:pPr marL="285750" indent="-285750">
+              <a:buFont typeface="Arial" panose="020B0604020202020204" pitchFamily="34" charset="0"/>
+              <a:buChar char="•"/>
+            </a:pPr>
+            <a:r>
+              <a:rPr lang="en-US" sz="2000" dirty="0"/>
+              <a:t>Let’s think of Minecraft (Actually uses OOP)</a:t>
+            </a:r>
+          </a:p>
+          <a:p>
+            <a:endParaRPr lang="en-US" sz="2000" dirty="0"/>
+          </a:p>
+          <a:p>
+            <a:pPr marL="285750" indent="-285750">
+              <a:buFont typeface="Arial" panose="020B0604020202020204" pitchFamily="34" charset="0"/>
+              <a:buChar char="•"/>
+            </a:pPr>
+            <a:endParaRPr lang="en-US" sz="2000" dirty="0"/>
+          </a:p>
+          <a:p>
+            <a:endParaRPr lang="en-US" sz="2000" dirty="0"/>
+          </a:p>
+          <a:p>
+            <a:endParaRPr lang="en-US" sz="2000" dirty="0"/>
+          </a:p>
+          <a:p>
+            <a:endParaRPr lang="en-US" sz="2000" dirty="0"/>
+          </a:p>
+          <a:p>
+            <a:pPr marL="285750" indent="-285750">
+              <a:buFont typeface="Arial" panose="020B0604020202020204" pitchFamily="34" charset="0"/>
+              <a:buChar char="•"/>
+            </a:pPr>
+            <a:endParaRPr lang="en-US" sz="2400" dirty="0"/>
+          </a:p>
+        </p:txBody>
+      </p:sp>
+      <p:pic>
+        <p:nvPicPr>
+          <p:cNvPr id="6" name="Picture 5" descr="A group of cartoon characters&#10;&#10;Description automatically generated">
+            <a:extLst>
+              <a:ext uri="{FF2B5EF4-FFF2-40B4-BE49-F238E27FC236}">
+                <a16:creationId xmlns:a16="http://schemas.microsoft.com/office/drawing/2014/main" id="{4DBFCD0C-A121-7E92-29ED-5B3B27FC640A}"/>
+              </a:ext>
+            </a:extLst>
+          </p:cNvPr>
+          <p:cNvPicPr>
+            <a:picLocks noChangeAspect="1"/>
+          </p:cNvPicPr>
+          <p:nvPr/>
+        </p:nvPicPr>
+        <p:blipFill>
+          <a:blip r:embed="rId4"/>
+          <a:stretch>
+            <a:fillRect/>
+          </a:stretch>
+        </p:blipFill>
+        <p:spPr>
+          <a:xfrm>
+            <a:off x="6660975" y="1020596"/>
+            <a:ext cx="3343275" cy="1371600"/>
+          </a:xfrm>
+          <a:prstGeom prst="rect">
+            <a:avLst/>
+          </a:prstGeom>
+        </p:spPr>
+      </p:pic>
+      <p:pic>
+        <p:nvPicPr>
+          <p:cNvPr id="8" name="Picture 7" descr="A cartoon of a skeleton holding a sword&#10;&#10;Description automatically generated">
+            <a:extLst>
+              <a:ext uri="{FF2B5EF4-FFF2-40B4-BE49-F238E27FC236}">
+                <a16:creationId xmlns:a16="http://schemas.microsoft.com/office/drawing/2014/main" id="{CB81EA24-1D62-718D-A676-CEC65D17304A}"/>
+              </a:ext>
+            </a:extLst>
+          </p:cNvPr>
+          <p:cNvPicPr>
+            <a:picLocks noChangeAspect="1"/>
+          </p:cNvPicPr>
+          <p:nvPr/>
+        </p:nvPicPr>
+        <p:blipFill>
+          <a:blip r:embed="rId5"/>
+          <a:stretch>
+            <a:fillRect/>
+          </a:stretch>
+        </p:blipFill>
+        <p:spPr>
+          <a:xfrm>
+            <a:off x="9626885" y="2971887"/>
+            <a:ext cx="1050409" cy="1721504"/>
+          </a:xfrm>
+          <a:prstGeom prst="rect">
+            <a:avLst/>
+          </a:prstGeom>
+        </p:spPr>
+      </p:pic>
+      <p:cxnSp>
+        <p:nvCxnSpPr>
+          <p:cNvPr id="10" name="Straight Arrow Connector 9">
+            <a:extLst>
+              <a:ext uri="{FF2B5EF4-FFF2-40B4-BE49-F238E27FC236}">
+                <a16:creationId xmlns:a16="http://schemas.microsoft.com/office/drawing/2014/main" id="{9B4493B9-093D-A773-7EBD-57472406BDE5}"/>
+              </a:ext>
+            </a:extLst>
+          </p:cNvPr>
+          <p:cNvCxnSpPr/>
+          <p:nvPr/>
+        </p:nvCxnSpPr>
+        <p:spPr>
+          <a:xfrm>
+            <a:off x="7782674" y="2672710"/>
+            <a:ext cx="1473293" cy="882148"/>
+          </a:xfrm>
+          <a:prstGeom prst="straightConnector1">
+            <a:avLst/>
+          </a:prstGeom>
+          <a:ln>
+            <a:tailEnd type="triangle"/>
+          </a:ln>
+        </p:spPr>
+        <p:style>
+          <a:lnRef idx="1">
+            <a:schemeClr val="dk1"/>
+          </a:lnRef>
+          <a:fillRef idx="0">
+            <a:schemeClr val="dk1"/>
+          </a:fillRef>
+          <a:effectRef idx="0">
+            <a:schemeClr val="dk1"/>
+          </a:effectRef>
+          <a:fontRef idx="minor">
+            <a:schemeClr val="tx1"/>
+          </a:fontRef>
+        </p:style>
+      </p:cxnSp>
+      <p:sp>
+        <p:nvSpPr>
+          <p:cNvPr id="11" name="TextBox 10">
+            <a:extLst>
+              <a:ext uri="{FF2B5EF4-FFF2-40B4-BE49-F238E27FC236}">
+                <a16:creationId xmlns:a16="http://schemas.microsoft.com/office/drawing/2014/main" id="{0E5C9891-2C08-EE8D-6135-52C53664C874}"/>
+              </a:ext>
+            </a:extLst>
+          </p:cNvPr>
+          <p:cNvSpPr txBox="1"/>
+          <p:nvPr/>
+        </p:nvSpPr>
+        <p:spPr>
+          <a:xfrm>
+            <a:off x="10387173" y="1469204"/>
+            <a:ext cx="1132041" cy="307777"/>
+          </a:xfrm>
+          <a:prstGeom prst="rect">
+            <a:avLst/>
+          </a:prstGeom>
+          <a:noFill/>
+        </p:spPr>
+        <p:txBody>
+          <a:bodyPr wrap="none" rtlCol="0">
+            <a:spAutoFit/>
+          </a:bodyPr>
+          <a:lstStyle/>
+          <a:p>
+            <a:r>
+              <a:rPr lang="en-US" dirty="0"/>
+              <a:t>Entity Class</a:t>
+            </a:r>
+          </a:p>
+        </p:txBody>
+      </p:sp>
+      <p:sp>
+        <p:nvSpPr>
+          <p:cNvPr id="12" name="TextBox 11">
+            <a:extLst>
+              <a:ext uri="{FF2B5EF4-FFF2-40B4-BE49-F238E27FC236}">
+                <a16:creationId xmlns:a16="http://schemas.microsoft.com/office/drawing/2014/main" id="{623640F7-63D3-F3BD-8F03-CEFC286AB4C8}"/>
+              </a:ext>
+            </a:extLst>
+          </p:cNvPr>
+          <p:cNvSpPr txBox="1"/>
+          <p:nvPr/>
+        </p:nvSpPr>
+        <p:spPr>
+          <a:xfrm>
+            <a:off x="10703926" y="3554858"/>
+            <a:ext cx="1380506" cy="523220"/>
+          </a:xfrm>
+          <a:prstGeom prst="rect">
+            <a:avLst/>
+          </a:prstGeom>
+          <a:noFill/>
+        </p:spPr>
+        <p:txBody>
+          <a:bodyPr wrap="none" rtlCol="0">
+            <a:spAutoFit/>
+          </a:bodyPr>
+          <a:lstStyle/>
+          <a:p>
+            <a:r>
+              <a:rPr lang="en-US" dirty="0"/>
+              <a:t>Skeleton Class</a:t>
+            </a:r>
+          </a:p>
+          <a:p>
+            <a:r>
+              <a:rPr lang="en-US" dirty="0"/>
+              <a:t>Extends Entity</a:t>
+            </a:r>
+          </a:p>
+        </p:txBody>
+      </p:sp>
+      <p:pic>
+        <p:nvPicPr>
+          <p:cNvPr id="16" name="Picture 15" descr="A cartoon of a grey monster&#10;&#10;Description automatically generated">
+            <a:extLst>
+              <a:ext uri="{FF2B5EF4-FFF2-40B4-BE49-F238E27FC236}">
+                <a16:creationId xmlns:a16="http://schemas.microsoft.com/office/drawing/2014/main" id="{79BB2AFD-EB90-79EA-29FF-F7838869D6FE}"/>
+              </a:ext>
+            </a:extLst>
+          </p:cNvPr>
+          <p:cNvPicPr>
+            <a:picLocks noChangeAspect="1"/>
+          </p:cNvPicPr>
+          <p:nvPr/>
+        </p:nvPicPr>
+        <p:blipFill>
+          <a:blip r:embed="rId6"/>
+          <a:stretch>
+            <a:fillRect/>
+          </a:stretch>
+        </p:blipFill>
+        <p:spPr>
+          <a:xfrm>
+            <a:off x="6950469" y="4178433"/>
+            <a:ext cx="1229730" cy="1904160"/>
+          </a:xfrm>
+          <a:prstGeom prst="rect">
+            <a:avLst/>
+          </a:prstGeom>
+        </p:spPr>
+      </p:pic>
+      <p:cxnSp>
+        <p:nvCxnSpPr>
+          <p:cNvPr id="17" name="Straight Arrow Connector 16">
+            <a:extLst>
+              <a:ext uri="{FF2B5EF4-FFF2-40B4-BE49-F238E27FC236}">
+                <a16:creationId xmlns:a16="http://schemas.microsoft.com/office/drawing/2014/main" id="{2D66B240-8DBA-E6AC-1213-4E94DD768ABB}"/>
+              </a:ext>
+            </a:extLst>
+          </p:cNvPr>
+          <p:cNvCxnSpPr>
+            <a:cxnSpLocks/>
+          </p:cNvCxnSpPr>
+          <p:nvPr/>
+        </p:nvCxnSpPr>
+        <p:spPr>
+          <a:xfrm flipH="1">
+            <a:off x="8393259" y="3915920"/>
+            <a:ext cx="1020566" cy="899808"/>
+          </a:xfrm>
+          <a:prstGeom prst="straightConnector1">
+            <a:avLst/>
+          </a:prstGeom>
+          <a:ln>
+            <a:tailEnd type="triangle"/>
+          </a:ln>
+        </p:spPr>
+        <p:style>
+          <a:lnRef idx="1">
+            <a:schemeClr val="dk1"/>
+          </a:lnRef>
+          <a:fillRef idx="0">
+            <a:schemeClr val="dk1"/>
+          </a:fillRef>
+          <a:effectRef idx="0">
+            <a:schemeClr val="dk1"/>
+          </a:effectRef>
+          <a:fontRef idx="minor">
+            <a:schemeClr val="tx1"/>
+          </a:fontRef>
+        </p:style>
+      </p:cxnSp>
+      <p:sp>
+        <p:nvSpPr>
+          <p:cNvPr id="19" name="TextBox 18">
+            <a:extLst>
+              <a:ext uri="{FF2B5EF4-FFF2-40B4-BE49-F238E27FC236}">
+                <a16:creationId xmlns:a16="http://schemas.microsoft.com/office/drawing/2014/main" id="{8D53C686-54F9-18CE-E809-9222D06CF43C}"/>
+              </a:ext>
+            </a:extLst>
+          </p:cNvPr>
+          <p:cNvSpPr txBox="1"/>
+          <p:nvPr/>
+        </p:nvSpPr>
+        <p:spPr>
+          <a:xfrm>
+            <a:off x="8328093" y="5376891"/>
+            <a:ext cx="1330814" cy="523220"/>
+          </a:xfrm>
+          <a:prstGeom prst="rect">
+            <a:avLst/>
+          </a:prstGeom>
+          <a:noFill/>
+        </p:spPr>
+        <p:txBody>
+          <a:bodyPr wrap="none" rtlCol="0">
+            <a:spAutoFit/>
+          </a:bodyPr>
+          <a:lstStyle/>
+          <a:p>
+            <a:r>
+              <a:rPr lang="en-US" dirty="0"/>
+              <a:t>Stray Class</a:t>
+            </a:r>
+          </a:p>
+          <a:p>
+            <a:r>
+              <a:rPr lang="en-US" dirty="0"/>
+              <a:t>Extends Entity</a:t>
+            </a:r>
+          </a:p>
+        </p:txBody>
+      </p:sp>
+      <p:sp>
+        <p:nvSpPr>
+          <p:cNvPr id="20" name="TextBox 19">
+            <a:extLst>
+              <a:ext uri="{FF2B5EF4-FFF2-40B4-BE49-F238E27FC236}">
+                <a16:creationId xmlns:a16="http://schemas.microsoft.com/office/drawing/2014/main" id="{2BCF707B-59B1-9CA7-FF53-3B2FA57A9BEC}"/>
+              </a:ext>
+            </a:extLst>
+          </p:cNvPr>
+          <p:cNvSpPr txBox="1"/>
+          <p:nvPr/>
+        </p:nvSpPr>
+        <p:spPr>
+          <a:xfrm>
+            <a:off x="5073565" y="5377902"/>
+            <a:ext cx="2066591" cy="738664"/>
+          </a:xfrm>
+          <a:prstGeom prst="rect">
+            <a:avLst/>
+          </a:prstGeom>
+          <a:noFill/>
+        </p:spPr>
+        <p:txBody>
+          <a:bodyPr wrap="none" rtlCol="0">
+            <a:spAutoFit/>
+          </a:bodyPr>
+          <a:lstStyle/>
+          <a:p>
+            <a:r>
+              <a:rPr lang="en-US" dirty="0"/>
+              <a:t>Each Stray that spawns</a:t>
+            </a:r>
+          </a:p>
+          <a:p>
+            <a:r>
+              <a:rPr lang="en-US" dirty="0"/>
+              <a:t>Is an individual Stray </a:t>
+            </a:r>
+            <a:br>
+              <a:rPr lang="en-US" dirty="0"/>
+            </a:br>
+            <a:r>
+              <a:rPr lang="en-US" dirty="0"/>
+              <a:t>Object</a:t>
+            </a:r>
+          </a:p>
+        </p:txBody>
+      </p:sp>
+    </p:spTree>
+    <p:extLst>
+      <p:ext uri="{BB962C8B-B14F-4D97-AF65-F5344CB8AC3E}">
+        <p14:creationId xmlns:p14="http://schemas.microsoft.com/office/powerpoint/2010/main" val="4195140978"/>
+      </p:ext>
+    </p:extLst>
+  </p:cSld>
+  <p:clrMapOvr>
+    <a:masterClrMapping/>
+  </p:clrMapOvr>
+</p:sld>
+</file>
+
+<file path=ppt/slides/slide7.xml><?xml version="1.0" encoding="utf-8"?>
+<p:sld xmlns:a="http://schemas.openxmlformats.org/drawingml/2006/main" xmlns:r="http://schemas.openxmlformats.org/officeDocument/2006/relationships" xmlns:p="http://schemas.openxmlformats.org/presentationml/2006/main">
+  <p:cSld>
+    <p:spTree>
+      <p:nvGrpSpPr>
+        <p:cNvPr id="1" name="Shape 100"/>
+        <p:cNvGrpSpPr/>
+        <p:nvPr/>
+      </p:nvGrpSpPr>
+      <p:grpSpPr>
+        <a:xfrm>
+          <a:off x="0" y="0"/>
+          <a:ext cx="0" cy="0"/>
+          <a:chOff x="0" y="0"/>
+          <a:chExt cx="0" cy="0"/>
+        </a:xfrm>
+      </p:grpSpPr>
+      <p:grpSp>
+        <p:nvGrpSpPr>
+          <p:cNvPr id="101" name="Google Shape;101;p14"/>
+          <p:cNvGrpSpPr/>
+          <p:nvPr/>
+        </p:nvGrpSpPr>
+        <p:grpSpPr>
+          <a:xfrm>
+            <a:off x="-46652" y="0"/>
+            <a:ext cx="12288417" cy="839755"/>
+            <a:chOff x="-46652" y="0"/>
+            <a:chExt cx="12288417" cy="839755"/>
+          </a:xfrm>
+        </p:grpSpPr>
+        <p:sp>
+          <p:nvSpPr>
+            <p:cNvPr id="102" name="Google Shape;102;p14"/>
+            <p:cNvSpPr/>
+            <p:nvPr/>
+          </p:nvSpPr>
+          <p:spPr>
+            <a:xfrm>
+              <a:off x="0" y="0"/>
+              <a:ext cx="12192000" cy="830425"/>
+            </a:xfrm>
+            <a:prstGeom prst="rect">
+              <a:avLst/>
+            </a:prstGeom>
+            <a:solidFill>
+              <a:srgbClr val="19243B"/>
+            </a:solidFill>
+            <a:ln w="12700" cap="flat" cmpd="sng">
+              <a:solidFill>
+                <a:srgbClr val="19243B"/>
+              </a:solidFill>
+              <a:prstDash val="solid"/>
+              <a:miter lim="800000"/>
+              <a:headEnd type="none" w="sm" len="sm"/>
+              <a:tailEnd type="none" w="sm" len="sm"/>
+            </a:ln>
+          </p:spPr>
+          <p:txBody>
+            <a:bodyPr spcFirstLastPara="1" wrap="square" lIns="91425" tIns="45700" rIns="91425" bIns="45700" anchor="ctr" anchorCtr="0">
+              <a:noAutofit/>
+            </a:bodyPr>
+            <a:lstStyle/>
+            <a:p>
+              <a:pPr marL="0" marR="0" lvl="0" indent="0" algn="ctr" rtl="0">
+                <a:lnSpc>
+                  <a:spcPct val="100000"/>
+                </a:lnSpc>
+                <a:spcBef>
+                  <a:spcPts val="0"/>
+                </a:spcBef>
+                <a:spcAft>
+                  <a:spcPts val="0"/>
+                </a:spcAft>
+                <a:buClr>
+                  <a:srgbClr val="000000"/>
+                </a:buClr>
+                <a:buSzPts val="1800"/>
+                <a:buFont typeface="Arial"/>
+                <a:buNone/>
+              </a:pPr>
+              <a:endParaRPr sz="1800" b="0" i="0" u="none" strike="noStrike" cap="none" dirty="0">
+                <a:solidFill>
+                  <a:schemeClr val="lt1"/>
+                </a:solidFill>
+                <a:latin typeface="Calibri"/>
+                <a:ea typeface="Calibri"/>
+                <a:cs typeface="Calibri"/>
+                <a:sym typeface="Calibri"/>
+              </a:endParaRPr>
+            </a:p>
+          </p:txBody>
+        </p:sp>
+        <p:cxnSp>
+          <p:nvCxnSpPr>
+            <p:cNvPr id="103" name="Google Shape;103;p14"/>
+            <p:cNvCxnSpPr/>
+            <p:nvPr/>
+          </p:nvCxnSpPr>
+          <p:spPr>
+            <a:xfrm>
+              <a:off x="-46652" y="839755"/>
+              <a:ext cx="12288417" cy="0"/>
+            </a:xfrm>
+            <a:prstGeom prst="straightConnector1">
+              <a:avLst/>
+            </a:prstGeom>
+            <a:noFill/>
+            <a:ln w="28575" cap="flat" cmpd="sng">
+              <a:solidFill>
+                <a:srgbClr val="5EE1E6"/>
+              </a:solidFill>
+              <a:prstDash val="solid"/>
+              <a:miter lim="800000"/>
+              <a:headEnd type="none" w="sm" len="sm"/>
+              <a:tailEnd type="none" w="sm" len="sm"/>
+            </a:ln>
+          </p:spPr>
+        </p:cxnSp>
+      </p:grpSp>
+      <p:sp>
+        <p:nvSpPr>
+          <p:cNvPr id="104" name="Google Shape;104;p14"/>
+          <p:cNvSpPr txBox="1">
+            <a:spLocks noGrp="1"/>
+          </p:cNvSpPr>
+          <p:nvPr>
+            <p:ph type="title"/>
+          </p:nvPr>
+        </p:nvSpPr>
+        <p:spPr>
+          <a:xfrm>
+            <a:off x="102637" y="103870"/>
+            <a:ext cx="11420670" cy="642580"/>
+          </a:xfrm>
+          <a:prstGeom prst="rect">
+            <a:avLst/>
+          </a:prstGeom>
+          <a:noFill/>
+          <a:ln>
+            <a:noFill/>
+          </a:ln>
+        </p:spPr>
+        <p:txBody>
+          <a:bodyPr spcFirstLastPara="1" wrap="square" lIns="91425" tIns="45700" rIns="91425" bIns="45700" anchor="ctr" anchorCtr="0">
+            <a:normAutofit fontScale="90000"/>
+          </a:bodyPr>
+          <a:lstStyle/>
+          <a:p>
+            <a:r>
+              <a:rPr lang="en-US" dirty="0">
+                <a:solidFill>
+                  <a:schemeClr val="bg1"/>
+                </a:solidFill>
+              </a:rPr>
+              <a:t>Classes</a:t>
+            </a:r>
+          </a:p>
+        </p:txBody>
+      </p:sp>
+      <p:grpSp>
+        <p:nvGrpSpPr>
+          <p:cNvPr id="105" name="Google Shape;105;p14"/>
+          <p:cNvGrpSpPr/>
+          <p:nvPr/>
+        </p:nvGrpSpPr>
+        <p:grpSpPr>
+          <a:xfrm>
+            <a:off x="0" y="6245831"/>
+            <a:ext cx="12241765" cy="618932"/>
+            <a:chOff x="-1" y="6239068"/>
+            <a:chExt cx="12219993" cy="618932"/>
+          </a:xfrm>
+        </p:grpSpPr>
+        <p:sp>
+          <p:nvSpPr>
+            <p:cNvPr id="106" name="Google Shape;106;p14"/>
+            <p:cNvSpPr/>
+            <p:nvPr/>
+          </p:nvSpPr>
+          <p:spPr>
+            <a:xfrm>
+              <a:off x="-1" y="6263952"/>
+              <a:ext cx="12192000" cy="594048"/>
+            </a:xfrm>
+            <a:prstGeom prst="rect">
+              <a:avLst/>
+            </a:prstGeom>
+            <a:solidFill>
+              <a:srgbClr val="19243B"/>
+            </a:solidFill>
+            <a:ln w="12700" cap="flat" cmpd="sng">
+              <a:solidFill>
+                <a:srgbClr val="19243B"/>
+              </a:solidFill>
+              <a:prstDash val="solid"/>
+              <a:miter lim="800000"/>
+              <a:headEnd type="none" w="sm" len="sm"/>
+              <a:tailEnd type="none" w="sm" len="sm"/>
+            </a:ln>
+          </p:spPr>
+          <p:txBody>
+            <a:bodyPr spcFirstLastPara="1" wrap="square" lIns="91425" tIns="45700" rIns="91425" bIns="45700" anchor="ctr" anchorCtr="0">
+              <a:noAutofit/>
+            </a:bodyPr>
+            <a:lstStyle/>
+            <a:p>
+              <a:pPr marL="0" marR="0" lvl="0" indent="0" algn="ctr" rtl="0">
+                <a:lnSpc>
+                  <a:spcPct val="100000"/>
+                </a:lnSpc>
+                <a:spcBef>
+                  <a:spcPts val="0"/>
+                </a:spcBef>
+                <a:spcAft>
+                  <a:spcPts val="0"/>
+                </a:spcAft>
+                <a:buClr>
+                  <a:srgbClr val="000000"/>
+                </a:buClr>
+                <a:buSzPts val="1800"/>
+                <a:buFont typeface="Arial"/>
+                <a:buNone/>
+              </a:pPr>
+              <a:endParaRPr sz="1800" b="0" i="0" u="none" strike="noStrike" cap="none">
+                <a:solidFill>
+                  <a:schemeClr val="lt1"/>
+                </a:solidFill>
+                <a:latin typeface="Calibri"/>
+                <a:ea typeface="Calibri"/>
+                <a:cs typeface="Calibri"/>
+                <a:sym typeface="Calibri"/>
+              </a:endParaRPr>
+            </a:p>
+          </p:txBody>
+        </p:sp>
+        <p:cxnSp>
+          <p:nvCxnSpPr>
+            <p:cNvPr id="107" name="Google Shape;107;p14"/>
+            <p:cNvCxnSpPr/>
+            <p:nvPr/>
+          </p:nvCxnSpPr>
+          <p:spPr>
+            <a:xfrm>
+              <a:off x="0" y="6239068"/>
+              <a:ext cx="12219992" cy="0"/>
+            </a:xfrm>
+            <a:prstGeom prst="straightConnector1">
+              <a:avLst/>
+            </a:prstGeom>
+            <a:noFill/>
+            <a:ln w="28575" cap="flat" cmpd="sng">
+              <a:solidFill>
+                <a:srgbClr val="5EE1E6"/>
+              </a:solidFill>
+              <a:prstDash val="solid"/>
+              <a:miter lim="800000"/>
+              <a:headEnd type="none" w="sm" len="sm"/>
+              <a:tailEnd type="none" w="sm" len="sm"/>
+            </a:ln>
+          </p:spPr>
+        </p:cxnSp>
+      </p:grpSp>
+      <p:sp>
+        <p:nvSpPr>
+          <p:cNvPr id="110" name="Google Shape;110;p14"/>
+          <p:cNvSpPr txBox="1">
+            <a:spLocks noGrp="1"/>
+          </p:cNvSpPr>
+          <p:nvPr>
+            <p:ph type="sldNum" idx="12"/>
+          </p:nvPr>
+        </p:nvSpPr>
+        <p:spPr>
+          <a:xfrm>
+            <a:off x="9255967" y="6361015"/>
+            <a:ext cx="2743200" cy="365125"/>
+          </a:xfrm>
+          <a:prstGeom prst="rect">
+            <a:avLst/>
+          </a:prstGeom>
+          <a:noFill/>
+          <a:ln>
+            <a:noFill/>
+          </a:ln>
+        </p:spPr>
+        <p:txBody>
+          <a:bodyPr spcFirstLastPara="1" wrap="square" lIns="91425" tIns="45700" rIns="91425" bIns="45700" anchor="ctr" anchorCtr="0">
+            <a:noAutofit/>
+          </a:bodyPr>
+          <a:lstStyle/>
+          <a:p>
+            <a:pPr marL="0" lvl="0" indent="0" algn="r" rtl="0">
+              <a:lnSpc>
+                <a:spcPct val="100000"/>
+              </a:lnSpc>
+              <a:spcBef>
+                <a:spcPts val="0"/>
+              </a:spcBef>
+              <a:spcAft>
+                <a:spcPts val="0"/>
+              </a:spcAft>
+              <a:buSzPts val="1200"/>
+              <a:buNone/>
+            </a:pPr>
+            <a:fld id="{00000000-1234-1234-1234-123412341234}" type="slidenum">
+              <a:rPr lang="en-US">
+                <a:solidFill>
+                  <a:schemeClr val="lt1"/>
+                </a:solidFill>
+              </a:rPr>
+              <a:t>7</a:t>
+            </a:fld>
+            <a:endParaRPr>
+              <a:solidFill>
+                <a:schemeClr val="lt1"/>
+              </a:solidFill>
+            </a:endParaRPr>
+          </a:p>
+        </p:txBody>
+      </p:sp>
+      <p:pic>
+        <p:nvPicPr>
+          <p:cNvPr id="2" name="Picture 1">
+            <a:extLst>
+              <a:ext uri="{FF2B5EF4-FFF2-40B4-BE49-F238E27FC236}">
+                <a16:creationId xmlns:a16="http://schemas.microsoft.com/office/drawing/2014/main" id="{6922405F-BF71-BF9E-93AC-9A36A87455CB}"/>
+              </a:ext>
+            </a:extLst>
+          </p:cNvPr>
+          <p:cNvPicPr>
+            <a:picLocks noChangeAspect="1"/>
+          </p:cNvPicPr>
+          <p:nvPr/>
+        </p:nvPicPr>
+        <p:blipFill>
+          <a:blip r:embed="rId3"/>
+          <a:stretch>
+            <a:fillRect/>
+          </a:stretch>
+        </p:blipFill>
+        <p:spPr>
+          <a:xfrm>
+            <a:off x="-441435" y="5502848"/>
+            <a:ext cx="2823575" cy="2129782"/>
+          </a:xfrm>
+          <a:prstGeom prst="rect">
+            <a:avLst/>
+          </a:prstGeom>
+        </p:spPr>
+      </p:pic>
+      <p:sp>
+        <p:nvSpPr>
+          <p:cNvPr id="4" name="TextBox 3">
+            <a:extLst>
+              <a:ext uri="{FF2B5EF4-FFF2-40B4-BE49-F238E27FC236}">
+                <a16:creationId xmlns:a16="http://schemas.microsoft.com/office/drawing/2014/main" id="{2D4DC7E7-09F4-F017-EF33-815A537BF863}"/>
+              </a:ext>
+            </a:extLst>
+          </p:cNvPr>
+          <p:cNvSpPr txBox="1"/>
+          <p:nvPr/>
+        </p:nvSpPr>
+        <p:spPr>
+          <a:xfrm>
+            <a:off x="249382" y="1122218"/>
+            <a:ext cx="530915" cy="523220"/>
+          </a:xfrm>
+          <a:prstGeom prst="rect">
+            <a:avLst/>
+          </a:prstGeom>
+          <a:noFill/>
+        </p:spPr>
+        <p:txBody>
+          <a:bodyPr wrap="none" rtlCol="0">
+            <a:spAutoFit/>
+          </a:bodyPr>
+          <a:lstStyle/>
+          <a:p>
+            <a:endParaRPr lang="en-US" dirty="0"/>
+          </a:p>
+          <a:p>
+            <a:pPr marL="342900" indent="-342900">
+              <a:buAutoNum type="arabicPeriod"/>
+            </a:pPr>
+            <a:endParaRPr lang="en-US" dirty="0"/>
+          </a:p>
+        </p:txBody>
+      </p:sp>
+      <p:sp>
+        <p:nvSpPr>
+          <p:cNvPr id="5" name="TextBox 4">
+            <a:extLst>
+              <a:ext uri="{FF2B5EF4-FFF2-40B4-BE49-F238E27FC236}">
+                <a16:creationId xmlns:a16="http://schemas.microsoft.com/office/drawing/2014/main" id="{DAAFB2E3-8F5F-9E92-837C-E55D0B397CC5}"/>
+              </a:ext>
+            </a:extLst>
+          </p:cNvPr>
+          <p:cNvSpPr txBox="1"/>
+          <p:nvPr/>
+        </p:nvSpPr>
+        <p:spPr>
+          <a:xfrm>
+            <a:off x="192834" y="1122218"/>
+            <a:ext cx="5622340" cy="7540526"/>
+          </a:xfrm>
+          <a:prstGeom prst="rect">
+            <a:avLst/>
+          </a:prstGeom>
+          <a:noFill/>
+        </p:spPr>
+        <p:txBody>
+          <a:bodyPr wrap="square" rtlCol="0">
+            <a:spAutoFit/>
+          </a:bodyPr>
+          <a:lstStyle/>
+          <a:p>
+            <a:pPr marL="285750" indent="-285750">
+              <a:buFont typeface="Arial" panose="020B0604020202020204" pitchFamily="34" charset="0"/>
+              <a:buChar char="•"/>
+            </a:pPr>
+            <a:r>
+              <a:rPr lang="en-US" sz="2000" dirty="0"/>
+              <a:t>Declare Classes with Class</a:t>
+            </a:r>
+          </a:p>
+          <a:p>
+            <a:pPr marL="285750" indent="-285750">
+              <a:buFont typeface="Arial" panose="020B0604020202020204" pitchFamily="34" charset="0"/>
+              <a:buChar char="•"/>
+            </a:pPr>
+            <a:endParaRPr lang="en-US" sz="2000" dirty="0"/>
+          </a:p>
+          <a:p>
+            <a:pPr marL="285750" indent="-285750">
+              <a:buFont typeface="Arial" panose="020B0604020202020204" pitchFamily="34" charset="0"/>
+              <a:buChar char="•"/>
+            </a:pPr>
+            <a:r>
+              <a:rPr lang="en-US" sz="2000" dirty="0"/>
+              <a:t>A parent class which a child class inherits from can be in parentheses</a:t>
+            </a:r>
+          </a:p>
+          <a:p>
+            <a:pPr marL="285750" indent="-285750">
+              <a:buFont typeface="Arial" panose="020B0604020202020204" pitchFamily="34" charset="0"/>
+              <a:buChar char="•"/>
+            </a:pPr>
+            <a:endParaRPr lang="en-US" sz="2000" dirty="0"/>
+          </a:p>
+          <a:p>
+            <a:pPr marL="285750" indent="-285750">
+              <a:buFont typeface="Arial" panose="020B0604020202020204" pitchFamily="34" charset="0"/>
+              <a:buChar char="•"/>
+            </a:pPr>
+            <a:r>
+              <a:rPr lang="en-US" sz="2000" dirty="0"/>
+              <a:t>Self refers to the specific instance</a:t>
+            </a:r>
+          </a:p>
+          <a:p>
+            <a:pPr marL="285750" indent="-285750">
+              <a:buFont typeface="Arial" panose="020B0604020202020204" pitchFamily="34" charset="0"/>
+              <a:buChar char="•"/>
+            </a:pPr>
+            <a:endParaRPr lang="en-US" sz="2000" dirty="0"/>
+          </a:p>
+          <a:p>
+            <a:pPr marL="285750" indent="-285750">
+              <a:buFont typeface="Arial" panose="020B0604020202020204" pitchFamily="34" charset="0"/>
+              <a:buChar char="•"/>
+            </a:pPr>
+            <a:r>
+              <a:rPr lang="en-US" sz="2000" dirty="0"/>
+              <a:t>Declare instance variables in __</a:t>
+            </a:r>
+            <a:r>
+              <a:rPr lang="en-US" sz="2000" dirty="0" err="1"/>
+              <a:t>init</a:t>
+            </a:r>
+            <a:r>
+              <a:rPr lang="en-US" sz="2000" dirty="0"/>
+              <a:t>__</a:t>
+            </a:r>
+          </a:p>
+          <a:p>
+            <a:r>
+              <a:rPr lang="en-US" sz="2000" dirty="0"/>
+              <a:t>    method with </a:t>
+            </a:r>
+            <a:r>
+              <a:rPr lang="en-US" sz="2000" dirty="0" err="1"/>
+              <a:t>self.instance_var</a:t>
+            </a:r>
+            <a:endParaRPr lang="en-US" sz="2000" dirty="0"/>
+          </a:p>
+          <a:p>
+            <a:endParaRPr lang="en-US" sz="2000" dirty="0"/>
+          </a:p>
+          <a:p>
+            <a:pPr marL="285750" indent="-285750">
+              <a:buFont typeface="Arial" panose="020B0604020202020204" pitchFamily="34" charset="0"/>
+              <a:buChar char="•"/>
+            </a:pPr>
+            <a:r>
+              <a:rPr lang="en-US" sz="2000" dirty="0"/>
+              <a:t>Class variables declared outside and accessed with </a:t>
+            </a:r>
+            <a:r>
+              <a:rPr lang="en-US" sz="2000" dirty="0" err="1"/>
+              <a:t>ClassName.class_var</a:t>
+            </a:r>
+            <a:endParaRPr lang="en-US" sz="2000" dirty="0"/>
+          </a:p>
+          <a:p>
+            <a:pPr marL="285750" indent="-285750">
+              <a:buFont typeface="Arial" panose="020B0604020202020204" pitchFamily="34" charset="0"/>
+              <a:buChar char="•"/>
+            </a:pPr>
+            <a:endParaRPr lang="en-US" sz="2000" dirty="0"/>
+          </a:p>
+          <a:p>
+            <a:pPr marL="285750" indent="-285750">
+              <a:buFont typeface="Arial" panose="020B0604020202020204" pitchFamily="34" charset="0"/>
+              <a:buChar char="•"/>
+            </a:pPr>
+            <a:r>
+              <a:rPr lang="en-US" sz="2000" dirty="0"/>
+              <a:t>New instance declared with </a:t>
+            </a:r>
+          </a:p>
+          <a:p>
+            <a:r>
+              <a:rPr lang="en-US" sz="2000" dirty="0"/>
+              <a:t>    instance = </a:t>
+            </a:r>
+            <a:r>
+              <a:rPr lang="en-US" sz="2000" dirty="0" err="1"/>
+              <a:t>ClassName</a:t>
+            </a:r>
+            <a:r>
+              <a:rPr lang="en-US" sz="2000" dirty="0"/>
+              <a:t>()</a:t>
+            </a:r>
+          </a:p>
+          <a:p>
+            <a:r>
+              <a:rPr lang="en-US" sz="2000" dirty="0"/>
+              <a:t> </a:t>
+            </a:r>
+          </a:p>
+          <a:p>
+            <a:endParaRPr lang="en-US" sz="2000" dirty="0"/>
+          </a:p>
+          <a:p>
+            <a:endParaRPr lang="en-US" sz="2000" dirty="0"/>
+          </a:p>
+          <a:p>
+            <a:endParaRPr lang="en-US" sz="2000" dirty="0"/>
+          </a:p>
+          <a:p>
+            <a:pPr marL="285750" indent="-285750">
+              <a:buFont typeface="Arial" panose="020B0604020202020204" pitchFamily="34" charset="0"/>
+              <a:buChar char="•"/>
+            </a:pPr>
+            <a:endParaRPr lang="en-US" sz="2000" dirty="0"/>
+          </a:p>
+          <a:p>
+            <a:endParaRPr lang="en-US" sz="2000" dirty="0"/>
+          </a:p>
+          <a:p>
+            <a:endParaRPr lang="en-US" sz="2000" dirty="0"/>
+          </a:p>
+          <a:p>
+            <a:endParaRPr lang="en-US" sz="2000" dirty="0"/>
+          </a:p>
+          <a:p>
+            <a:pPr marL="285750" indent="-285750">
+              <a:buFont typeface="Arial" panose="020B0604020202020204" pitchFamily="34" charset="0"/>
+              <a:buChar char="•"/>
+            </a:pPr>
+            <a:endParaRPr lang="en-US" sz="2400" dirty="0"/>
+          </a:p>
+        </p:txBody>
+      </p:sp>
+      <p:pic>
+        <p:nvPicPr>
+          <p:cNvPr id="15" name="Picture 14">
+            <a:extLst>
+              <a:ext uri="{FF2B5EF4-FFF2-40B4-BE49-F238E27FC236}">
+                <a16:creationId xmlns:a16="http://schemas.microsoft.com/office/drawing/2014/main" id="{52DF56EC-A66B-8FFD-16E4-5662268C4954}"/>
+              </a:ext>
+            </a:extLst>
+          </p:cNvPr>
+          <p:cNvPicPr>
+            <a:picLocks noChangeAspect="1"/>
+          </p:cNvPicPr>
+          <p:nvPr/>
+        </p:nvPicPr>
+        <p:blipFill>
+          <a:blip r:embed="rId4"/>
+          <a:stretch>
+            <a:fillRect/>
+          </a:stretch>
+        </p:blipFill>
+        <p:spPr>
+          <a:xfrm>
+            <a:off x="5871722" y="833158"/>
+            <a:ext cx="5704263" cy="5437557"/>
+          </a:xfrm>
+          <a:prstGeom prst="rect">
+            <a:avLst/>
+          </a:prstGeom>
+        </p:spPr>
+      </p:pic>
+    </p:spTree>
+    <p:extLst>
+      <p:ext uri="{BB962C8B-B14F-4D97-AF65-F5344CB8AC3E}">
+        <p14:creationId xmlns:p14="http://schemas.microsoft.com/office/powerpoint/2010/main" val="2561174549"/>
+      </p:ext>
+    </p:extLst>
+  </p:cSld>
+  <p:clrMapOvr>
+    <a:masterClrMapping/>
+  </p:clrMapOvr>
+</p:sld>
+</file>
+
+<file path=ppt/slides/slide8.xml><?xml version="1.0" encoding="utf-8"?>
+<p:sld xmlns:a="http://schemas.openxmlformats.org/drawingml/2006/main" xmlns:r="http://schemas.openxmlformats.org/officeDocument/2006/relationships" xmlns:p="http://schemas.openxmlformats.org/presentationml/2006/main">
+  <p:cSld>
+    <p:spTree>
+      <p:nvGrpSpPr>
+        <p:cNvPr id="1" name="Shape 100"/>
+        <p:cNvGrpSpPr/>
+        <p:nvPr/>
+      </p:nvGrpSpPr>
+      <p:grpSpPr>
+        <a:xfrm>
+          <a:off x="0" y="0"/>
+          <a:ext cx="0" cy="0"/>
+          <a:chOff x="0" y="0"/>
+          <a:chExt cx="0" cy="0"/>
+        </a:xfrm>
+      </p:grpSpPr>
+      <p:grpSp>
+        <p:nvGrpSpPr>
+          <p:cNvPr id="101" name="Google Shape;101;p14"/>
+          <p:cNvGrpSpPr/>
+          <p:nvPr/>
+        </p:nvGrpSpPr>
+        <p:grpSpPr>
+          <a:xfrm>
+            <a:off x="-46652" y="0"/>
+            <a:ext cx="12288417" cy="839755"/>
+            <a:chOff x="-46652" y="0"/>
+            <a:chExt cx="12288417" cy="839755"/>
+          </a:xfrm>
+        </p:grpSpPr>
+        <p:sp>
+          <p:nvSpPr>
+            <p:cNvPr id="102" name="Google Shape;102;p14"/>
+            <p:cNvSpPr/>
+            <p:nvPr/>
+          </p:nvSpPr>
+          <p:spPr>
+            <a:xfrm>
+              <a:off x="0" y="0"/>
+              <a:ext cx="12192000" cy="830425"/>
+            </a:xfrm>
+            <a:prstGeom prst="rect">
+              <a:avLst/>
+            </a:prstGeom>
+            <a:solidFill>
+              <a:srgbClr val="19243B"/>
+            </a:solidFill>
+            <a:ln w="12700" cap="flat" cmpd="sng">
+              <a:solidFill>
+                <a:srgbClr val="19243B"/>
+              </a:solidFill>
+              <a:prstDash val="solid"/>
+              <a:miter lim="800000"/>
+              <a:headEnd type="none" w="sm" len="sm"/>
+              <a:tailEnd type="none" w="sm" len="sm"/>
+            </a:ln>
+          </p:spPr>
+          <p:txBody>
+            <a:bodyPr spcFirstLastPara="1" wrap="square" lIns="91425" tIns="45700" rIns="91425" bIns="45700" anchor="ctr" anchorCtr="0">
+              <a:noAutofit/>
+            </a:bodyPr>
+            <a:lstStyle/>
+            <a:p>
+              <a:pPr marL="0" marR="0" lvl="0" indent="0" algn="ctr" rtl="0">
+                <a:lnSpc>
+                  <a:spcPct val="100000"/>
+                </a:lnSpc>
+                <a:spcBef>
+                  <a:spcPts val="0"/>
+                </a:spcBef>
+                <a:spcAft>
+                  <a:spcPts val="0"/>
+                </a:spcAft>
+                <a:buClr>
+                  <a:srgbClr val="000000"/>
+                </a:buClr>
+                <a:buSzPts val="1800"/>
+                <a:buFont typeface="Arial"/>
+                <a:buNone/>
+              </a:pPr>
+              <a:endParaRPr sz="1800" b="0" i="0" u="none" strike="noStrike" cap="none" dirty="0">
+                <a:solidFill>
+                  <a:schemeClr val="lt1"/>
+                </a:solidFill>
+                <a:latin typeface="Calibri"/>
+                <a:ea typeface="Calibri"/>
+                <a:cs typeface="Calibri"/>
+                <a:sym typeface="Calibri"/>
+              </a:endParaRPr>
+            </a:p>
+          </p:txBody>
+        </p:sp>
+        <p:cxnSp>
+          <p:nvCxnSpPr>
+            <p:cNvPr id="103" name="Google Shape;103;p14"/>
+            <p:cNvCxnSpPr/>
+            <p:nvPr/>
+          </p:nvCxnSpPr>
+          <p:spPr>
+            <a:xfrm>
+              <a:off x="-46652" y="839755"/>
+              <a:ext cx="12288417" cy="0"/>
+            </a:xfrm>
+            <a:prstGeom prst="straightConnector1">
+              <a:avLst/>
+            </a:prstGeom>
+            <a:noFill/>
+            <a:ln w="28575" cap="flat" cmpd="sng">
+              <a:solidFill>
+                <a:srgbClr val="5EE1E6"/>
+              </a:solidFill>
+              <a:prstDash val="solid"/>
+              <a:miter lim="800000"/>
+              <a:headEnd type="none" w="sm" len="sm"/>
+              <a:tailEnd type="none" w="sm" len="sm"/>
+            </a:ln>
+          </p:spPr>
+        </p:cxnSp>
+      </p:grpSp>
+      <p:sp>
+        <p:nvSpPr>
+          <p:cNvPr id="104" name="Google Shape;104;p14"/>
+          <p:cNvSpPr txBox="1">
+            <a:spLocks noGrp="1"/>
+          </p:cNvSpPr>
+          <p:nvPr>
+            <p:ph type="title"/>
+          </p:nvPr>
+        </p:nvSpPr>
+        <p:spPr>
+          <a:xfrm>
+            <a:off x="102637" y="103870"/>
+            <a:ext cx="11420670" cy="642580"/>
+          </a:xfrm>
+          <a:prstGeom prst="rect">
+            <a:avLst/>
+          </a:prstGeom>
+          <a:noFill/>
+          <a:ln>
+            <a:noFill/>
+          </a:ln>
+        </p:spPr>
+        <p:txBody>
+          <a:bodyPr spcFirstLastPara="1" wrap="square" lIns="91425" tIns="45700" rIns="91425" bIns="45700" anchor="ctr" anchorCtr="0">
+            <a:normAutofit fontScale="90000"/>
+          </a:bodyPr>
+          <a:lstStyle/>
+          <a:p>
+            <a:r>
+              <a:rPr lang="en-US" dirty="0">
+                <a:solidFill>
+                  <a:schemeClr val="bg1"/>
+                </a:solidFill>
+              </a:rPr>
+              <a:t>Output for Prev. Slide</a:t>
+            </a:r>
+          </a:p>
+        </p:txBody>
+      </p:sp>
+      <p:grpSp>
+        <p:nvGrpSpPr>
+          <p:cNvPr id="105" name="Google Shape;105;p14"/>
+          <p:cNvGrpSpPr/>
+          <p:nvPr/>
+        </p:nvGrpSpPr>
+        <p:grpSpPr>
+          <a:xfrm>
+            <a:off x="0" y="6245831"/>
+            <a:ext cx="12241765" cy="618932"/>
+            <a:chOff x="-1" y="6239068"/>
+            <a:chExt cx="12219993" cy="618932"/>
+          </a:xfrm>
+        </p:grpSpPr>
+        <p:sp>
+          <p:nvSpPr>
+            <p:cNvPr id="106" name="Google Shape;106;p14"/>
+            <p:cNvSpPr/>
+            <p:nvPr/>
+          </p:nvSpPr>
+          <p:spPr>
+            <a:xfrm>
+              <a:off x="-1" y="6263952"/>
+              <a:ext cx="12192000" cy="594048"/>
+            </a:xfrm>
+            <a:prstGeom prst="rect">
+              <a:avLst/>
+            </a:prstGeom>
+            <a:solidFill>
+              <a:srgbClr val="19243B"/>
+            </a:solidFill>
+            <a:ln w="12700" cap="flat" cmpd="sng">
+              <a:solidFill>
+                <a:srgbClr val="19243B"/>
+              </a:solidFill>
+              <a:prstDash val="solid"/>
+              <a:miter lim="800000"/>
+              <a:headEnd type="none" w="sm" len="sm"/>
+              <a:tailEnd type="none" w="sm" len="sm"/>
+            </a:ln>
+          </p:spPr>
+          <p:txBody>
+            <a:bodyPr spcFirstLastPara="1" wrap="square" lIns="91425" tIns="45700" rIns="91425" bIns="45700" anchor="ctr" anchorCtr="0">
+              <a:noAutofit/>
+            </a:bodyPr>
+            <a:lstStyle/>
+            <a:p>
+              <a:pPr marL="0" marR="0" lvl="0" indent="0" algn="ctr" rtl="0">
+                <a:lnSpc>
+                  <a:spcPct val="100000"/>
+                </a:lnSpc>
+                <a:spcBef>
+                  <a:spcPts val="0"/>
+                </a:spcBef>
+                <a:spcAft>
+                  <a:spcPts val="0"/>
+                </a:spcAft>
+                <a:buClr>
+                  <a:srgbClr val="000000"/>
+                </a:buClr>
+                <a:buSzPts val="1800"/>
+                <a:buFont typeface="Arial"/>
+                <a:buNone/>
+              </a:pPr>
+              <a:endParaRPr sz="1800" b="0" i="0" u="none" strike="noStrike" cap="none">
+                <a:solidFill>
+                  <a:schemeClr val="lt1"/>
+                </a:solidFill>
+                <a:latin typeface="Calibri"/>
+                <a:ea typeface="Calibri"/>
+                <a:cs typeface="Calibri"/>
+                <a:sym typeface="Calibri"/>
+              </a:endParaRPr>
+            </a:p>
+          </p:txBody>
+        </p:sp>
+        <p:cxnSp>
+          <p:nvCxnSpPr>
+            <p:cNvPr id="107" name="Google Shape;107;p14"/>
+            <p:cNvCxnSpPr/>
+            <p:nvPr/>
+          </p:nvCxnSpPr>
+          <p:spPr>
+            <a:xfrm>
+              <a:off x="0" y="6239068"/>
+              <a:ext cx="12219992" cy="0"/>
+            </a:xfrm>
+            <a:prstGeom prst="straightConnector1">
+              <a:avLst/>
+            </a:prstGeom>
+            <a:noFill/>
+            <a:ln w="28575" cap="flat" cmpd="sng">
+              <a:solidFill>
+                <a:srgbClr val="5EE1E6"/>
+              </a:solidFill>
+              <a:prstDash val="solid"/>
+              <a:miter lim="800000"/>
+              <a:headEnd type="none" w="sm" len="sm"/>
+              <a:tailEnd type="none" w="sm" len="sm"/>
+            </a:ln>
+          </p:spPr>
+        </p:cxnSp>
+      </p:grpSp>
+      <p:sp>
+        <p:nvSpPr>
+          <p:cNvPr id="110" name="Google Shape;110;p14"/>
+          <p:cNvSpPr txBox="1">
+            <a:spLocks noGrp="1"/>
+          </p:cNvSpPr>
+          <p:nvPr>
+            <p:ph type="sldNum" idx="12"/>
+          </p:nvPr>
+        </p:nvSpPr>
+        <p:spPr>
+          <a:xfrm>
+            <a:off x="9255967" y="6361015"/>
+            <a:ext cx="2743200" cy="365125"/>
+          </a:xfrm>
+          <a:prstGeom prst="rect">
+            <a:avLst/>
+          </a:prstGeom>
+          <a:noFill/>
+          <a:ln>
+            <a:noFill/>
+          </a:ln>
+        </p:spPr>
+        <p:txBody>
+          <a:bodyPr spcFirstLastPara="1" wrap="square" lIns="91425" tIns="45700" rIns="91425" bIns="45700" anchor="ctr" anchorCtr="0">
+            <a:noAutofit/>
+          </a:bodyPr>
+          <a:lstStyle/>
+          <a:p>
+            <a:pPr marL="0" lvl="0" indent="0" algn="r" rtl="0">
+              <a:lnSpc>
+                <a:spcPct val="100000"/>
+              </a:lnSpc>
+              <a:spcBef>
+                <a:spcPts val="0"/>
+              </a:spcBef>
+              <a:spcAft>
+                <a:spcPts val="0"/>
+              </a:spcAft>
+              <a:buSzPts val="1200"/>
+              <a:buNone/>
+            </a:pPr>
+            <a:fld id="{00000000-1234-1234-1234-123412341234}" type="slidenum">
+              <a:rPr lang="en-US">
+                <a:solidFill>
+                  <a:schemeClr val="lt1"/>
+                </a:solidFill>
+              </a:rPr>
+              <a:t>8</a:t>
+            </a:fld>
+            <a:endParaRPr>
+              <a:solidFill>
+                <a:schemeClr val="lt1"/>
+              </a:solidFill>
+            </a:endParaRPr>
+          </a:p>
+        </p:txBody>
+      </p:sp>
+      <p:pic>
+        <p:nvPicPr>
+          <p:cNvPr id="2" name="Picture 1">
+            <a:extLst>
+              <a:ext uri="{FF2B5EF4-FFF2-40B4-BE49-F238E27FC236}">
+                <a16:creationId xmlns:a16="http://schemas.microsoft.com/office/drawing/2014/main" id="{6922405F-BF71-BF9E-93AC-9A36A87455CB}"/>
+              </a:ext>
+            </a:extLst>
+          </p:cNvPr>
+          <p:cNvPicPr>
+            <a:picLocks noChangeAspect="1"/>
+          </p:cNvPicPr>
+          <p:nvPr/>
+        </p:nvPicPr>
+        <p:blipFill>
+          <a:blip r:embed="rId3"/>
+          <a:stretch>
+            <a:fillRect/>
+          </a:stretch>
+        </p:blipFill>
+        <p:spPr>
+          <a:xfrm>
+            <a:off x="-441435" y="5502848"/>
+            <a:ext cx="2823575" cy="2129782"/>
+          </a:xfrm>
+          <a:prstGeom prst="rect">
+            <a:avLst/>
+          </a:prstGeom>
+        </p:spPr>
+      </p:pic>
+      <p:sp>
+        <p:nvSpPr>
+          <p:cNvPr id="4" name="TextBox 3">
+            <a:extLst>
+              <a:ext uri="{FF2B5EF4-FFF2-40B4-BE49-F238E27FC236}">
+                <a16:creationId xmlns:a16="http://schemas.microsoft.com/office/drawing/2014/main" id="{2D4DC7E7-09F4-F017-EF33-815A537BF863}"/>
+              </a:ext>
+            </a:extLst>
+          </p:cNvPr>
+          <p:cNvSpPr txBox="1"/>
+          <p:nvPr/>
+        </p:nvSpPr>
+        <p:spPr>
+          <a:xfrm>
+            <a:off x="249382" y="1122218"/>
+            <a:ext cx="530915" cy="523220"/>
+          </a:xfrm>
+          <a:prstGeom prst="rect">
+            <a:avLst/>
+          </a:prstGeom>
+          <a:noFill/>
+        </p:spPr>
+        <p:txBody>
+          <a:bodyPr wrap="none" rtlCol="0">
+            <a:spAutoFit/>
+          </a:bodyPr>
+          <a:lstStyle/>
+          <a:p>
+            <a:endParaRPr lang="en-US" dirty="0"/>
+          </a:p>
+          <a:p>
+            <a:pPr marL="342900" indent="-342900">
+              <a:buAutoNum type="arabicPeriod"/>
+            </a:pPr>
+            <a:endParaRPr lang="en-US" dirty="0"/>
+          </a:p>
+        </p:txBody>
+      </p:sp>
+      <p:pic>
+        <p:nvPicPr>
+          <p:cNvPr id="3" name="Picture 2">
+            <a:extLst>
+              <a:ext uri="{FF2B5EF4-FFF2-40B4-BE49-F238E27FC236}">
+                <a16:creationId xmlns:a16="http://schemas.microsoft.com/office/drawing/2014/main" id="{F9AE6C29-F23A-A76B-47EA-B818045278D4}"/>
+              </a:ext>
+            </a:extLst>
+          </p:cNvPr>
+          <p:cNvPicPr>
+            <a:picLocks noChangeAspect="1"/>
+          </p:cNvPicPr>
+          <p:nvPr/>
+        </p:nvPicPr>
+        <p:blipFill>
+          <a:blip r:embed="rId4"/>
+          <a:stretch>
+            <a:fillRect/>
+          </a:stretch>
+        </p:blipFill>
+        <p:spPr>
+          <a:xfrm>
+            <a:off x="6010621" y="899136"/>
+            <a:ext cx="6066589" cy="3278829"/>
+          </a:xfrm>
+          <a:prstGeom prst="rect">
+            <a:avLst/>
+          </a:prstGeom>
+        </p:spPr>
+      </p:pic>
+      <p:pic>
+        <p:nvPicPr>
+          <p:cNvPr id="6" name="Picture 5">
+            <a:extLst>
+              <a:ext uri="{FF2B5EF4-FFF2-40B4-BE49-F238E27FC236}">
+                <a16:creationId xmlns:a16="http://schemas.microsoft.com/office/drawing/2014/main" id="{67F8F278-30AF-1935-1BD1-BCE222C26C0C}"/>
+              </a:ext>
+            </a:extLst>
+          </p:cNvPr>
+          <p:cNvPicPr>
+            <a:picLocks noChangeAspect="1"/>
+          </p:cNvPicPr>
+          <p:nvPr/>
+        </p:nvPicPr>
+        <p:blipFill>
+          <a:blip r:embed="rId5"/>
+          <a:stretch>
+            <a:fillRect/>
+          </a:stretch>
+        </p:blipFill>
+        <p:spPr>
+          <a:xfrm>
+            <a:off x="114790" y="899136"/>
+            <a:ext cx="5370197" cy="5119110"/>
+          </a:xfrm>
+          <a:prstGeom prst="rect">
+            <a:avLst/>
+          </a:prstGeom>
+        </p:spPr>
+      </p:pic>
+      <p:sp>
+        <p:nvSpPr>
+          <p:cNvPr id="7" name="TextBox 6">
+            <a:extLst>
+              <a:ext uri="{FF2B5EF4-FFF2-40B4-BE49-F238E27FC236}">
+                <a16:creationId xmlns:a16="http://schemas.microsoft.com/office/drawing/2014/main" id="{38932857-1615-4A85-76C5-7A4B7E551F3F}"/>
+              </a:ext>
+            </a:extLst>
+          </p:cNvPr>
+          <p:cNvSpPr txBox="1"/>
+          <p:nvPr/>
+        </p:nvSpPr>
+        <p:spPr>
+          <a:xfrm>
+            <a:off x="6041212" y="4811850"/>
+            <a:ext cx="4300522" cy="954107"/>
+          </a:xfrm>
+          <a:prstGeom prst="rect">
+            <a:avLst/>
+          </a:prstGeom>
+          <a:noFill/>
+        </p:spPr>
+        <p:txBody>
+          <a:bodyPr wrap="square" rtlCol="0">
+            <a:spAutoFit/>
+          </a:bodyPr>
+          <a:lstStyle/>
+          <a:p>
+            <a:r>
+              <a:rPr lang="en-US" sz="2800" dirty="0"/>
+              <a:t>Let’s dive into some more examples in code!</a:t>
+            </a:r>
+          </a:p>
+        </p:txBody>
+      </p:sp>
+    </p:spTree>
+    <p:extLst>
+      <p:ext uri="{BB962C8B-B14F-4D97-AF65-F5344CB8AC3E}">
+        <p14:creationId xmlns:p14="http://schemas.microsoft.com/office/powerpoint/2010/main" val="2531193125"/>
+      </p:ext>
+    </p:extLst>
+  </p:cSld>
+  <p:clrMapOvr>
+    <a:masterClrMapping/>
+  </p:clrMapOvr>
+</p:sld>
+</file>
+
+<file path=ppt/slides/slide9.xml><?xml version="1.0" encoding="utf-8"?>
+<p:sld xmlns:a="http://schemas.openxmlformats.org/drawingml/2006/main" xmlns:r="http://schemas.openxmlformats.org/officeDocument/2006/relationships" xmlns:p="http://schemas.openxmlformats.org/presentationml/2006/main">
+  <p:cSld>
+    <p:spTree>
+      <p:nvGrpSpPr>
+        <p:cNvPr id="1" name="Shape 100"/>
+        <p:cNvGrpSpPr/>
+        <p:nvPr/>
+      </p:nvGrpSpPr>
+      <p:grpSpPr>
+        <a:xfrm>
+          <a:off x="0" y="0"/>
+          <a:ext cx="0" cy="0"/>
+          <a:chOff x="0" y="0"/>
+          <a:chExt cx="0" cy="0"/>
+        </a:xfrm>
+      </p:grpSpPr>
+      <p:grpSp>
+        <p:nvGrpSpPr>
+          <p:cNvPr id="101" name="Google Shape;101;p14"/>
+          <p:cNvGrpSpPr/>
+          <p:nvPr/>
+        </p:nvGrpSpPr>
+        <p:grpSpPr>
+          <a:xfrm>
+            <a:off x="-46652" y="0"/>
+            <a:ext cx="12288417" cy="839755"/>
+            <a:chOff x="-46652" y="0"/>
+            <a:chExt cx="12288417" cy="839755"/>
+          </a:xfrm>
+        </p:grpSpPr>
+        <p:sp>
+          <p:nvSpPr>
+            <p:cNvPr id="102" name="Google Shape;102;p14"/>
+            <p:cNvSpPr/>
+            <p:nvPr/>
+          </p:nvSpPr>
+          <p:spPr>
+            <a:xfrm>
+              <a:off x="0" y="0"/>
+              <a:ext cx="12192000" cy="830425"/>
+            </a:xfrm>
+            <a:prstGeom prst="rect">
+              <a:avLst/>
+            </a:prstGeom>
+            <a:solidFill>
+              <a:srgbClr val="19243B"/>
+            </a:solidFill>
+            <a:ln w="12700" cap="flat" cmpd="sng">
+              <a:solidFill>
+                <a:srgbClr val="19243B"/>
+              </a:solidFill>
+              <a:prstDash val="solid"/>
+              <a:miter lim="800000"/>
+              <a:headEnd type="none" w="sm" len="sm"/>
+              <a:tailEnd type="none" w="sm" len="sm"/>
+            </a:ln>
+          </p:spPr>
+          <p:txBody>
+            <a:bodyPr spcFirstLastPara="1" wrap="square" lIns="91425" tIns="45700" rIns="91425" bIns="45700" anchor="ctr" anchorCtr="0">
+              <a:noAutofit/>
+            </a:bodyPr>
+            <a:lstStyle/>
+            <a:p>
+              <a:pPr marL="0" marR="0" lvl="0" indent="0" algn="ctr" rtl="0">
+                <a:lnSpc>
+                  <a:spcPct val="100000"/>
+                </a:lnSpc>
+                <a:spcBef>
+                  <a:spcPts val="0"/>
+                </a:spcBef>
+                <a:spcAft>
+                  <a:spcPts val="0"/>
+                </a:spcAft>
+                <a:buClr>
+                  <a:srgbClr val="000000"/>
+                </a:buClr>
+                <a:buSzPts val="1800"/>
+                <a:buFont typeface="Arial"/>
+                <a:buNone/>
+              </a:pPr>
+              <a:endParaRPr sz="1800" b="0" i="0" u="none" strike="noStrike" cap="none">
+                <a:solidFill>
+                  <a:schemeClr val="lt1"/>
+                </a:solidFill>
+                <a:latin typeface="Calibri"/>
+                <a:ea typeface="Calibri"/>
+                <a:cs typeface="Calibri"/>
+                <a:sym typeface="Calibri"/>
+              </a:endParaRPr>
+            </a:p>
+          </p:txBody>
+        </p:sp>
+        <p:cxnSp>
+          <p:nvCxnSpPr>
+            <p:cNvPr id="103" name="Google Shape;103;p14"/>
+            <p:cNvCxnSpPr/>
+            <p:nvPr/>
+          </p:nvCxnSpPr>
+          <p:spPr>
+            <a:xfrm>
+              <a:off x="-46652" y="839755"/>
+              <a:ext cx="12288417" cy="0"/>
+            </a:xfrm>
+            <a:prstGeom prst="straightConnector1">
+              <a:avLst/>
+            </a:prstGeom>
+            <a:noFill/>
+            <a:ln w="28575" cap="flat" cmpd="sng">
+              <a:solidFill>
+                <a:srgbClr val="5EE1E6"/>
+              </a:solidFill>
+              <a:prstDash val="solid"/>
+              <a:miter lim="800000"/>
+              <a:headEnd type="none" w="sm" len="sm"/>
+              <a:tailEnd type="none" w="sm" len="sm"/>
+            </a:ln>
+          </p:spPr>
+        </p:cxnSp>
+      </p:grpSp>
+      <p:sp>
+        <p:nvSpPr>
+          <p:cNvPr id="104" name="Google Shape;104;p14"/>
+          <p:cNvSpPr txBox="1">
+            <a:spLocks noGrp="1"/>
+          </p:cNvSpPr>
+          <p:nvPr>
+            <p:ph type="title"/>
+          </p:nvPr>
+        </p:nvSpPr>
+        <p:spPr>
+          <a:xfrm>
+            <a:off x="102637" y="103870"/>
+            <a:ext cx="11420670" cy="642580"/>
+          </a:xfrm>
+          <a:prstGeom prst="rect">
+            <a:avLst/>
+          </a:prstGeom>
+          <a:noFill/>
+          <a:ln>
+            <a:noFill/>
+          </a:ln>
+        </p:spPr>
+        <p:txBody>
+          <a:bodyPr spcFirstLastPara="1" wrap="square" lIns="91425" tIns="45700" rIns="91425" bIns="45700" anchor="ctr" anchorCtr="0">
+            <a:normAutofit/>
+          </a:bodyPr>
+          <a:lstStyle/>
+          <a:p>
+            <a:r>
+              <a:rPr lang="en-US" sz="3600" dirty="0">
+                <a:solidFill>
+                  <a:schemeClr val="lt1"/>
+                </a:solidFill>
+              </a:rPr>
+              <a:t>What are Libraries</a:t>
+            </a:r>
+            <a:endParaRPr lang="en-US" dirty="0"/>
+          </a:p>
+        </p:txBody>
+      </p:sp>
+      <p:grpSp>
+        <p:nvGrpSpPr>
+          <p:cNvPr id="105" name="Google Shape;105;p14"/>
+          <p:cNvGrpSpPr/>
+          <p:nvPr/>
+        </p:nvGrpSpPr>
+        <p:grpSpPr>
+          <a:xfrm>
+            <a:off x="0" y="6245831"/>
+            <a:ext cx="12241765" cy="618932"/>
+            <a:chOff x="-1" y="6239068"/>
+            <a:chExt cx="12219993" cy="618932"/>
+          </a:xfrm>
+        </p:grpSpPr>
+        <p:sp>
+          <p:nvSpPr>
+            <p:cNvPr id="106" name="Google Shape;106;p14"/>
+            <p:cNvSpPr/>
+            <p:nvPr/>
+          </p:nvSpPr>
+          <p:spPr>
+            <a:xfrm>
+              <a:off x="-1" y="6263952"/>
+              <a:ext cx="12192000" cy="594048"/>
+            </a:xfrm>
+            <a:prstGeom prst="rect">
+              <a:avLst/>
+            </a:prstGeom>
+            <a:solidFill>
+              <a:srgbClr val="19243B"/>
+            </a:solidFill>
+            <a:ln w="12700" cap="flat" cmpd="sng">
+              <a:solidFill>
+                <a:srgbClr val="19243B"/>
+              </a:solidFill>
+              <a:prstDash val="solid"/>
+              <a:miter lim="800000"/>
+              <a:headEnd type="none" w="sm" len="sm"/>
+              <a:tailEnd type="none" w="sm" len="sm"/>
+            </a:ln>
+          </p:spPr>
+          <p:txBody>
+            <a:bodyPr spcFirstLastPara="1" wrap="square" lIns="91425" tIns="45700" rIns="91425" bIns="45700" anchor="ctr" anchorCtr="0">
+              <a:noAutofit/>
+            </a:bodyPr>
+            <a:lstStyle/>
+            <a:p>
+              <a:pPr marL="0" marR="0" lvl="0" indent="0" algn="ctr" rtl="0">
+                <a:lnSpc>
+                  <a:spcPct val="100000"/>
+                </a:lnSpc>
+                <a:spcBef>
+                  <a:spcPts val="0"/>
+                </a:spcBef>
+                <a:spcAft>
+                  <a:spcPts val="0"/>
+                </a:spcAft>
+                <a:buClr>
+                  <a:srgbClr val="000000"/>
+                </a:buClr>
+                <a:buSzPts val="1800"/>
+                <a:buFont typeface="Arial"/>
+                <a:buNone/>
+              </a:pPr>
+              <a:endParaRPr sz="1800" b="0" i="0" u="none" strike="noStrike" cap="none">
+                <a:solidFill>
+                  <a:schemeClr val="lt1"/>
+                </a:solidFill>
+                <a:latin typeface="Calibri"/>
+                <a:ea typeface="Calibri"/>
+                <a:cs typeface="Calibri"/>
+                <a:sym typeface="Calibri"/>
+              </a:endParaRPr>
+            </a:p>
+          </p:txBody>
+        </p:sp>
+        <p:cxnSp>
+          <p:nvCxnSpPr>
+            <p:cNvPr id="107" name="Google Shape;107;p14"/>
+            <p:cNvCxnSpPr/>
+            <p:nvPr/>
+          </p:nvCxnSpPr>
+          <p:spPr>
+            <a:xfrm>
+              <a:off x="0" y="6239068"/>
+              <a:ext cx="12219992" cy="0"/>
+            </a:xfrm>
+            <a:prstGeom prst="straightConnector1">
+              <a:avLst/>
+            </a:prstGeom>
+            <a:noFill/>
+            <a:ln w="28575" cap="flat" cmpd="sng">
+              <a:solidFill>
+                <a:srgbClr val="5EE1E6"/>
+              </a:solidFill>
+              <a:prstDash val="solid"/>
+              <a:miter lim="800000"/>
+              <a:headEnd type="none" w="sm" len="sm"/>
+              <a:tailEnd type="none" w="sm" len="sm"/>
+            </a:ln>
+          </p:spPr>
+        </p:cxnSp>
+      </p:grpSp>
+      <p:sp>
+        <p:nvSpPr>
+          <p:cNvPr id="110" name="Google Shape;110;p14"/>
+          <p:cNvSpPr txBox="1">
+            <a:spLocks noGrp="1"/>
+          </p:cNvSpPr>
+          <p:nvPr>
+            <p:ph type="sldNum" idx="12"/>
+          </p:nvPr>
+        </p:nvSpPr>
+        <p:spPr>
+          <a:xfrm>
+            <a:off x="9255967" y="6361015"/>
+            <a:ext cx="2743200" cy="365125"/>
+          </a:xfrm>
+          <a:prstGeom prst="rect">
+            <a:avLst/>
+          </a:prstGeom>
+          <a:noFill/>
+          <a:ln>
+            <a:noFill/>
+          </a:ln>
+        </p:spPr>
+        <p:txBody>
+          <a:bodyPr spcFirstLastPara="1" wrap="square" lIns="91425" tIns="45700" rIns="91425" bIns="45700" anchor="ctr" anchorCtr="0">
+            <a:noAutofit/>
+          </a:bodyPr>
+          <a:lstStyle/>
+          <a:p>
+            <a:pPr marL="0" lvl="0" indent="0" algn="r" rtl="0">
+              <a:lnSpc>
+                <a:spcPct val="100000"/>
+              </a:lnSpc>
+              <a:spcBef>
+                <a:spcPts val="0"/>
+              </a:spcBef>
+              <a:spcAft>
+                <a:spcPts val="0"/>
+              </a:spcAft>
+              <a:buSzPts val="1200"/>
+              <a:buNone/>
+            </a:pPr>
+            <a:fld id="{00000000-1234-1234-1234-123412341234}" type="slidenum">
+              <a:rPr lang="en-US">
+                <a:solidFill>
+                  <a:schemeClr val="lt1"/>
+                </a:solidFill>
+              </a:rPr>
+              <a:t>9</a:t>
+            </a:fld>
+            <a:endParaRPr>
+              <a:solidFill>
+                <a:schemeClr val="lt1"/>
+              </a:solidFill>
+            </a:endParaRPr>
+          </a:p>
+        </p:txBody>
+      </p:sp>
+      <p:pic>
+        <p:nvPicPr>
+          <p:cNvPr id="2" name="Picture 1">
+            <a:extLst>
+              <a:ext uri="{FF2B5EF4-FFF2-40B4-BE49-F238E27FC236}">
+                <a16:creationId xmlns:a16="http://schemas.microsoft.com/office/drawing/2014/main" id="{6922405F-BF71-BF9E-93AC-9A36A87455CB}"/>
+              </a:ext>
+            </a:extLst>
+          </p:cNvPr>
+          <p:cNvPicPr>
+            <a:picLocks noChangeAspect="1"/>
+          </p:cNvPicPr>
+          <p:nvPr/>
+        </p:nvPicPr>
+        <p:blipFill>
+          <a:blip r:embed="rId3"/>
+          <a:stretch>
+            <a:fillRect/>
+          </a:stretch>
+        </p:blipFill>
+        <p:spPr>
+          <a:xfrm>
+            <a:off x="-441435" y="5502848"/>
+            <a:ext cx="2823575" cy="2129782"/>
+          </a:xfrm>
+          <a:prstGeom prst="rect">
+            <a:avLst/>
+          </a:prstGeom>
+        </p:spPr>
+      </p:pic>
+      <p:sp>
+        <p:nvSpPr>
+          <p:cNvPr id="4" name="TextBox 3">
+            <a:extLst>
+              <a:ext uri="{FF2B5EF4-FFF2-40B4-BE49-F238E27FC236}">
+                <a16:creationId xmlns:a16="http://schemas.microsoft.com/office/drawing/2014/main" id="{2D4DC7E7-09F4-F017-EF33-815A537BF863}"/>
+              </a:ext>
+            </a:extLst>
+          </p:cNvPr>
+          <p:cNvSpPr txBox="1"/>
+          <p:nvPr/>
+        </p:nvSpPr>
+        <p:spPr>
+          <a:xfrm>
+            <a:off x="249382" y="1122218"/>
+            <a:ext cx="530915" cy="523220"/>
+          </a:xfrm>
+          <a:prstGeom prst="rect">
+            <a:avLst/>
+          </a:prstGeom>
+          <a:noFill/>
+        </p:spPr>
+        <p:txBody>
+          <a:bodyPr wrap="none" rtlCol="0">
+            <a:spAutoFit/>
+          </a:bodyPr>
+          <a:lstStyle/>
+          <a:p>
+            <a:endParaRPr lang="en-US" dirty="0"/>
+          </a:p>
+          <a:p>
+            <a:pPr marL="342900" indent="-342900">
+              <a:buAutoNum type="arabicPeriod"/>
+            </a:pPr>
+            <a:endParaRPr lang="en-US" dirty="0"/>
+          </a:p>
+        </p:txBody>
+      </p:sp>
+      <p:sp>
+        <p:nvSpPr>
+          <p:cNvPr id="5" name="TextBox 4">
+            <a:extLst>
+              <a:ext uri="{FF2B5EF4-FFF2-40B4-BE49-F238E27FC236}">
+                <a16:creationId xmlns:a16="http://schemas.microsoft.com/office/drawing/2014/main" id="{DAAFB2E3-8F5F-9E92-837C-E55D0B397CC5}"/>
+              </a:ext>
+            </a:extLst>
+          </p:cNvPr>
+          <p:cNvSpPr txBox="1"/>
+          <p:nvPr/>
+        </p:nvSpPr>
+        <p:spPr>
+          <a:xfrm>
+            <a:off x="249382" y="1645438"/>
+            <a:ext cx="6189125" cy="3231654"/>
+          </a:xfrm>
+          <a:prstGeom prst="rect">
+            <a:avLst/>
+          </a:prstGeom>
+          <a:noFill/>
+        </p:spPr>
+        <p:txBody>
+          <a:bodyPr wrap="square" rtlCol="0">
+            <a:spAutoFit/>
+          </a:bodyPr>
+          <a:lstStyle/>
+          <a:p>
+            <a:pPr marL="285750" indent="-285750">
+              <a:buFont typeface="Arial" panose="020B0604020202020204" pitchFamily="34" charset="0"/>
+              <a:buChar char="•"/>
+            </a:pPr>
+            <a:r>
+              <a:rPr lang="en-US" sz="2000" dirty="0"/>
+              <a:t>Allows us to compartmentalize code</a:t>
+            </a:r>
+          </a:p>
+          <a:p>
+            <a:pPr marL="285750" indent="-285750">
+              <a:buFont typeface="Arial" panose="020B0604020202020204" pitchFamily="34" charset="0"/>
+              <a:buChar char="•"/>
+            </a:pPr>
+            <a:endParaRPr lang="en-US" sz="2000" dirty="0"/>
+          </a:p>
+          <a:p>
+            <a:pPr marL="285750" indent="-285750">
+              <a:buFont typeface="Arial" panose="020B0604020202020204" pitchFamily="34" charset="0"/>
+              <a:buChar char="•"/>
+            </a:pPr>
+            <a:r>
+              <a:rPr lang="en-US" sz="2000" dirty="0"/>
+              <a:t>Makes programs more scalable</a:t>
+            </a:r>
+          </a:p>
+          <a:p>
+            <a:pPr marL="285750" indent="-285750">
+              <a:buFont typeface="Arial" panose="020B0604020202020204" pitchFamily="34" charset="0"/>
+              <a:buChar char="•"/>
+            </a:pPr>
+            <a:endParaRPr lang="en-US" sz="2000" dirty="0">
+              <a:solidFill>
+                <a:schemeClr val="lt1"/>
+              </a:solidFill>
+            </a:endParaRPr>
+          </a:p>
+          <a:p>
+            <a:pPr marL="285750" indent="-285750">
+              <a:buFont typeface="Arial" panose="020B0604020202020204" pitchFamily="34" charset="0"/>
+              <a:buChar char="•"/>
+            </a:pPr>
+            <a:r>
+              <a:rPr lang="en-US" sz="2000" dirty="0">
+                <a:solidFill>
+                  <a:schemeClr val="tx1"/>
+                </a:solidFill>
+              </a:rPr>
+              <a:t>There are people who have written code for you. So use it!</a:t>
+            </a:r>
+          </a:p>
+          <a:p>
+            <a:pPr marL="285750" indent="-285750">
+              <a:buFont typeface="Arial" panose="020B0604020202020204" pitchFamily="34" charset="0"/>
+              <a:buChar char="•"/>
+            </a:pPr>
+            <a:endParaRPr lang="en-US" sz="2000" dirty="0">
+              <a:solidFill>
+                <a:schemeClr val="tx1"/>
+              </a:solidFill>
+            </a:endParaRPr>
+          </a:p>
+          <a:p>
+            <a:pPr marL="285750" indent="-285750">
+              <a:buFont typeface="Arial" panose="020B0604020202020204" pitchFamily="34" charset="0"/>
+              <a:buChar char="•"/>
+            </a:pPr>
+            <a:r>
+              <a:rPr lang="en-US" sz="2000" dirty="0">
+                <a:solidFill>
+                  <a:schemeClr val="tx1"/>
+                </a:solidFill>
+              </a:rPr>
+              <a:t>Python provides several built-in libraries, 2 of which we’ll talk about today</a:t>
+            </a:r>
+            <a:endParaRPr lang="en-US" sz="2000" dirty="0"/>
+          </a:p>
+          <a:p>
+            <a:pPr marL="285750" indent="-285750">
+              <a:buFont typeface="Arial" panose="020B0604020202020204" pitchFamily="34" charset="0"/>
+              <a:buChar char="•"/>
+            </a:pPr>
+            <a:endParaRPr lang="en-US" sz="2400" dirty="0"/>
+          </a:p>
+        </p:txBody>
+      </p:sp>
+      <p:pic>
+        <p:nvPicPr>
+          <p:cNvPr id="7" name="Picture 6" descr="A screenshot of a computer program&#10;&#10;Description automatically generated">
+            <a:extLst>
+              <a:ext uri="{FF2B5EF4-FFF2-40B4-BE49-F238E27FC236}">
+                <a16:creationId xmlns:a16="http://schemas.microsoft.com/office/drawing/2014/main" id="{15D53F1E-36AF-4E5E-68BA-0C6A49677004}"/>
+              </a:ext>
+            </a:extLst>
+          </p:cNvPr>
+          <p:cNvPicPr>
+            <a:picLocks noChangeAspect="1"/>
+          </p:cNvPicPr>
+          <p:nvPr/>
+        </p:nvPicPr>
+        <p:blipFill>
+          <a:blip r:embed="rId4"/>
+          <a:stretch>
+            <a:fillRect/>
+          </a:stretch>
+        </p:blipFill>
+        <p:spPr>
+          <a:xfrm>
+            <a:off x="6674026" y="1296596"/>
+            <a:ext cx="5163881" cy="4492394"/>
+          </a:xfrm>
+          <a:prstGeom prst="rect">
+            <a:avLst/>
+          </a:prstGeom>
+        </p:spPr>
+      </p:pic>
+    </p:spTree>
+    <p:extLst>
+      <p:ext uri="{BB962C8B-B14F-4D97-AF65-F5344CB8AC3E}">
+        <p14:creationId xmlns:p14="http://schemas.microsoft.com/office/powerpoint/2010/main" val="3078540580"/>
       </p:ext>
     </p:extLst>
   </p:cSld>
@@ -19284,6 +24393,15 @@
 </file>
 
 <file path=customXml/item1.xml><?xml version="1.0" encoding="utf-8"?>
+<?mso-contentType ?>
+<FormTemplates xmlns="http://schemas.microsoft.com/sharepoint/v3/contenttype/forms">
+  <Display>DocumentLibraryForm</Display>
+  <Edit>DocumentLibraryForm</Edit>
+  <New>DocumentLibraryForm</New>
+</FormTemplates>
+</file>
+
+<file path=customXml/item2.xml><?xml version="1.0" encoding="utf-8"?>
 <ct:contentTypeSchema xmlns:ct="http://schemas.microsoft.com/office/2006/metadata/contentType" xmlns:ma="http://schemas.microsoft.com/office/2006/metadata/properties/metaAttributes" ct:_="" ma:_="" ma:contentTypeName="Document" ma:contentTypeID="0x01010095ECCC0FE5FC3849B38A8D6CA73048C1" ma:contentTypeVersion="14" ma:contentTypeDescription="Create a new document." ma:contentTypeScope="" ma:versionID="fc6ed8a4c1a8ce386e4ab96b4f3013df">
   <xsd:schema xmlns:xsd="http://www.w3.org/2001/XMLSchema" xmlns:xs="http://www.w3.org/2001/XMLSchema" xmlns:p="http://schemas.microsoft.com/office/2006/metadata/properties" xmlns:ns2="f4811b5b-e463-4fad-b3a8-205f3c0cff6c" xmlns:ns3="7c1283f0-0d8f-48e4-a54e-835067657bd6" targetNamespace="http://schemas.microsoft.com/office/2006/metadata/properties" ma:root="true" ma:fieldsID="c85ebeb486d4f44f8225b75da00a0a10" ns2:_="" ns3:_="">
     <xsd:import namespace="f4811b5b-e463-4fad-b3a8-205f3c0cff6c"/>
@@ -19512,15 +24630,6 @@
 </ct:contentTypeSchema>
 </file>
 
-<file path=customXml/item2.xml><?xml version="1.0" encoding="utf-8"?>
-<?mso-contentType ?>
-<FormTemplates xmlns="http://schemas.microsoft.com/sharepoint/v3/contenttype/forms">
-  <Display>DocumentLibraryForm</Display>
-  <Edit>DocumentLibraryForm</Edit>
-  <New>DocumentLibraryForm</New>
-</FormTemplates>
-</file>
-
 <file path=customXml/item3.xml><?xml version="1.0" encoding="utf-8"?>
 <p:properties xmlns:p="http://schemas.microsoft.com/office/2006/metadata/properties" xmlns:xsi="http://www.w3.org/2001/XMLSchema-instance" xmlns:pc="http://schemas.microsoft.com/office/infopath/2007/PartnerControls">
   <documentManagement>
@@ -19550,6 +24659,14 @@
 </file>
 
 <file path=customXml/itemProps1.xml><?xml version="1.0" encoding="utf-8"?>
+<ds:datastoreItem xmlns:ds="http://schemas.openxmlformats.org/officeDocument/2006/customXml" ds:itemID="{95309E96-4542-4057-BD05-C8679494A345}">
+  <ds:schemaRefs>
+    <ds:schemaRef ds:uri="http://schemas.microsoft.com/sharepoint/v3/contenttype/forms"/>
+  </ds:schemaRefs>
+</ds:datastoreItem>
+</file>
+
+<file path=customXml/itemProps2.xml><?xml version="1.0" encoding="utf-8"?>
 <ds:datastoreItem xmlns:ds="http://schemas.openxmlformats.org/officeDocument/2006/customXml" ds:itemID="{05733170-407E-4F20-A075-82B768BB9704}">
   <ds:schemaRefs>
     <ds:schemaRef ds:uri="7c1283f0-0d8f-48e4-a54e-835067657bd6"/>
@@ -19564,14 +24681,6 @@
     <ds:schemaRef ds:uri="http://schemas.microsoft.com/office/infopath/2007/PartnerControls"/>
     <ds:schemaRef ds:uri="http://schemas.openxmlformats.org/package/2006/metadata/core-properties"/>
     <ds:schemaRef ds:uri="http://www.w3.org/2001/XMLSchema"/>
-  </ds:schemaRefs>
-</ds:datastoreItem>
-</file>
-
-<file path=customXml/itemProps2.xml><?xml version="1.0" encoding="utf-8"?>
-<ds:datastoreItem xmlns:ds="http://schemas.openxmlformats.org/officeDocument/2006/customXml" ds:itemID="{95309E96-4542-4057-BD05-C8679494A345}">
-  <ds:schemaRefs>
-    <ds:schemaRef ds:uri="http://schemas.microsoft.com/sharepoint/v3/contenttype/forms"/>
   </ds:schemaRefs>
 </ds:datastoreItem>
 </file>

--- a/FA24/WK4/CodingSessionFour.pptx
+++ b/FA24/WK4/CodingSessionFour.pptx
@@ -16698,7 +16698,19 @@
                 <a:cs typeface="Calibri"/>
                 <a:sym typeface="Calibri"/>
               </a:rPr>
-              <a:t>FinTech @ IU Python Session #4 – Libraries &amp; Algorithms</a:t>
+              <a:t>FinTech @ IU Python Session #4 – </a:t>
+            </a:r>
+            <a:r>
+              <a:rPr lang="en-US" sz="3200" b="1" dirty="0">
+                <a:solidFill>
+                  <a:schemeClr val="lt1"/>
+                </a:solidFill>
+                <a:latin typeface="Calibri"/>
+                <a:ea typeface="Calibri"/>
+                <a:cs typeface="Calibri"/>
+                <a:sym typeface="Calibri"/>
+              </a:rPr>
+              <a:t>Algos, Classes, and Libraries</a:t>
             </a:r>
             <a:endParaRPr sz="3200" b="0" i="0" u="none" strike="noStrike" cap="none" dirty="0">
               <a:solidFill>
@@ -19225,7 +19237,7 @@
                   <a:schemeClr val="bg1"/>
                 </a:solidFill>
               </a:rPr>
-              <a:t>Algorithmic Complexities</a:t>
+              <a:t>Algorithmic Complexity</a:t>
             </a:r>
           </a:p>
         </p:txBody>
@@ -19833,7 +19845,7 @@
                   <a:schemeClr val="bg1"/>
                 </a:solidFill>
               </a:rPr>
-              <a:t>Algorithmic Complexities Cont.</a:t>
+              <a:t>Algorithmic Complexity Cont.</a:t>
             </a:r>
           </a:p>
         </p:txBody>
